--- a/Proyecto_NLP2021.pptx
+++ b/Proyecto_NLP2021.pptx
@@ -5,7 +5,7 @@
     <p:sldMasterId id="2147483648" r:id="rId1"/>
   </p:sldMasterIdLst>
   <p:notesMasterIdLst>
-    <p:notesMasterId r:id="rId10"/>
+    <p:notesMasterId r:id="rId11"/>
   </p:notesMasterIdLst>
   <p:sldIdLst>
     <p:sldId id="256" r:id="rId2"/>
@@ -14,8 +14,9 @@
     <p:sldId id="259" r:id="rId5"/>
     <p:sldId id="260" r:id="rId6"/>
     <p:sldId id="267" r:id="rId7"/>
-    <p:sldId id="266" r:id="rId8"/>
-    <p:sldId id="257" r:id="rId9"/>
+    <p:sldId id="268" r:id="rId8"/>
+    <p:sldId id="266" r:id="rId9"/>
+    <p:sldId id="257" r:id="rId10"/>
   </p:sldIdLst>
   <p:sldSz cx="9144000" cy="5130800"/>
   <p:notesSz cx="6858000" cy="9144000"/>
@@ -910,6 +911,753 @@
 </dgm:colorsDef>
 </file>
 
+<file path=ppt/diagrams/colors2.xml><?xml version="1.0" encoding="utf-8"?>
+<dgm:colorsDef xmlns:dgm="http://schemas.openxmlformats.org/drawingml/2006/diagram" xmlns:a="http://schemas.openxmlformats.org/drawingml/2006/main" uniqueId="urn:microsoft.com/office/officeart/2005/8/colors/accent1_2">
+  <dgm:title val=""/>
+  <dgm:desc val=""/>
+  <dgm:catLst>
+    <dgm:cat type="accent1" pri="11200"/>
+  </dgm:catLst>
+  <dgm:styleLbl name="node0">
+    <dgm:fillClrLst meth="repeat">
+      <a:schemeClr val="accent1"/>
+    </dgm:fillClrLst>
+    <dgm:linClrLst meth="repeat">
+      <a:schemeClr val="lt1"/>
+    </dgm:linClrLst>
+    <dgm:effectClrLst/>
+    <dgm:txLinClrLst/>
+    <dgm:txFillClrLst/>
+    <dgm:txEffectClrLst/>
+  </dgm:styleLbl>
+  <dgm:styleLbl name="alignNode1">
+    <dgm:fillClrLst meth="repeat">
+      <a:schemeClr val="accent1"/>
+    </dgm:fillClrLst>
+    <dgm:linClrLst meth="repeat">
+      <a:schemeClr val="accent1"/>
+    </dgm:linClrLst>
+    <dgm:effectClrLst/>
+    <dgm:txLinClrLst/>
+    <dgm:txFillClrLst/>
+    <dgm:txEffectClrLst/>
+  </dgm:styleLbl>
+  <dgm:styleLbl name="node1">
+    <dgm:fillClrLst meth="repeat">
+      <a:schemeClr val="accent1"/>
+    </dgm:fillClrLst>
+    <dgm:linClrLst meth="repeat">
+      <a:schemeClr val="lt1"/>
+    </dgm:linClrLst>
+    <dgm:effectClrLst/>
+    <dgm:txLinClrLst/>
+    <dgm:txFillClrLst/>
+    <dgm:txEffectClrLst/>
+  </dgm:styleLbl>
+  <dgm:styleLbl name="lnNode1">
+    <dgm:fillClrLst meth="repeat">
+      <a:schemeClr val="accent1"/>
+    </dgm:fillClrLst>
+    <dgm:linClrLst meth="repeat">
+      <a:schemeClr val="lt1"/>
+    </dgm:linClrLst>
+    <dgm:effectClrLst/>
+    <dgm:txLinClrLst/>
+    <dgm:txFillClrLst/>
+    <dgm:txEffectClrLst/>
+  </dgm:styleLbl>
+  <dgm:styleLbl name="vennNode1">
+    <dgm:fillClrLst meth="repeat">
+      <a:schemeClr val="accent1">
+        <a:alpha val="50000"/>
+      </a:schemeClr>
+    </dgm:fillClrLst>
+    <dgm:linClrLst meth="repeat">
+      <a:schemeClr val="lt1"/>
+    </dgm:linClrLst>
+    <dgm:effectClrLst/>
+    <dgm:txLinClrLst/>
+    <dgm:txFillClrLst/>
+    <dgm:txEffectClrLst/>
+  </dgm:styleLbl>
+  <dgm:styleLbl name="node2">
+    <dgm:fillClrLst meth="repeat">
+      <a:schemeClr val="accent1"/>
+    </dgm:fillClrLst>
+    <dgm:linClrLst meth="repeat">
+      <a:schemeClr val="lt1"/>
+    </dgm:linClrLst>
+    <dgm:effectClrLst/>
+    <dgm:txLinClrLst/>
+    <dgm:txFillClrLst/>
+    <dgm:txEffectClrLst/>
+  </dgm:styleLbl>
+  <dgm:styleLbl name="node3">
+    <dgm:fillClrLst meth="repeat">
+      <a:schemeClr val="accent1"/>
+    </dgm:fillClrLst>
+    <dgm:linClrLst meth="repeat">
+      <a:schemeClr val="lt1"/>
+    </dgm:linClrLst>
+    <dgm:effectClrLst/>
+    <dgm:txLinClrLst/>
+    <dgm:txFillClrLst/>
+    <dgm:txEffectClrLst/>
+  </dgm:styleLbl>
+  <dgm:styleLbl name="node4">
+    <dgm:fillClrLst meth="repeat">
+      <a:schemeClr val="accent1"/>
+    </dgm:fillClrLst>
+    <dgm:linClrLst meth="repeat">
+      <a:schemeClr val="lt1"/>
+    </dgm:linClrLst>
+    <dgm:effectClrLst/>
+    <dgm:txLinClrLst/>
+    <dgm:txFillClrLst/>
+    <dgm:txEffectClrLst/>
+  </dgm:styleLbl>
+  <dgm:styleLbl name="fgImgPlace1">
+    <dgm:fillClrLst meth="repeat">
+      <a:schemeClr val="accent1">
+        <a:tint val="50000"/>
+      </a:schemeClr>
+    </dgm:fillClrLst>
+    <dgm:linClrLst meth="repeat">
+      <a:schemeClr val="lt1"/>
+    </dgm:linClrLst>
+    <dgm:effectClrLst/>
+    <dgm:txLinClrLst/>
+    <dgm:txFillClrLst meth="repeat">
+      <a:schemeClr val="lt1"/>
+    </dgm:txFillClrLst>
+    <dgm:txEffectClrLst/>
+  </dgm:styleLbl>
+  <dgm:styleLbl name="alignImgPlace1">
+    <dgm:fillClrLst meth="repeat">
+      <a:schemeClr val="accent1">
+        <a:tint val="50000"/>
+      </a:schemeClr>
+    </dgm:fillClrLst>
+    <dgm:linClrLst meth="repeat">
+      <a:schemeClr val="lt1"/>
+    </dgm:linClrLst>
+    <dgm:effectClrLst/>
+    <dgm:txLinClrLst/>
+    <dgm:txFillClrLst meth="repeat">
+      <a:schemeClr val="lt1"/>
+    </dgm:txFillClrLst>
+    <dgm:txEffectClrLst/>
+  </dgm:styleLbl>
+  <dgm:styleLbl name="bgImgPlace1">
+    <dgm:fillClrLst meth="repeat">
+      <a:schemeClr val="accent1">
+        <a:tint val="50000"/>
+      </a:schemeClr>
+    </dgm:fillClrLst>
+    <dgm:linClrLst meth="repeat">
+      <a:schemeClr val="lt1"/>
+    </dgm:linClrLst>
+    <dgm:effectClrLst/>
+    <dgm:txLinClrLst/>
+    <dgm:txFillClrLst meth="repeat">
+      <a:schemeClr val="lt1"/>
+    </dgm:txFillClrLst>
+    <dgm:txEffectClrLst/>
+  </dgm:styleLbl>
+  <dgm:styleLbl name="sibTrans2D1">
+    <dgm:fillClrLst meth="repeat">
+      <a:schemeClr val="accent1">
+        <a:tint val="60000"/>
+      </a:schemeClr>
+    </dgm:fillClrLst>
+    <dgm:linClrLst meth="repeat">
+      <a:schemeClr val="accent1">
+        <a:tint val="60000"/>
+      </a:schemeClr>
+    </dgm:linClrLst>
+    <dgm:effectClrLst/>
+    <dgm:txLinClrLst/>
+    <dgm:txFillClrLst/>
+    <dgm:txEffectClrLst/>
+  </dgm:styleLbl>
+  <dgm:styleLbl name="fgSibTrans2D1">
+    <dgm:fillClrLst meth="repeat">
+      <a:schemeClr val="accent1">
+        <a:tint val="60000"/>
+      </a:schemeClr>
+    </dgm:fillClrLst>
+    <dgm:linClrLst meth="repeat">
+      <a:schemeClr val="accent1">
+        <a:tint val="60000"/>
+      </a:schemeClr>
+    </dgm:linClrLst>
+    <dgm:effectClrLst/>
+    <dgm:txLinClrLst/>
+    <dgm:txFillClrLst/>
+    <dgm:txEffectClrLst/>
+  </dgm:styleLbl>
+  <dgm:styleLbl name="bgSibTrans2D1">
+    <dgm:fillClrLst meth="repeat">
+      <a:schemeClr val="accent1">
+        <a:tint val="60000"/>
+      </a:schemeClr>
+    </dgm:fillClrLst>
+    <dgm:linClrLst meth="repeat">
+      <a:schemeClr val="accent1">
+        <a:tint val="60000"/>
+      </a:schemeClr>
+    </dgm:linClrLst>
+    <dgm:effectClrLst/>
+    <dgm:txLinClrLst/>
+    <dgm:txFillClrLst/>
+    <dgm:txEffectClrLst/>
+  </dgm:styleLbl>
+  <dgm:styleLbl name="sibTrans1D1">
+    <dgm:fillClrLst meth="repeat">
+      <a:schemeClr val="accent1"/>
+    </dgm:fillClrLst>
+    <dgm:linClrLst meth="repeat">
+      <a:schemeClr val="accent1"/>
+    </dgm:linClrLst>
+    <dgm:effectClrLst/>
+    <dgm:txLinClrLst/>
+    <dgm:txFillClrLst meth="repeat">
+      <a:schemeClr val="tx1"/>
+    </dgm:txFillClrLst>
+    <dgm:txEffectClrLst/>
+  </dgm:styleLbl>
+  <dgm:styleLbl name="callout">
+    <dgm:fillClrLst meth="repeat">
+      <a:schemeClr val="accent1"/>
+    </dgm:fillClrLst>
+    <dgm:linClrLst meth="repeat">
+      <a:schemeClr val="accent1">
+        <a:tint val="50000"/>
+      </a:schemeClr>
+    </dgm:linClrLst>
+    <dgm:effectClrLst/>
+    <dgm:txLinClrLst/>
+    <dgm:txFillClrLst meth="repeat">
+      <a:schemeClr val="tx1"/>
+    </dgm:txFillClrLst>
+    <dgm:txEffectClrLst/>
+  </dgm:styleLbl>
+  <dgm:styleLbl name="asst0">
+    <dgm:fillClrLst meth="repeat">
+      <a:schemeClr val="accent1"/>
+    </dgm:fillClrLst>
+    <dgm:linClrLst meth="repeat">
+      <a:schemeClr val="lt1"/>
+    </dgm:linClrLst>
+    <dgm:effectClrLst/>
+    <dgm:txLinClrLst/>
+    <dgm:txFillClrLst/>
+    <dgm:txEffectClrLst/>
+  </dgm:styleLbl>
+  <dgm:styleLbl name="asst1">
+    <dgm:fillClrLst meth="repeat">
+      <a:schemeClr val="accent1"/>
+    </dgm:fillClrLst>
+    <dgm:linClrLst meth="repeat">
+      <a:schemeClr val="lt1"/>
+    </dgm:linClrLst>
+    <dgm:effectClrLst/>
+    <dgm:txLinClrLst/>
+    <dgm:txFillClrLst/>
+    <dgm:txEffectClrLst/>
+  </dgm:styleLbl>
+  <dgm:styleLbl name="asst2">
+    <dgm:fillClrLst meth="repeat">
+      <a:schemeClr val="accent1"/>
+    </dgm:fillClrLst>
+    <dgm:linClrLst meth="repeat">
+      <a:schemeClr val="lt1"/>
+    </dgm:linClrLst>
+    <dgm:effectClrLst/>
+    <dgm:txLinClrLst/>
+    <dgm:txFillClrLst/>
+    <dgm:txEffectClrLst/>
+  </dgm:styleLbl>
+  <dgm:styleLbl name="asst3">
+    <dgm:fillClrLst meth="repeat">
+      <a:schemeClr val="accent1"/>
+    </dgm:fillClrLst>
+    <dgm:linClrLst meth="repeat">
+      <a:schemeClr val="lt1"/>
+    </dgm:linClrLst>
+    <dgm:effectClrLst/>
+    <dgm:txLinClrLst/>
+    <dgm:txFillClrLst/>
+    <dgm:txEffectClrLst/>
+  </dgm:styleLbl>
+  <dgm:styleLbl name="asst4">
+    <dgm:fillClrLst meth="repeat">
+      <a:schemeClr val="accent1"/>
+    </dgm:fillClrLst>
+    <dgm:linClrLst meth="repeat">
+      <a:schemeClr val="lt1"/>
+    </dgm:linClrLst>
+    <dgm:effectClrLst/>
+    <dgm:txLinClrLst/>
+    <dgm:txFillClrLst/>
+    <dgm:txEffectClrLst/>
+  </dgm:styleLbl>
+  <dgm:styleLbl name="parChTrans2D1">
+    <dgm:fillClrLst meth="repeat">
+      <a:schemeClr val="accent1">
+        <a:tint val="60000"/>
+      </a:schemeClr>
+    </dgm:fillClrLst>
+    <dgm:linClrLst meth="repeat">
+      <a:schemeClr val="accent1">
+        <a:tint val="60000"/>
+      </a:schemeClr>
+    </dgm:linClrLst>
+    <dgm:effectClrLst/>
+    <dgm:txLinClrLst/>
+    <dgm:txFillClrLst meth="repeat">
+      <a:schemeClr val="lt1"/>
+    </dgm:txFillClrLst>
+    <dgm:txEffectClrLst/>
+  </dgm:styleLbl>
+  <dgm:styleLbl name="parChTrans2D2">
+    <dgm:fillClrLst meth="repeat">
+      <a:schemeClr val="accent1"/>
+    </dgm:fillClrLst>
+    <dgm:linClrLst meth="repeat">
+      <a:schemeClr val="accent1"/>
+    </dgm:linClrLst>
+    <dgm:effectClrLst/>
+    <dgm:txLinClrLst/>
+    <dgm:txFillClrLst meth="repeat">
+      <a:schemeClr val="lt1"/>
+    </dgm:txFillClrLst>
+    <dgm:txEffectClrLst/>
+  </dgm:styleLbl>
+  <dgm:styleLbl name="parChTrans2D3">
+    <dgm:fillClrLst meth="repeat">
+      <a:schemeClr val="accent1"/>
+    </dgm:fillClrLst>
+    <dgm:linClrLst meth="repeat">
+      <a:schemeClr val="accent1"/>
+    </dgm:linClrLst>
+    <dgm:effectClrLst/>
+    <dgm:txLinClrLst/>
+    <dgm:txFillClrLst meth="repeat">
+      <a:schemeClr val="lt1"/>
+    </dgm:txFillClrLst>
+    <dgm:txEffectClrLst/>
+  </dgm:styleLbl>
+  <dgm:styleLbl name="parChTrans2D4">
+    <dgm:fillClrLst meth="repeat">
+      <a:schemeClr val="accent1"/>
+    </dgm:fillClrLst>
+    <dgm:linClrLst meth="repeat">
+      <a:schemeClr val="accent1"/>
+    </dgm:linClrLst>
+    <dgm:effectClrLst/>
+    <dgm:txLinClrLst/>
+    <dgm:txFillClrLst meth="repeat">
+      <a:schemeClr val="lt1"/>
+    </dgm:txFillClrLst>
+    <dgm:txEffectClrLst/>
+  </dgm:styleLbl>
+  <dgm:styleLbl name="parChTrans1D1">
+    <dgm:fillClrLst meth="repeat">
+      <a:schemeClr val="accent1"/>
+    </dgm:fillClrLst>
+    <dgm:linClrLst meth="repeat">
+      <a:schemeClr val="accent1">
+        <a:shade val="60000"/>
+      </a:schemeClr>
+    </dgm:linClrLst>
+    <dgm:effectClrLst/>
+    <dgm:txLinClrLst/>
+    <dgm:txFillClrLst meth="repeat">
+      <a:schemeClr val="tx1"/>
+    </dgm:txFillClrLst>
+    <dgm:txEffectClrLst/>
+  </dgm:styleLbl>
+  <dgm:styleLbl name="parChTrans1D2">
+    <dgm:fillClrLst meth="repeat">
+      <a:schemeClr val="accent1"/>
+    </dgm:fillClrLst>
+    <dgm:linClrLst meth="repeat">
+      <a:schemeClr val="accent1">
+        <a:shade val="60000"/>
+      </a:schemeClr>
+    </dgm:linClrLst>
+    <dgm:effectClrLst/>
+    <dgm:txLinClrLst/>
+    <dgm:txFillClrLst meth="repeat">
+      <a:schemeClr val="tx1"/>
+    </dgm:txFillClrLst>
+    <dgm:txEffectClrLst/>
+  </dgm:styleLbl>
+  <dgm:styleLbl name="parChTrans1D3">
+    <dgm:fillClrLst meth="repeat">
+      <a:schemeClr val="accent1"/>
+    </dgm:fillClrLst>
+    <dgm:linClrLst meth="repeat">
+      <a:schemeClr val="accent1">
+        <a:shade val="80000"/>
+      </a:schemeClr>
+    </dgm:linClrLst>
+    <dgm:effectClrLst/>
+    <dgm:txLinClrLst/>
+    <dgm:txFillClrLst meth="repeat">
+      <a:schemeClr val="tx1"/>
+    </dgm:txFillClrLst>
+    <dgm:txEffectClrLst/>
+  </dgm:styleLbl>
+  <dgm:styleLbl name="parChTrans1D4">
+    <dgm:fillClrLst meth="repeat">
+      <a:schemeClr val="accent1"/>
+    </dgm:fillClrLst>
+    <dgm:linClrLst meth="repeat">
+      <a:schemeClr val="accent1">
+        <a:shade val="80000"/>
+      </a:schemeClr>
+    </dgm:linClrLst>
+    <dgm:effectClrLst/>
+    <dgm:txLinClrLst/>
+    <dgm:txFillClrLst meth="repeat">
+      <a:schemeClr val="tx1"/>
+    </dgm:txFillClrLst>
+    <dgm:txEffectClrLst/>
+  </dgm:styleLbl>
+  <dgm:styleLbl name="fgAcc1">
+    <dgm:fillClrLst meth="repeat">
+      <a:schemeClr val="lt1">
+        <a:alpha val="90000"/>
+      </a:schemeClr>
+    </dgm:fillClrLst>
+    <dgm:linClrLst meth="repeat">
+      <a:schemeClr val="accent1"/>
+    </dgm:linClrLst>
+    <dgm:effectClrLst/>
+    <dgm:txLinClrLst/>
+    <dgm:txFillClrLst meth="repeat">
+      <a:schemeClr val="dk1"/>
+    </dgm:txFillClrLst>
+    <dgm:txEffectClrLst/>
+  </dgm:styleLbl>
+  <dgm:styleLbl name="conFgAcc1">
+    <dgm:fillClrLst meth="repeat">
+      <a:schemeClr val="lt1">
+        <a:alpha val="90000"/>
+      </a:schemeClr>
+    </dgm:fillClrLst>
+    <dgm:linClrLst meth="repeat">
+      <a:schemeClr val="accent1"/>
+    </dgm:linClrLst>
+    <dgm:effectClrLst/>
+    <dgm:txLinClrLst/>
+    <dgm:txFillClrLst meth="repeat">
+      <a:schemeClr val="dk1"/>
+    </dgm:txFillClrLst>
+    <dgm:txEffectClrLst/>
+  </dgm:styleLbl>
+  <dgm:styleLbl name="alignAcc1">
+    <dgm:fillClrLst meth="repeat">
+      <a:schemeClr val="lt1">
+        <a:alpha val="90000"/>
+      </a:schemeClr>
+    </dgm:fillClrLst>
+    <dgm:linClrLst meth="repeat">
+      <a:schemeClr val="accent1"/>
+    </dgm:linClrLst>
+    <dgm:effectClrLst/>
+    <dgm:txLinClrLst/>
+    <dgm:txFillClrLst meth="repeat">
+      <a:schemeClr val="dk1"/>
+    </dgm:txFillClrLst>
+    <dgm:txEffectClrLst/>
+  </dgm:styleLbl>
+  <dgm:styleLbl name="trAlignAcc1">
+    <dgm:fillClrLst meth="repeat">
+      <a:schemeClr val="lt1">
+        <a:alpha val="40000"/>
+      </a:schemeClr>
+    </dgm:fillClrLst>
+    <dgm:linClrLst meth="repeat">
+      <a:schemeClr val="accent1"/>
+    </dgm:linClrLst>
+    <dgm:effectClrLst/>
+    <dgm:txLinClrLst/>
+    <dgm:txFillClrLst meth="repeat">
+      <a:schemeClr val="dk1"/>
+    </dgm:txFillClrLst>
+    <dgm:txEffectClrLst/>
+  </dgm:styleLbl>
+  <dgm:styleLbl name="bgAcc1">
+    <dgm:fillClrLst meth="repeat">
+      <a:schemeClr val="lt1">
+        <a:alpha val="90000"/>
+      </a:schemeClr>
+    </dgm:fillClrLst>
+    <dgm:linClrLst meth="repeat">
+      <a:schemeClr val="accent1"/>
+    </dgm:linClrLst>
+    <dgm:effectClrLst/>
+    <dgm:txLinClrLst/>
+    <dgm:txFillClrLst meth="repeat">
+      <a:schemeClr val="dk1"/>
+    </dgm:txFillClrLst>
+    <dgm:txEffectClrLst/>
+  </dgm:styleLbl>
+  <dgm:styleLbl name="solidFgAcc1">
+    <dgm:fillClrLst meth="repeat">
+      <a:schemeClr val="lt1"/>
+    </dgm:fillClrLst>
+    <dgm:linClrLst meth="repeat">
+      <a:schemeClr val="accent1"/>
+    </dgm:linClrLst>
+    <dgm:effectClrLst/>
+    <dgm:txLinClrLst/>
+    <dgm:txFillClrLst meth="repeat">
+      <a:schemeClr val="dk1"/>
+    </dgm:txFillClrLst>
+    <dgm:txEffectClrLst/>
+  </dgm:styleLbl>
+  <dgm:styleLbl name="solidAlignAcc1">
+    <dgm:fillClrLst meth="repeat">
+      <a:schemeClr val="lt1"/>
+    </dgm:fillClrLst>
+    <dgm:linClrLst meth="repeat">
+      <a:schemeClr val="accent1"/>
+    </dgm:linClrLst>
+    <dgm:effectClrLst/>
+    <dgm:txLinClrLst/>
+    <dgm:txFillClrLst meth="repeat">
+      <a:schemeClr val="dk1"/>
+    </dgm:txFillClrLst>
+    <dgm:txEffectClrLst/>
+  </dgm:styleLbl>
+  <dgm:styleLbl name="solidBgAcc1">
+    <dgm:fillClrLst meth="repeat">
+      <a:schemeClr val="lt1"/>
+    </dgm:fillClrLst>
+    <dgm:linClrLst meth="repeat">
+      <a:schemeClr val="accent1"/>
+    </dgm:linClrLst>
+    <dgm:effectClrLst/>
+    <dgm:txLinClrLst/>
+    <dgm:txFillClrLst meth="repeat">
+      <a:schemeClr val="dk1"/>
+    </dgm:txFillClrLst>
+    <dgm:txEffectClrLst/>
+  </dgm:styleLbl>
+  <dgm:styleLbl name="fgAccFollowNode1">
+    <dgm:fillClrLst meth="repeat">
+      <a:schemeClr val="accent1">
+        <a:alpha val="90000"/>
+        <a:tint val="40000"/>
+      </a:schemeClr>
+    </dgm:fillClrLst>
+    <dgm:linClrLst meth="repeat">
+      <a:schemeClr val="accent1">
+        <a:alpha val="90000"/>
+        <a:tint val="40000"/>
+      </a:schemeClr>
+    </dgm:linClrLst>
+    <dgm:effectClrLst/>
+    <dgm:txLinClrLst/>
+    <dgm:txFillClrLst meth="repeat">
+      <a:schemeClr val="dk1"/>
+    </dgm:txFillClrLst>
+    <dgm:txEffectClrLst/>
+  </dgm:styleLbl>
+  <dgm:styleLbl name="alignAccFollowNode1">
+    <dgm:fillClrLst meth="repeat">
+      <a:schemeClr val="accent1">
+        <a:alpha val="90000"/>
+        <a:tint val="40000"/>
+      </a:schemeClr>
+    </dgm:fillClrLst>
+    <dgm:linClrLst meth="repeat">
+      <a:schemeClr val="accent1">
+        <a:alpha val="90000"/>
+        <a:tint val="40000"/>
+      </a:schemeClr>
+    </dgm:linClrLst>
+    <dgm:effectClrLst/>
+    <dgm:txLinClrLst/>
+    <dgm:txFillClrLst meth="repeat">
+      <a:schemeClr val="dk1"/>
+    </dgm:txFillClrLst>
+    <dgm:txEffectClrLst/>
+  </dgm:styleLbl>
+  <dgm:styleLbl name="bgAccFollowNode1">
+    <dgm:fillClrLst meth="repeat">
+      <a:schemeClr val="accent1">
+        <a:alpha val="90000"/>
+        <a:tint val="40000"/>
+      </a:schemeClr>
+    </dgm:fillClrLst>
+    <dgm:linClrLst meth="repeat">
+      <a:schemeClr val="accent1">
+        <a:alpha val="90000"/>
+        <a:tint val="40000"/>
+      </a:schemeClr>
+    </dgm:linClrLst>
+    <dgm:effectClrLst/>
+    <dgm:txLinClrLst/>
+    <dgm:txFillClrLst meth="repeat">
+      <a:schemeClr val="dk1"/>
+    </dgm:txFillClrLst>
+    <dgm:txEffectClrLst/>
+  </dgm:styleLbl>
+  <dgm:styleLbl name="fgAcc0">
+    <dgm:fillClrLst meth="repeat">
+      <a:schemeClr val="lt1">
+        <a:alpha val="90000"/>
+      </a:schemeClr>
+    </dgm:fillClrLst>
+    <dgm:linClrLst meth="repeat">
+      <a:schemeClr val="accent1"/>
+    </dgm:linClrLst>
+    <dgm:effectClrLst/>
+    <dgm:txLinClrLst/>
+    <dgm:txFillClrLst meth="repeat">
+      <a:schemeClr val="dk1"/>
+    </dgm:txFillClrLst>
+    <dgm:txEffectClrLst/>
+  </dgm:styleLbl>
+  <dgm:styleLbl name="fgAcc2">
+    <dgm:fillClrLst meth="repeat">
+      <a:schemeClr val="lt1">
+        <a:alpha val="90000"/>
+      </a:schemeClr>
+    </dgm:fillClrLst>
+    <dgm:linClrLst meth="repeat">
+      <a:schemeClr val="accent1"/>
+    </dgm:linClrLst>
+    <dgm:effectClrLst/>
+    <dgm:txLinClrLst/>
+    <dgm:txFillClrLst meth="repeat">
+      <a:schemeClr val="dk1"/>
+    </dgm:txFillClrLst>
+    <dgm:txEffectClrLst/>
+  </dgm:styleLbl>
+  <dgm:styleLbl name="fgAcc3">
+    <dgm:fillClrLst meth="repeat">
+      <a:schemeClr val="lt1">
+        <a:alpha val="90000"/>
+      </a:schemeClr>
+    </dgm:fillClrLst>
+    <dgm:linClrLst meth="repeat">
+      <a:schemeClr val="accent1"/>
+    </dgm:linClrLst>
+    <dgm:effectClrLst/>
+    <dgm:txLinClrLst/>
+    <dgm:txFillClrLst meth="repeat">
+      <a:schemeClr val="dk1"/>
+    </dgm:txFillClrLst>
+    <dgm:txEffectClrLst/>
+  </dgm:styleLbl>
+  <dgm:styleLbl name="fgAcc4">
+    <dgm:fillClrLst meth="repeat">
+      <a:schemeClr val="lt1">
+        <a:alpha val="90000"/>
+      </a:schemeClr>
+    </dgm:fillClrLst>
+    <dgm:linClrLst meth="repeat">
+      <a:schemeClr val="accent1"/>
+    </dgm:linClrLst>
+    <dgm:effectClrLst/>
+    <dgm:txLinClrLst/>
+    <dgm:txFillClrLst meth="repeat">
+      <a:schemeClr val="dk1"/>
+    </dgm:txFillClrLst>
+    <dgm:txEffectClrLst/>
+  </dgm:styleLbl>
+  <dgm:styleLbl name="bgShp">
+    <dgm:fillClrLst meth="repeat">
+      <a:schemeClr val="accent1">
+        <a:tint val="40000"/>
+      </a:schemeClr>
+    </dgm:fillClrLst>
+    <dgm:linClrLst meth="repeat">
+      <a:schemeClr val="accent1"/>
+    </dgm:linClrLst>
+    <dgm:effectClrLst/>
+    <dgm:txLinClrLst/>
+    <dgm:txFillClrLst meth="repeat">
+      <a:schemeClr val="dk1"/>
+    </dgm:txFillClrLst>
+    <dgm:txEffectClrLst/>
+  </dgm:styleLbl>
+  <dgm:styleLbl name="dkBgShp">
+    <dgm:fillClrLst meth="repeat">
+      <a:schemeClr val="accent1">
+        <a:shade val="80000"/>
+      </a:schemeClr>
+    </dgm:fillClrLst>
+    <dgm:linClrLst meth="repeat">
+      <a:schemeClr val="accent1"/>
+    </dgm:linClrLst>
+    <dgm:effectClrLst/>
+    <dgm:txLinClrLst/>
+    <dgm:txFillClrLst meth="repeat">
+      <a:schemeClr val="lt1"/>
+    </dgm:txFillClrLst>
+    <dgm:txEffectClrLst/>
+  </dgm:styleLbl>
+  <dgm:styleLbl name="trBgShp">
+    <dgm:fillClrLst meth="repeat">
+      <a:schemeClr val="accent1">
+        <a:tint val="50000"/>
+        <a:alpha val="40000"/>
+      </a:schemeClr>
+    </dgm:fillClrLst>
+    <dgm:linClrLst meth="repeat">
+      <a:schemeClr val="accent1"/>
+    </dgm:linClrLst>
+    <dgm:effectClrLst/>
+    <dgm:txLinClrLst/>
+    <dgm:txFillClrLst meth="repeat">
+      <a:schemeClr val="lt1"/>
+    </dgm:txFillClrLst>
+    <dgm:txEffectClrLst/>
+  </dgm:styleLbl>
+  <dgm:styleLbl name="fgShp">
+    <dgm:fillClrLst meth="repeat">
+      <a:schemeClr val="accent1">
+        <a:tint val="60000"/>
+      </a:schemeClr>
+    </dgm:fillClrLst>
+    <dgm:linClrLst meth="repeat">
+      <a:schemeClr val="lt1"/>
+    </dgm:linClrLst>
+    <dgm:effectClrLst/>
+    <dgm:txLinClrLst/>
+    <dgm:txFillClrLst meth="repeat">
+      <a:schemeClr val="dk1"/>
+    </dgm:txFillClrLst>
+    <dgm:txEffectClrLst/>
+  </dgm:styleLbl>
+  <dgm:styleLbl name="revTx">
+    <dgm:fillClrLst meth="repeat">
+      <a:schemeClr val="lt1">
+        <a:alpha val="0"/>
+      </a:schemeClr>
+    </dgm:fillClrLst>
+    <dgm:linClrLst meth="repeat">
+      <a:schemeClr val="dk1">
+        <a:alpha val="0"/>
+      </a:schemeClr>
+    </dgm:linClrLst>
+    <dgm:effectClrLst/>
+    <dgm:txLinClrLst/>
+    <dgm:txFillClrLst meth="repeat">
+      <a:schemeClr val="tx1"/>
+    </dgm:txFillClrLst>
+    <dgm:txEffectClrLst/>
+  </dgm:styleLbl>
+</dgm:colorsDef>
+</file>
+
 <file path=ppt/diagrams/data1.xml><?xml version="1.0" encoding="utf-8"?>
 <dgm:dataModel xmlns:dgm="http://schemas.openxmlformats.org/drawingml/2006/diagram" xmlns:a="http://schemas.openxmlformats.org/drawingml/2006/main">
   <dgm:ptLst>
@@ -1408,6 +2156,1031 @@
     <dgm:cxn modelId="{F6AA3383-473B-41FA-8D91-837FCF36BFE5}" type="presParOf" srcId="{702A9DB4-3DF5-4E8B-A70C-C69F36F9BA0A}" destId="{C419C423-649D-4035-BAB1-47767C1F5D3A}" srcOrd="0" destOrd="0" presId="urn:microsoft.com/office/officeart/2005/8/layout/pList2"/>
     <dgm:cxn modelId="{E8EC8F30-3C1A-42C7-8BBB-861FB0759D46}" type="presParOf" srcId="{702A9DB4-3DF5-4E8B-A70C-C69F36F9BA0A}" destId="{7E5544B1-5413-4DD2-A60B-17C689C38E6A}" srcOrd="1" destOrd="0" presId="urn:microsoft.com/office/officeart/2005/8/layout/pList2"/>
     <dgm:cxn modelId="{DE9F544B-CF3A-4A8D-A7D9-01A6B2D1122B}" type="presParOf" srcId="{702A9DB4-3DF5-4E8B-A70C-C69F36F9BA0A}" destId="{1EABBE1F-F74E-422F-A1E9-70FD732B9DDD}" srcOrd="2" destOrd="0" presId="urn:microsoft.com/office/officeart/2005/8/layout/pList2"/>
+  </dgm:cxnLst>
+  <dgm:bg/>
+  <dgm:whole/>
+  <dgm:extLst>
+    <a:ext uri="http://schemas.microsoft.com/office/drawing/2008/diagram">
+      <dsp:dataModelExt xmlns:dsp="http://schemas.microsoft.com/office/drawing/2008/diagram" relId="rId6" minVer="http://schemas.openxmlformats.org/drawingml/2006/diagram"/>
+    </a:ext>
+  </dgm:extLst>
+</dgm:dataModel>
+</file>
+
+<file path=ppt/diagrams/data2.xml><?xml version="1.0" encoding="utf-8"?>
+<dgm:dataModel xmlns:dgm="http://schemas.openxmlformats.org/drawingml/2006/diagram" xmlns:a="http://schemas.openxmlformats.org/drawingml/2006/main">
+  <dgm:ptLst>
+    <dgm:pt modelId="{FD6668B9-4BDB-4D8B-87B9-BB055FA15D36}" type="doc">
+      <dgm:prSet loTypeId="urn:microsoft.com/office/officeart/2008/layout/VerticalAccentList" loCatId="list" qsTypeId="urn:microsoft.com/office/officeart/2005/8/quickstyle/simple1" qsCatId="simple" csTypeId="urn:microsoft.com/office/officeart/2005/8/colors/accent1_2" csCatId="accent1" phldr="1"/>
+      <dgm:spPr/>
+      <dgm:t>
+        <a:bodyPr/>
+        <a:lstStyle/>
+        <a:p>
+          <a:endParaRPr lang="es-CO"/>
+        </a:p>
+      </dgm:t>
+    </dgm:pt>
+    <dgm:pt modelId="{1C491B93-86FC-4207-B466-309083BAA4E7}">
+      <dgm:prSet phldrT="[Texto]" custT="1"/>
+      <dgm:spPr/>
+      <dgm:t>
+        <a:bodyPr/>
+        <a:lstStyle/>
+        <a:p>
+          <a:r>
+            <a:rPr lang="es-MX" sz="1400" dirty="0">
+              <a:solidFill>
+                <a:schemeClr val="accent6">
+                  <a:lumMod val="50000"/>
+                </a:schemeClr>
+              </a:solidFill>
+            </a:rPr>
+            <a:t>01 Calidad del servicio</a:t>
+          </a:r>
+          <a:endParaRPr lang="es-CO" sz="1400" dirty="0">
+            <a:solidFill>
+              <a:schemeClr val="accent6">
+                <a:lumMod val="50000"/>
+              </a:schemeClr>
+            </a:solidFill>
+          </a:endParaRPr>
+        </a:p>
+      </dgm:t>
+    </dgm:pt>
+    <dgm:pt modelId="{D8CBFF00-E7DB-471E-A11C-C2C5907B62F3}" type="parTrans" cxnId="{E531EA16-2018-4433-8EED-D83D9D12EFBC}">
+      <dgm:prSet/>
+      <dgm:spPr/>
+      <dgm:t>
+        <a:bodyPr/>
+        <a:lstStyle/>
+        <a:p>
+          <a:endParaRPr lang="es-CO" sz="1400">
+            <a:solidFill>
+              <a:schemeClr val="accent6">
+                <a:lumMod val="50000"/>
+              </a:schemeClr>
+            </a:solidFill>
+          </a:endParaRPr>
+        </a:p>
+      </dgm:t>
+    </dgm:pt>
+    <dgm:pt modelId="{69083E29-1E8B-4B74-9BFE-BE96AB14E608}" type="sibTrans" cxnId="{E531EA16-2018-4433-8EED-D83D9D12EFBC}">
+      <dgm:prSet/>
+      <dgm:spPr/>
+      <dgm:t>
+        <a:bodyPr/>
+        <a:lstStyle/>
+        <a:p>
+          <a:endParaRPr lang="es-CO" sz="1400">
+            <a:solidFill>
+              <a:schemeClr val="accent6">
+                <a:lumMod val="50000"/>
+              </a:schemeClr>
+            </a:solidFill>
+          </a:endParaRPr>
+        </a:p>
+      </dgm:t>
+    </dgm:pt>
+    <dgm:pt modelId="{6C545E58-6238-40D8-89A8-FCB148B77C06}">
+      <dgm:prSet phldrT="[Texto]" custT="1"/>
+      <dgm:spPr/>
+      <dgm:t>
+        <a:bodyPr/>
+        <a:lstStyle/>
+        <a:p>
+          <a:r>
+            <a:rPr lang="es-MX" sz="1400" dirty="0">
+              <a:solidFill>
+                <a:schemeClr val="accent6">
+                  <a:lumMod val="50000"/>
+                </a:schemeClr>
+              </a:solidFill>
+            </a:rPr>
+            <a:t>02 Calidad humana /atención</a:t>
+          </a:r>
+          <a:endParaRPr lang="es-CO" sz="1400" dirty="0">
+            <a:solidFill>
+              <a:schemeClr val="accent6">
+                <a:lumMod val="50000"/>
+              </a:schemeClr>
+            </a:solidFill>
+          </a:endParaRPr>
+        </a:p>
+      </dgm:t>
+    </dgm:pt>
+    <dgm:pt modelId="{8D4947A5-90D9-4D87-86A1-7FCDFA7626D4}" type="parTrans" cxnId="{1CDC817A-88D9-4356-A914-782C5DA33F7D}">
+      <dgm:prSet/>
+      <dgm:spPr/>
+      <dgm:t>
+        <a:bodyPr/>
+        <a:lstStyle/>
+        <a:p>
+          <a:endParaRPr lang="es-CO" sz="1400">
+            <a:solidFill>
+              <a:schemeClr val="accent6">
+                <a:lumMod val="50000"/>
+              </a:schemeClr>
+            </a:solidFill>
+          </a:endParaRPr>
+        </a:p>
+      </dgm:t>
+    </dgm:pt>
+    <dgm:pt modelId="{63F54D56-5798-41C4-9EC1-83C46AE7EA34}" type="sibTrans" cxnId="{1CDC817A-88D9-4356-A914-782C5DA33F7D}">
+      <dgm:prSet/>
+      <dgm:spPr/>
+      <dgm:t>
+        <a:bodyPr/>
+        <a:lstStyle/>
+        <a:p>
+          <a:endParaRPr lang="es-CO" sz="1400">
+            <a:solidFill>
+              <a:schemeClr val="accent6">
+                <a:lumMod val="50000"/>
+              </a:schemeClr>
+            </a:solidFill>
+          </a:endParaRPr>
+        </a:p>
+      </dgm:t>
+    </dgm:pt>
+    <dgm:pt modelId="{70A4975B-5955-485C-8DA3-0D17891F5ABA}">
+      <dgm:prSet phldrT="[Texto]" custT="1"/>
+      <dgm:spPr/>
+      <dgm:t>
+        <a:bodyPr/>
+        <a:lstStyle/>
+        <a:p>
+          <a:r>
+            <a:rPr lang="es-MX" sz="1400" dirty="0">
+              <a:solidFill>
+                <a:schemeClr val="accent6">
+                  <a:lumMod val="50000"/>
+                </a:schemeClr>
+              </a:solidFill>
+            </a:rPr>
+            <a:t>03 Entrega de medicamentos</a:t>
+          </a:r>
+          <a:endParaRPr lang="es-CO" sz="1400" dirty="0">
+            <a:solidFill>
+              <a:schemeClr val="accent6">
+                <a:lumMod val="50000"/>
+              </a:schemeClr>
+            </a:solidFill>
+          </a:endParaRPr>
+        </a:p>
+      </dgm:t>
+    </dgm:pt>
+    <dgm:pt modelId="{41405FB8-9F8E-479E-86E5-0027064CCD9A}" type="parTrans" cxnId="{14907036-3A8D-4A10-84CA-22B60BB98A59}">
+      <dgm:prSet/>
+      <dgm:spPr/>
+      <dgm:t>
+        <a:bodyPr/>
+        <a:lstStyle/>
+        <a:p>
+          <a:endParaRPr lang="es-CO" sz="1400">
+            <a:solidFill>
+              <a:schemeClr val="accent6">
+                <a:lumMod val="50000"/>
+              </a:schemeClr>
+            </a:solidFill>
+          </a:endParaRPr>
+        </a:p>
+      </dgm:t>
+    </dgm:pt>
+    <dgm:pt modelId="{39C70566-DAA9-4773-8038-FDD714E53DF1}" type="sibTrans" cxnId="{14907036-3A8D-4A10-84CA-22B60BB98A59}">
+      <dgm:prSet/>
+      <dgm:spPr/>
+      <dgm:t>
+        <a:bodyPr/>
+        <a:lstStyle/>
+        <a:p>
+          <a:endParaRPr lang="es-CO" sz="1400">
+            <a:solidFill>
+              <a:schemeClr val="accent6">
+                <a:lumMod val="50000"/>
+              </a:schemeClr>
+            </a:solidFill>
+          </a:endParaRPr>
+        </a:p>
+      </dgm:t>
+    </dgm:pt>
+    <dgm:pt modelId="{A6FA8F1C-96AD-4DD5-A600-02D759A26E4C}">
+      <dgm:prSet phldrT="[Texto]" custT="1"/>
+      <dgm:spPr/>
+      <dgm:t>
+        <a:bodyPr/>
+        <a:lstStyle/>
+        <a:p>
+          <a:r>
+            <a:rPr lang="es-MX" sz="1400" dirty="0">
+              <a:solidFill>
+                <a:schemeClr val="accent6">
+                  <a:lumMod val="50000"/>
+                </a:schemeClr>
+              </a:solidFill>
+            </a:rPr>
+            <a:t>04 Agilidad en la asignación de citas</a:t>
+          </a:r>
+          <a:endParaRPr lang="es-CO" sz="1400" dirty="0">
+            <a:solidFill>
+              <a:schemeClr val="accent6">
+                <a:lumMod val="50000"/>
+              </a:schemeClr>
+            </a:solidFill>
+          </a:endParaRPr>
+        </a:p>
+      </dgm:t>
+    </dgm:pt>
+    <dgm:pt modelId="{0DDD92EE-ED25-44DA-9F80-2CB53CCFECEE}" type="parTrans" cxnId="{E9BBD0C5-69BE-41DF-8102-C7A275E94DA4}">
+      <dgm:prSet/>
+      <dgm:spPr/>
+      <dgm:t>
+        <a:bodyPr/>
+        <a:lstStyle/>
+        <a:p>
+          <a:endParaRPr lang="es-CO" sz="1400">
+            <a:solidFill>
+              <a:schemeClr val="accent6">
+                <a:lumMod val="50000"/>
+              </a:schemeClr>
+            </a:solidFill>
+          </a:endParaRPr>
+        </a:p>
+      </dgm:t>
+    </dgm:pt>
+    <dgm:pt modelId="{CFE2BF78-0BB6-450C-B36A-9066689321DD}" type="sibTrans" cxnId="{E9BBD0C5-69BE-41DF-8102-C7A275E94DA4}">
+      <dgm:prSet/>
+      <dgm:spPr/>
+      <dgm:t>
+        <a:bodyPr/>
+        <a:lstStyle/>
+        <a:p>
+          <a:endParaRPr lang="es-CO" sz="1400">
+            <a:solidFill>
+              <a:schemeClr val="accent6">
+                <a:lumMod val="50000"/>
+              </a:schemeClr>
+            </a:solidFill>
+          </a:endParaRPr>
+        </a:p>
+      </dgm:t>
+    </dgm:pt>
+    <dgm:pt modelId="{1B287102-8EA1-4EB6-B56D-08A1B8AB2ED6}">
+      <dgm:prSet phldrT="[Texto]" custT="1"/>
+      <dgm:spPr/>
+      <dgm:t>
+        <a:bodyPr/>
+        <a:lstStyle/>
+        <a:p>
+          <a:r>
+            <a:rPr lang="es-MX" sz="1400" dirty="0">
+              <a:solidFill>
+                <a:schemeClr val="accent6">
+                  <a:lumMod val="50000"/>
+                </a:schemeClr>
+              </a:solidFill>
+            </a:rPr>
+            <a:t>05 Agilidad en la atención</a:t>
+          </a:r>
+          <a:endParaRPr lang="es-CO" sz="1400" dirty="0">
+            <a:solidFill>
+              <a:schemeClr val="accent6">
+                <a:lumMod val="50000"/>
+              </a:schemeClr>
+            </a:solidFill>
+          </a:endParaRPr>
+        </a:p>
+      </dgm:t>
+    </dgm:pt>
+    <dgm:pt modelId="{3418D2BF-A178-459C-A3DC-66616715C712}" type="parTrans" cxnId="{A3BE331A-06DB-4879-B046-5FCAE609AF0C}">
+      <dgm:prSet/>
+      <dgm:spPr/>
+      <dgm:t>
+        <a:bodyPr/>
+        <a:lstStyle/>
+        <a:p>
+          <a:endParaRPr lang="es-CO" sz="1400">
+            <a:solidFill>
+              <a:schemeClr val="accent6">
+                <a:lumMod val="50000"/>
+              </a:schemeClr>
+            </a:solidFill>
+          </a:endParaRPr>
+        </a:p>
+      </dgm:t>
+    </dgm:pt>
+    <dgm:pt modelId="{DC28A0E9-6DE1-4495-ADED-200563D7A002}" type="sibTrans" cxnId="{A3BE331A-06DB-4879-B046-5FCAE609AF0C}">
+      <dgm:prSet/>
+      <dgm:spPr/>
+      <dgm:t>
+        <a:bodyPr/>
+        <a:lstStyle/>
+        <a:p>
+          <a:endParaRPr lang="es-CO" sz="1400">
+            <a:solidFill>
+              <a:schemeClr val="accent6">
+                <a:lumMod val="50000"/>
+              </a:schemeClr>
+            </a:solidFill>
+          </a:endParaRPr>
+        </a:p>
+      </dgm:t>
+    </dgm:pt>
+    <dgm:pt modelId="{D6A6CCCE-DB49-4F52-9763-32A290331073}">
+      <dgm:prSet phldrT="[Texto]" custT="1"/>
+      <dgm:spPr/>
+      <dgm:t>
+        <a:bodyPr/>
+        <a:lstStyle/>
+        <a:p>
+          <a:r>
+            <a:rPr lang="es-MX" sz="1400" dirty="0">
+              <a:solidFill>
+                <a:schemeClr val="accent6">
+                  <a:lumMod val="50000"/>
+                </a:schemeClr>
+              </a:solidFill>
+            </a:rPr>
+            <a:t>06 Personal idóneo/capacitado</a:t>
+          </a:r>
+          <a:endParaRPr lang="es-CO" sz="1400" dirty="0">
+            <a:solidFill>
+              <a:schemeClr val="accent6">
+                <a:lumMod val="50000"/>
+              </a:schemeClr>
+            </a:solidFill>
+          </a:endParaRPr>
+        </a:p>
+      </dgm:t>
+    </dgm:pt>
+    <dgm:pt modelId="{22E7F354-2400-44C4-982F-13478D29C6F1}" type="parTrans" cxnId="{F1A504EB-BCAB-4E00-840B-CCC71A317097}">
+      <dgm:prSet/>
+      <dgm:spPr/>
+      <dgm:t>
+        <a:bodyPr/>
+        <a:lstStyle/>
+        <a:p>
+          <a:endParaRPr lang="es-CO" sz="1400">
+            <a:solidFill>
+              <a:schemeClr val="accent6">
+                <a:lumMod val="50000"/>
+              </a:schemeClr>
+            </a:solidFill>
+          </a:endParaRPr>
+        </a:p>
+      </dgm:t>
+    </dgm:pt>
+    <dgm:pt modelId="{E34799A7-BC61-4296-9723-67825E50A4F2}" type="sibTrans" cxnId="{F1A504EB-BCAB-4E00-840B-CCC71A317097}">
+      <dgm:prSet/>
+      <dgm:spPr/>
+      <dgm:t>
+        <a:bodyPr/>
+        <a:lstStyle/>
+        <a:p>
+          <a:endParaRPr lang="es-CO" sz="1400">
+            <a:solidFill>
+              <a:schemeClr val="accent6">
+                <a:lumMod val="50000"/>
+              </a:schemeClr>
+            </a:solidFill>
+          </a:endParaRPr>
+        </a:p>
+      </dgm:t>
+    </dgm:pt>
+    <dgm:pt modelId="{260202BB-9D24-4043-96DB-0C99602886EF}">
+      <dgm:prSet phldrT="[Texto]" custT="1"/>
+      <dgm:spPr/>
+      <dgm:t>
+        <a:bodyPr/>
+        <a:lstStyle/>
+        <a:p>
+          <a:r>
+            <a:rPr lang="es-MX" sz="1400" dirty="0">
+              <a:solidFill>
+                <a:schemeClr val="accent6">
+                  <a:lumMod val="50000"/>
+                </a:schemeClr>
+              </a:solidFill>
+            </a:rPr>
+            <a:t>07 Agilidad en las autorizaciones</a:t>
+          </a:r>
+          <a:endParaRPr lang="es-CO" sz="1400" dirty="0">
+            <a:solidFill>
+              <a:schemeClr val="accent6">
+                <a:lumMod val="50000"/>
+              </a:schemeClr>
+            </a:solidFill>
+          </a:endParaRPr>
+        </a:p>
+      </dgm:t>
+    </dgm:pt>
+    <dgm:pt modelId="{DE90E5AA-5BA1-4147-B700-243DE863054F}" type="parTrans" cxnId="{1A646D61-9AD3-49D8-900F-EA3130D92B55}">
+      <dgm:prSet/>
+      <dgm:spPr/>
+      <dgm:t>
+        <a:bodyPr/>
+        <a:lstStyle/>
+        <a:p>
+          <a:endParaRPr lang="es-CO" sz="1400">
+            <a:solidFill>
+              <a:schemeClr val="accent6">
+                <a:lumMod val="50000"/>
+              </a:schemeClr>
+            </a:solidFill>
+          </a:endParaRPr>
+        </a:p>
+      </dgm:t>
+    </dgm:pt>
+    <dgm:pt modelId="{A812B9D9-780F-43D4-AADA-2C77B8C77A98}" type="sibTrans" cxnId="{1A646D61-9AD3-49D8-900F-EA3130D92B55}">
+      <dgm:prSet/>
+      <dgm:spPr/>
+      <dgm:t>
+        <a:bodyPr/>
+        <a:lstStyle/>
+        <a:p>
+          <a:endParaRPr lang="es-CO" sz="1400">
+            <a:solidFill>
+              <a:schemeClr val="accent6">
+                <a:lumMod val="50000"/>
+              </a:schemeClr>
+            </a:solidFill>
+          </a:endParaRPr>
+        </a:p>
+      </dgm:t>
+    </dgm:pt>
+    <dgm:pt modelId="{16112D88-F4A2-495C-885E-38DCABEE4F0E}">
+      <dgm:prSet phldrT="[Texto]" custT="1"/>
+      <dgm:spPr/>
+      <dgm:t>
+        <a:bodyPr/>
+        <a:lstStyle/>
+        <a:p>
+          <a:r>
+            <a:rPr lang="es-MX" sz="1400" dirty="0">
+              <a:solidFill>
+                <a:schemeClr val="accent6">
+                  <a:lumMod val="50000"/>
+                </a:schemeClr>
+              </a:solidFill>
+            </a:rPr>
+            <a:t>08 Atención personalizada/seguimiento/visitas domiciliarias</a:t>
+          </a:r>
+          <a:endParaRPr lang="es-CO" sz="1400" dirty="0">
+            <a:solidFill>
+              <a:schemeClr val="accent6">
+                <a:lumMod val="50000"/>
+              </a:schemeClr>
+            </a:solidFill>
+          </a:endParaRPr>
+        </a:p>
+      </dgm:t>
+    </dgm:pt>
+    <dgm:pt modelId="{F41B8AB3-E3AB-4627-8279-4006548F00BB}" type="parTrans" cxnId="{56DA488B-00A8-44F3-8B58-A7CC55A61AD4}">
+      <dgm:prSet/>
+      <dgm:spPr/>
+      <dgm:t>
+        <a:bodyPr/>
+        <a:lstStyle/>
+        <a:p>
+          <a:endParaRPr lang="es-CO" sz="1400">
+            <a:solidFill>
+              <a:schemeClr val="accent6">
+                <a:lumMod val="50000"/>
+              </a:schemeClr>
+            </a:solidFill>
+          </a:endParaRPr>
+        </a:p>
+      </dgm:t>
+    </dgm:pt>
+    <dgm:pt modelId="{668F3995-2597-4241-958A-54D603101F0C}" type="sibTrans" cxnId="{56DA488B-00A8-44F3-8B58-A7CC55A61AD4}">
+      <dgm:prSet/>
+      <dgm:spPr/>
+      <dgm:t>
+        <a:bodyPr/>
+        <a:lstStyle/>
+        <a:p>
+          <a:endParaRPr lang="es-CO" sz="1400">
+            <a:solidFill>
+              <a:schemeClr val="accent6">
+                <a:lumMod val="50000"/>
+              </a:schemeClr>
+            </a:solidFill>
+          </a:endParaRPr>
+        </a:p>
+      </dgm:t>
+    </dgm:pt>
+    <dgm:pt modelId="{31C489BA-8985-464C-B526-1B1490E14750}" type="pres">
+      <dgm:prSet presAssocID="{FD6668B9-4BDB-4D8B-87B9-BB055FA15D36}" presName="Name0" presStyleCnt="0">
+        <dgm:presLayoutVars>
+          <dgm:chMax/>
+          <dgm:chPref/>
+          <dgm:dir/>
+        </dgm:presLayoutVars>
+      </dgm:prSet>
+      <dgm:spPr/>
+    </dgm:pt>
+    <dgm:pt modelId="{9C8CC4C1-6F1C-434B-9126-816566CE7D35}" type="pres">
+      <dgm:prSet presAssocID="{1C491B93-86FC-4207-B466-309083BAA4E7}" presName="parenttextcomposite" presStyleCnt="0"/>
+      <dgm:spPr/>
+    </dgm:pt>
+    <dgm:pt modelId="{0DB10807-201C-4463-8ECE-5A434A41BBFD}" type="pres">
+      <dgm:prSet presAssocID="{1C491B93-86FC-4207-B466-309083BAA4E7}" presName="parenttext" presStyleLbl="revTx" presStyleIdx="0" presStyleCnt="8">
+        <dgm:presLayoutVars>
+          <dgm:chMax/>
+          <dgm:chPref val="2"/>
+          <dgm:bulletEnabled val="1"/>
+        </dgm:presLayoutVars>
+      </dgm:prSet>
+      <dgm:spPr/>
+    </dgm:pt>
+    <dgm:pt modelId="{3DBFD9A6-5099-429D-A5E4-32BB36C1C8BD}" type="pres">
+      <dgm:prSet presAssocID="{1C491B93-86FC-4207-B466-309083BAA4E7}" presName="parallelogramComposite" presStyleCnt="0"/>
+      <dgm:spPr/>
+    </dgm:pt>
+    <dgm:pt modelId="{FC92E061-289C-467E-A5BB-3BBFC2AA5D1F}" type="pres">
+      <dgm:prSet presAssocID="{1C491B93-86FC-4207-B466-309083BAA4E7}" presName="parallelogram1" presStyleLbl="alignNode1" presStyleIdx="0" presStyleCnt="56"/>
+      <dgm:spPr/>
+    </dgm:pt>
+    <dgm:pt modelId="{B9AA0D54-DAD1-40E5-9593-0B4812DE74A2}" type="pres">
+      <dgm:prSet presAssocID="{1C491B93-86FC-4207-B466-309083BAA4E7}" presName="parallelogram2" presStyleLbl="alignNode1" presStyleIdx="1" presStyleCnt="56"/>
+      <dgm:spPr/>
+    </dgm:pt>
+    <dgm:pt modelId="{71447F05-F7BF-45E4-9125-CED6FECAA414}" type="pres">
+      <dgm:prSet presAssocID="{1C491B93-86FC-4207-B466-309083BAA4E7}" presName="parallelogram3" presStyleLbl="alignNode1" presStyleIdx="2" presStyleCnt="56"/>
+      <dgm:spPr/>
+    </dgm:pt>
+    <dgm:pt modelId="{4DA3D106-0C4A-4221-B312-71CC4DD6274C}" type="pres">
+      <dgm:prSet presAssocID="{1C491B93-86FC-4207-B466-309083BAA4E7}" presName="parallelogram4" presStyleLbl="alignNode1" presStyleIdx="3" presStyleCnt="56"/>
+      <dgm:spPr/>
+    </dgm:pt>
+    <dgm:pt modelId="{62F2CC5A-11B5-4A45-8EC7-E442CD3E7835}" type="pres">
+      <dgm:prSet presAssocID="{1C491B93-86FC-4207-B466-309083BAA4E7}" presName="parallelogram5" presStyleLbl="alignNode1" presStyleIdx="4" presStyleCnt="56"/>
+      <dgm:spPr/>
+    </dgm:pt>
+    <dgm:pt modelId="{E2E457CD-78F5-4C7C-95C5-7FC3EFC0D9C7}" type="pres">
+      <dgm:prSet presAssocID="{1C491B93-86FC-4207-B466-309083BAA4E7}" presName="parallelogram6" presStyleLbl="alignNode1" presStyleIdx="5" presStyleCnt="56"/>
+      <dgm:spPr/>
+    </dgm:pt>
+    <dgm:pt modelId="{131FFF8B-8F39-487C-B535-3C0EB03B2523}" type="pres">
+      <dgm:prSet presAssocID="{1C491B93-86FC-4207-B466-309083BAA4E7}" presName="parallelogram7" presStyleLbl="alignNode1" presStyleIdx="6" presStyleCnt="56"/>
+      <dgm:spPr/>
+    </dgm:pt>
+    <dgm:pt modelId="{BB85B145-EE9D-43E5-8A57-E93DAA2D75AA}" type="pres">
+      <dgm:prSet presAssocID="{69083E29-1E8B-4B74-9BFE-BE96AB14E608}" presName="sibTrans" presStyleCnt="0"/>
+      <dgm:spPr/>
+    </dgm:pt>
+    <dgm:pt modelId="{68EFC633-B4F4-4CF9-9963-A4422C8597FF}" type="pres">
+      <dgm:prSet presAssocID="{6C545E58-6238-40D8-89A8-FCB148B77C06}" presName="parenttextcomposite" presStyleCnt="0"/>
+      <dgm:spPr/>
+    </dgm:pt>
+    <dgm:pt modelId="{0030D45C-3731-4F96-9752-84DBEA128588}" type="pres">
+      <dgm:prSet presAssocID="{6C545E58-6238-40D8-89A8-FCB148B77C06}" presName="parenttext" presStyleLbl="revTx" presStyleIdx="1" presStyleCnt="8">
+        <dgm:presLayoutVars>
+          <dgm:chMax/>
+          <dgm:chPref val="2"/>
+          <dgm:bulletEnabled val="1"/>
+        </dgm:presLayoutVars>
+      </dgm:prSet>
+      <dgm:spPr/>
+    </dgm:pt>
+    <dgm:pt modelId="{C91C3A83-3DC9-4864-A606-D098D525B108}" type="pres">
+      <dgm:prSet presAssocID="{6C545E58-6238-40D8-89A8-FCB148B77C06}" presName="parallelogramComposite" presStyleCnt="0"/>
+      <dgm:spPr/>
+    </dgm:pt>
+    <dgm:pt modelId="{654FBC32-2F76-4CF2-B920-2D6FCB6EBD20}" type="pres">
+      <dgm:prSet presAssocID="{6C545E58-6238-40D8-89A8-FCB148B77C06}" presName="parallelogram1" presStyleLbl="alignNode1" presStyleIdx="7" presStyleCnt="56"/>
+      <dgm:spPr/>
+    </dgm:pt>
+    <dgm:pt modelId="{BEE1E39E-4FA2-49D4-9D29-7758620323EC}" type="pres">
+      <dgm:prSet presAssocID="{6C545E58-6238-40D8-89A8-FCB148B77C06}" presName="parallelogram2" presStyleLbl="alignNode1" presStyleIdx="8" presStyleCnt="56"/>
+      <dgm:spPr/>
+    </dgm:pt>
+    <dgm:pt modelId="{DAE9B28B-5CB3-46DC-95D9-BE9B9CF8D446}" type="pres">
+      <dgm:prSet presAssocID="{6C545E58-6238-40D8-89A8-FCB148B77C06}" presName="parallelogram3" presStyleLbl="alignNode1" presStyleIdx="9" presStyleCnt="56"/>
+      <dgm:spPr/>
+    </dgm:pt>
+    <dgm:pt modelId="{89F6CFB8-92BD-4987-ACCB-4EFD0512E88F}" type="pres">
+      <dgm:prSet presAssocID="{6C545E58-6238-40D8-89A8-FCB148B77C06}" presName="parallelogram4" presStyleLbl="alignNode1" presStyleIdx="10" presStyleCnt="56"/>
+      <dgm:spPr/>
+    </dgm:pt>
+    <dgm:pt modelId="{86B22817-4C23-4873-88D2-2F7A14ECD259}" type="pres">
+      <dgm:prSet presAssocID="{6C545E58-6238-40D8-89A8-FCB148B77C06}" presName="parallelogram5" presStyleLbl="alignNode1" presStyleIdx="11" presStyleCnt="56"/>
+      <dgm:spPr/>
+    </dgm:pt>
+    <dgm:pt modelId="{BE2C53BC-EF23-4953-B55D-957869A03A00}" type="pres">
+      <dgm:prSet presAssocID="{6C545E58-6238-40D8-89A8-FCB148B77C06}" presName="parallelogram6" presStyleLbl="alignNode1" presStyleIdx="12" presStyleCnt="56"/>
+      <dgm:spPr/>
+    </dgm:pt>
+    <dgm:pt modelId="{FBFEC9BB-30BB-4BCA-972C-E0E3BF4835E0}" type="pres">
+      <dgm:prSet presAssocID="{6C545E58-6238-40D8-89A8-FCB148B77C06}" presName="parallelogram7" presStyleLbl="alignNode1" presStyleIdx="13" presStyleCnt="56"/>
+      <dgm:spPr/>
+    </dgm:pt>
+    <dgm:pt modelId="{0662B00B-FF7C-46F5-BF66-BE9D2A12AD9F}" type="pres">
+      <dgm:prSet presAssocID="{63F54D56-5798-41C4-9EC1-83C46AE7EA34}" presName="sibTrans" presStyleCnt="0"/>
+      <dgm:spPr/>
+    </dgm:pt>
+    <dgm:pt modelId="{AB892283-82E1-4AFB-B821-BBBEA4BD3C93}" type="pres">
+      <dgm:prSet presAssocID="{70A4975B-5955-485C-8DA3-0D17891F5ABA}" presName="parenttextcomposite" presStyleCnt="0"/>
+      <dgm:spPr/>
+    </dgm:pt>
+    <dgm:pt modelId="{57C409B9-41A1-4821-A04D-CA86F2EEF0B2}" type="pres">
+      <dgm:prSet presAssocID="{70A4975B-5955-485C-8DA3-0D17891F5ABA}" presName="parenttext" presStyleLbl="revTx" presStyleIdx="2" presStyleCnt="8">
+        <dgm:presLayoutVars>
+          <dgm:chMax/>
+          <dgm:chPref val="2"/>
+          <dgm:bulletEnabled val="1"/>
+        </dgm:presLayoutVars>
+      </dgm:prSet>
+      <dgm:spPr/>
+    </dgm:pt>
+    <dgm:pt modelId="{DA765281-54A4-4974-8273-583975C8FE61}" type="pres">
+      <dgm:prSet presAssocID="{70A4975B-5955-485C-8DA3-0D17891F5ABA}" presName="parallelogramComposite" presStyleCnt="0"/>
+      <dgm:spPr/>
+    </dgm:pt>
+    <dgm:pt modelId="{2C539B1F-F8C1-40D2-8BD3-7A331E84E1E2}" type="pres">
+      <dgm:prSet presAssocID="{70A4975B-5955-485C-8DA3-0D17891F5ABA}" presName="parallelogram1" presStyleLbl="alignNode1" presStyleIdx="14" presStyleCnt="56"/>
+      <dgm:spPr/>
+    </dgm:pt>
+    <dgm:pt modelId="{F6425A40-CF03-4DF8-9EE3-AF06B7D8845D}" type="pres">
+      <dgm:prSet presAssocID="{70A4975B-5955-485C-8DA3-0D17891F5ABA}" presName="parallelogram2" presStyleLbl="alignNode1" presStyleIdx="15" presStyleCnt="56"/>
+      <dgm:spPr/>
+    </dgm:pt>
+    <dgm:pt modelId="{DA0F516F-1DB7-47F2-A0A2-CD2F747DDA63}" type="pres">
+      <dgm:prSet presAssocID="{70A4975B-5955-485C-8DA3-0D17891F5ABA}" presName="parallelogram3" presStyleLbl="alignNode1" presStyleIdx="16" presStyleCnt="56"/>
+      <dgm:spPr/>
+    </dgm:pt>
+    <dgm:pt modelId="{8423C700-7092-4A28-8B8D-62209A6662AA}" type="pres">
+      <dgm:prSet presAssocID="{70A4975B-5955-485C-8DA3-0D17891F5ABA}" presName="parallelogram4" presStyleLbl="alignNode1" presStyleIdx="17" presStyleCnt="56"/>
+      <dgm:spPr/>
+    </dgm:pt>
+    <dgm:pt modelId="{FB58C867-E98E-45EF-B29B-683F9F2AE0A6}" type="pres">
+      <dgm:prSet presAssocID="{70A4975B-5955-485C-8DA3-0D17891F5ABA}" presName="parallelogram5" presStyleLbl="alignNode1" presStyleIdx="18" presStyleCnt="56"/>
+      <dgm:spPr/>
+    </dgm:pt>
+    <dgm:pt modelId="{43B6CD2A-8AF2-4E9A-B417-97F3C3A44359}" type="pres">
+      <dgm:prSet presAssocID="{70A4975B-5955-485C-8DA3-0D17891F5ABA}" presName="parallelogram6" presStyleLbl="alignNode1" presStyleIdx="19" presStyleCnt="56"/>
+      <dgm:spPr/>
+    </dgm:pt>
+    <dgm:pt modelId="{765AAD0A-011B-4D11-A9D8-57A35F14FE24}" type="pres">
+      <dgm:prSet presAssocID="{70A4975B-5955-485C-8DA3-0D17891F5ABA}" presName="parallelogram7" presStyleLbl="alignNode1" presStyleIdx="20" presStyleCnt="56"/>
+      <dgm:spPr/>
+    </dgm:pt>
+    <dgm:pt modelId="{61E033DE-6BF8-4E15-81E6-8CFC7EEA63C3}" type="pres">
+      <dgm:prSet presAssocID="{39C70566-DAA9-4773-8038-FDD714E53DF1}" presName="sibTrans" presStyleCnt="0"/>
+      <dgm:spPr/>
+    </dgm:pt>
+    <dgm:pt modelId="{4CAB417F-8D1B-4969-914B-0B694D46781F}" type="pres">
+      <dgm:prSet presAssocID="{A6FA8F1C-96AD-4DD5-A600-02D759A26E4C}" presName="parenttextcomposite" presStyleCnt="0"/>
+      <dgm:spPr/>
+    </dgm:pt>
+    <dgm:pt modelId="{4D27602D-3C4D-48F5-868F-1910A4C9DDC6}" type="pres">
+      <dgm:prSet presAssocID="{A6FA8F1C-96AD-4DD5-A600-02D759A26E4C}" presName="parenttext" presStyleLbl="revTx" presStyleIdx="3" presStyleCnt="8">
+        <dgm:presLayoutVars>
+          <dgm:chMax/>
+          <dgm:chPref val="2"/>
+          <dgm:bulletEnabled val="1"/>
+        </dgm:presLayoutVars>
+      </dgm:prSet>
+      <dgm:spPr/>
+    </dgm:pt>
+    <dgm:pt modelId="{E4CF8459-4026-4585-BA93-31CAF545BD28}" type="pres">
+      <dgm:prSet presAssocID="{A6FA8F1C-96AD-4DD5-A600-02D759A26E4C}" presName="parallelogramComposite" presStyleCnt="0"/>
+      <dgm:spPr/>
+    </dgm:pt>
+    <dgm:pt modelId="{10458BA8-56F9-40F6-88B5-602851FC0E22}" type="pres">
+      <dgm:prSet presAssocID="{A6FA8F1C-96AD-4DD5-A600-02D759A26E4C}" presName="parallelogram1" presStyleLbl="alignNode1" presStyleIdx="21" presStyleCnt="56"/>
+      <dgm:spPr/>
+    </dgm:pt>
+    <dgm:pt modelId="{B8C81976-CFEB-44D7-ABF1-D014B5D26BF3}" type="pres">
+      <dgm:prSet presAssocID="{A6FA8F1C-96AD-4DD5-A600-02D759A26E4C}" presName="parallelogram2" presStyleLbl="alignNode1" presStyleIdx="22" presStyleCnt="56"/>
+      <dgm:spPr/>
+    </dgm:pt>
+    <dgm:pt modelId="{C770F96F-B775-499F-8064-336B8475B87B}" type="pres">
+      <dgm:prSet presAssocID="{A6FA8F1C-96AD-4DD5-A600-02D759A26E4C}" presName="parallelogram3" presStyleLbl="alignNode1" presStyleIdx="23" presStyleCnt="56"/>
+      <dgm:spPr/>
+    </dgm:pt>
+    <dgm:pt modelId="{13EB1630-E52E-435E-9D99-BD4E2DAB3767}" type="pres">
+      <dgm:prSet presAssocID="{A6FA8F1C-96AD-4DD5-A600-02D759A26E4C}" presName="parallelogram4" presStyleLbl="alignNode1" presStyleIdx="24" presStyleCnt="56"/>
+      <dgm:spPr/>
+    </dgm:pt>
+    <dgm:pt modelId="{51E763A6-3F4F-49FA-A42C-F790D96616A7}" type="pres">
+      <dgm:prSet presAssocID="{A6FA8F1C-96AD-4DD5-A600-02D759A26E4C}" presName="parallelogram5" presStyleLbl="alignNode1" presStyleIdx="25" presStyleCnt="56"/>
+      <dgm:spPr/>
+    </dgm:pt>
+    <dgm:pt modelId="{D80C26D4-9EA3-49E9-B65B-772F82B1339F}" type="pres">
+      <dgm:prSet presAssocID="{A6FA8F1C-96AD-4DD5-A600-02D759A26E4C}" presName="parallelogram6" presStyleLbl="alignNode1" presStyleIdx="26" presStyleCnt="56"/>
+      <dgm:spPr/>
+    </dgm:pt>
+    <dgm:pt modelId="{24987EA4-A839-44F9-AA2F-5E9FD96BB338}" type="pres">
+      <dgm:prSet presAssocID="{A6FA8F1C-96AD-4DD5-A600-02D759A26E4C}" presName="parallelogram7" presStyleLbl="alignNode1" presStyleIdx="27" presStyleCnt="56"/>
+      <dgm:spPr/>
+    </dgm:pt>
+    <dgm:pt modelId="{FDED7D57-0DEE-4EDB-BE12-3234C674EBD7}" type="pres">
+      <dgm:prSet presAssocID="{CFE2BF78-0BB6-450C-B36A-9066689321DD}" presName="sibTrans" presStyleCnt="0"/>
+      <dgm:spPr/>
+    </dgm:pt>
+    <dgm:pt modelId="{CC8BF92A-5A6A-4864-AF79-948A7A704C6A}" type="pres">
+      <dgm:prSet presAssocID="{1B287102-8EA1-4EB6-B56D-08A1B8AB2ED6}" presName="parenttextcomposite" presStyleCnt="0"/>
+      <dgm:spPr/>
+    </dgm:pt>
+    <dgm:pt modelId="{A6FA155A-D85B-4AE6-A9F5-544DE3793856}" type="pres">
+      <dgm:prSet presAssocID="{1B287102-8EA1-4EB6-B56D-08A1B8AB2ED6}" presName="parenttext" presStyleLbl="revTx" presStyleIdx="4" presStyleCnt="8">
+        <dgm:presLayoutVars>
+          <dgm:chMax/>
+          <dgm:chPref val="2"/>
+          <dgm:bulletEnabled val="1"/>
+        </dgm:presLayoutVars>
+      </dgm:prSet>
+      <dgm:spPr/>
+    </dgm:pt>
+    <dgm:pt modelId="{DC15E4F3-11DB-4603-9BBE-0726B09B4F8B}" type="pres">
+      <dgm:prSet presAssocID="{1B287102-8EA1-4EB6-B56D-08A1B8AB2ED6}" presName="parallelogramComposite" presStyleCnt="0"/>
+      <dgm:spPr/>
+    </dgm:pt>
+    <dgm:pt modelId="{B825BA08-D505-46DB-A8C8-194920FBF0BC}" type="pres">
+      <dgm:prSet presAssocID="{1B287102-8EA1-4EB6-B56D-08A1B8AB2ED6}" presName="parallelogram1" presStyleLbl="alignNode1" presStyleIdx="28" presStyleCnt="56"/>
+      <dgm:spPr/>
+    </dgm:pt>
+    <dgm:pt modelId="{7B494530-B600-4B4B-82E5-4ADCF32CCBF0}" type="pres">
+      <dgm:prSet presAssocID="{1B287102-8EA1-4EB6-B56D-08A1B8AB2ED6}" presName="parallelogram2" presStyleLbl="alignNode1" presStyleIdx="29" presStyleCnt="56"/>
+      <dgm:spPr/>
+    </dgm:pt>
+    <dgm:pt modelId="{424C4DC3-9B87-4B0D-8A69-9EE1A1A28C0A}" type="pres">
+      <dgm:prSet presAssocID="{1B287102-8EA1-4EB6-B56D-08A1B8AB2ED6}" presName="parallelogram3" presStyleLbl="alignNode1" presStyleIdx="30" presStyleCnt="56"/>
+      <dgm:spPr/>
+    </dgm:pt>
+    <dgm:pt modelId="{56D5B634-EB40-4797-8CA8-285252227145}" type="pres">
+      <dgm:prSet presAssocID="{1B287102-8EA1-4EB6-B56D-08A1B8AB2ED6}" presName="parallelogram4" presStyleLbl="alignNode1" presStyleIdx="31" presStyleCnt="56"/>
+      <dgm:spPr/>
+    </dgm:pt>
+    <dgm:pt modelId="{8BF1FDAD-1292-41F0-AA84-3FC6E9A231B3}" type="pres">
+      <dgm:prSet presAssocID="{1B287102-8EA1-4EB6-B56D-08A1B8AB2ED6}" presName="parallelogram5" presStyleLbl="alignNode1" presStyleIdx="32" presStyleCnt="56"/>
+      <dgm:spPr/>
+    </dgm:pt>
+    <dgm:pt modelId="{6659F316-5036-42CD-8DD7-8F72DB4C202E}" type="pres">
+      <dgm:prSet presAssocID="{1B287102-8EA1-4EB6-B56D-08A1B8AB2ED6}" presName="parallelogram6" presStyleLbl="alignNode1" presStyleIdx="33" presStyleCnt="56"/>
+      <dgm:spPr/>
+    </dgm:pt>
+    <dgm:pt modelId="{C0BCD894-F71E-4082-AE41-BBD43E8DEAA8}" type="pres">
+      <dgm:prSet presAssocID="{1B287102-8EA1-4EB6-B56D-08A1B8AB2ED6}" presName="parallelogram7" presStyleLbl="alignNode1" presStyleIdx="34" presStyleCnt="56"/>
+      <dgm:spPr/>
+    </dgm:pt>
+    <dgm:pt modelId="{314A28B4-94C0-426D-87A5-579B02079A67}" type="pres">
+      <dgm:prSet presAssocID="{DC28A0E9-6DE1-4495-ADED-200563D7A002}" presName="sibTrans" presStyleCnt="0"/>
+      <dgm:spPr/>
+    </dgm:pt>
+    <dgm:pt modelId="{70322DD2-18BB-4E15-9EED-ED193854A01C}" type="pres">
+      <dgm:prSet presAssocID="{D6A6CCCE-DB49-4F52-9763-32A290331073}" presName="parenttextcomposite" presStyleCnt="0"/>
+      <dgm:spPr/>
+    </dgm:pt>
+    <dgm:pt modelId="{1B953BCA-B125-47CA-8305-5C2F682FE09D}" type="pres">
+      <dgm:prSet presAssocID="{D6A6CCCE-DB49-4F52-9763-32A290331073}" presName="parenttext" presStyleLbl="revTx" presStyleIdx="5" presStyleCnt="8">
+        <dgm:presLayoutVars>
+          <dgm:chMax/>
+          <dgm:chPref val="2"/>
+          <dgm:bulletEnabled val="1"/>
+        </dgm:presLayoutVars>
+      </dgm:prSet>
+      <dgm:spPr/>
+    </dgm:pt>
+    <dgm:pt modelId="{B446666D-F576-4217-B938-F25F4692EF4A}" type="pres">
+      <dgm:prSet presAssocID="{D6A6CCCE-DB49-4F52-9763-32A290331073}" presName="parallelogramComposite" presStyleCnt="0"/>
+      <dgm:spPr/>
+    </dgm:pt>
+    <dgm:pt modelId="{9177F39D-9A4C-4584-9510-9BDDC08D6C1F}" type="pres">
+      <dgm:prSet presAssocID="{D6A6CCCE-DB49-4F52-9763-32A290331073}" presName="parallelogram1" presStyleLbl="alignNode1" presStyleIdx="35" presStyleCnt="56"/>
+      <dgm:spPr/>
+    </dgm:pt>
+    <dgm:pt modelId="{DFDA7D92-9C14-4563-970D-4418D6B726B7}" type="pres">
+      <dgm:prSet presAssocID="{D6A6CCCE-DB49-4F52-9763-32A290331073}" presName="parallelogram2" presStyleLbl="alignNode1" presStyleIdx="36" presStyleCnt="56"/>
+      <dgm:spPr/>
+    </dgm:pt>
+    <dgm:pt modelId="{B9D917A0-686E-424B-94B0-E6B180CD2AAA}" type="pres">
+      <dgm:prSet presAssocID="{D6A6CCCE-DB49-4F52-9763-32A290331073}" presName="parallelogram3" presStyleLbl="alignNode1" presStyleIdx="37" presStyleCnt="56"/>
+      <dgm:spPr/>
+    </dgm:pt>
+    <dgm:pt modelId="{AE000EAE-9CAE-49CC-8A31-720F1014CD6C}" type="pres">
+      <dgm:prSet presAssocID="{D6A6CCCE-DB49-4F52-9763-32A290331073}" presName="parallelogram4" presStyleLbl="alignNode1" presStyleIdx="38" presStyleCnt="56"/>
+      <dgm:spPr/>
+    </dgm:pt>
+    <dgm:pt modelId="{177B5A65-E75C-4BF0-9C8E-BA086E91DDE6}" type="pres">
+      <dgm:prSet presAssocID="{D6A6CCCE-DB49-4F52-9763-32A290331073}" presName="parallelogram5" presStyleLbl="alignNode1" presStyleIdx="39" presStyleCnt="56"/>
+      <dgm:spPr/>
+    </dgm:pt>
+    <dgm:pt modelId="{3147A949-359E-4490-B280-29E98EC6D287}" type="pres">
+      <dgm:prSet presAssocID="{D6A6CCCE-DB49-4F52-9763-32A290331073}" presName="parallelogram6" presStyleLbl="alignNode1" presStyleIdx="40" presStyleCnt="56"/>
+      <dgm:spPr/>
+    </dgm:pt>
+    <dgm:pt modelId="{10581407-5EA5-489D-9D43-F119FCC5A986}" type="pres">
+      <dgm:prSet presAssocID="{D6A6CCCE-DB49-4F52-9763-32A290331073}" presName="parallelogram7" presStyleLbl="alignNode1" presStyleIdx="41" presStyleCnt="56"/>
+      <dgm:spPr/>
+    </dgm:pt>
+    <dgm:pt modelId="{947EC275-8BF1-4165-8F63-654183A84E91}" type="pres">
+      <dgm:prSet presAssocID="{E34799A7-BC61-4296-9723-67825E50A4F2}" presName="sibTrans" presStyleCnt="0"/>
+      <dgm:spPr/>
+    </dgm:pt>
+    <dgm:pt modelId="{C5E96E8E-8528-4DE5-AC19-DD7A808AF3D5}" type="pres">
+      <dgm:prSet presAssocID="{260202BB-9D24-4043-96DB-0C99602886EF}" presName="parenttextcomposite" presStyleCnt="0"/>
+      <dgm:spPr/>
+    </dgm:pt>
+    <dgm:pt modelId="{6E312197-1046-432D-BBB3-9ED2A2977298}" type="pres">
+      <dgm:prSet presAssocID="{260202BB-9D24-4043-96DB-0C99602886EF}" presName="parenttext" presStyleLbl="revTx" presStyleIdx="6" presStyleCnt="8">
+        <dgm:presLayoutVars>
+          <dgm:chMax/>
+          <dgm:chPref val="2"/>
+          <dgm:bulletEnabled val="1"/>
+        </dgm:presLayoutVars>
+      </dgm:prSet>
+      <dgm:spPr/>
+    </dgm:pt>
+    <dgm:pt modelId="{01A33D32-7724-47E9-AF44-19C8EC196C5C}" type="pres">
+      <dgm:prSet presAssocID="{260202BB-9D24-4043-96DB-0C99602886EF}" presName="parallelogramComposite" presStyleCnt="0"/>
+      <dgm:spPr/>
+    </dgm:pt>
+    <dgm:pt modelId="{7F7768A8-2DF6-47BF-8B7A-E9D4336423D5}" type="pres">
+      <dgm:prSet presAssocID="{260202BB-9D24-4043-96DB-0C99602886EF}" presName="parallelogram1" presStyleLbl="alignNode1" presStyleIdx="42" presStyleCnt="56"/>
+      <dgm:spPr/>
+    </dgm:pt>
+    <dgm:pt modelId="{E47125C8-94E1-45E6-8F61-C48BDB36677E}" type="pres">
+      <dgm:prSet presAssocID="{260202BB-9D24-4043-96DB-0C99602886EF}" presName="parallelogram2" presStyleLbl="alignNode1" presStyleIdx="43" presStyleCnt="56"/>
+      <dgm:spPr/>
+    </dgm:pt>
+    <dgm:pt modelId="{6E0EE5DD-B30E-45AB-90E2-99601603E1C4}" type="pres">
+      <dgm:prSet presAssocID="{260202BB-9D24-4043-96DB-0C99602886EF}" presName="parallelogram3" presStyleLbl="alignNode1" presStyleIdx="44" presStyleCnt="56"/>
+      <dgm:spPr/>
+    </dgm:pt>
+    <dgm:pt modelId="{21DD6E7A-7588-4959-BA12-4C11BDCB520E}" type="pres">
+      <dgm:prSet presAssocID="{260202BB-9D24-4043-96DB-0C99602886EF}" presName="parallelogram4" presStyleLbl="alignNode1" presStyleIdx="45" presStyleCnt="56"/>
+      <dgm:spPr/>
+    </dgm:pt>
+    <dgm:pt modelId="{24AEBCBF-15D3-4E25-9FA1-14602B89FDA4}" type="pres">
+      <dgm:prSet presAssocID="{260202BB-9D24-4043-96DB-0C99602886EF}" presName="parallelogram5" presStyleLbl="alignNode1" presStyleIdx="46" presStyleCnt="56"/>
+      <dgm:spPr/>
+    </dgm:pt>
+    <dgm:pt modelId="{3FE6206D-048C-4420-A9EE-FAD2C0DB5C3F}" type="pres">
+      <dgm:prSet presAssocID="{260202BB-9D24-4043-96DB-0C99602886EF}" presName="parallelogram6" presStyleLbl="alignNode1" presStyleIdx="47" presStyleCnt="56"/>
+      <dgm:spPr/>
+    </dgm:pt>
+    <dgm:pt modelId="{F3E94860-0E50-43B3-98CE-33120C50C503}" type="pres">
+      <dgm:prSet presAssocID="{260202BB-9D24-4043-96DB-0C99602886EF}" presName="parallelogram7" presStyleLbl="alignNode1" presStyleIdx="48" presStyleCnt="56"/>
+      <dgm:spPr/>
+    </dgm:pt>
+    <dgm:pt modelId="{D3177D11-A978-45A7-AD57-C3A2CFC10702}" type="pres">
+      <dgm:prSet presAssocID="{A812B9D9-780F-43D4-AADA-2C77B8C77A98}" presName="sibTrans" presStyleCnt="0"/>
+      <dgm:spPr/>
+    </dgm:pt>
+    <dgm:pt modelId="{E23066FC-3416-4EBD-A9E9-1FE634D04315}" type="pres">
+      <dgm:prSet presAssocID="{16112D88-F4A2-495C-885E-38DCABEE4F0E}" presName="parenttextcomposite" presStyleCnt="0"/>
+      <dgm:spPr/>
+    </dgm:pt>
+    <dgm:pt modelId="{3257A86D-ED59-48D8-92BE-75184A2AB582}" type="pres">
+      <dgm:prSet presAssocID="{16112D88-F4A2-495C-885E-38DCABEE4F0E}" presName="parenttext" presStyleLbl="revTx" presStyleIdx="7" presStyleCnt="8">
+        <dgm:presLayoutVars>
+          <dgm:chMax/>
+          <dgm:chPref val="2"/>
+          <dgm:bulletEnabled val="1"/>
+        </dgm:presLayoutVars>
+      </dgm:prSet>
+      <dgm:spPr/>
+    </dgm:pt>
+    <dgm:pt modelId="{679516C0-51FE-4AC8-95F9-CA4203692D12}" type="pres">
+      <dgm:prSet presAssocID="{16112D88-F4A2-495C-885E-38DCABEE4F0E}" presName="parallelogramComposite" presStyleCnt="0"/>
+      <dgm:spPr/>
+    </dgm:pt>
+    <dgm:pt modelId="{CF1AA6DA-6FEC-411A-AC68-81A04406F796}" type="pres">
+      <dgm:prSet presAssocID="{16112D88-F4A2-495C-885E-38DCABEE4F0E}" presName="parallelogram1" presStyleLbl="alignNode1" presStyleIdx="49" presStyleCnt="56"/>
+      <dgm:spPr/>
+    </dgm:pt>
+    <dgm:pt modelId="{84B2D785-654E-4B83-823C-9257FCA58C7D}" type="pres">
+      <dgm:prSet presAssocID="{16112D88-F4A2-495C-885E-38DCABEE4F0E}" presName="parallelogram2" presStyleLbl="alignNode1" presStyleIdx="50" presStyleCnt="56"/>
+      <dgm:spPr/>
+    </dgm:pt>
+    <dgm:pt modelId="{7CF13022-33D9-4AF4-87F5-093297F4697E}" type="pres">
+      <dgm:prSet presAssocID="{16112D88-F4A2-495C-885E-38DCABEE4F0E}" presName="parallelogram3" presStyleLbl="alignNode1" presStyleIdx="51" presStyleCnt="56"/>
+      <dgm:spPr/>
+    </dgm:pt>
+    <dgm:pt modelId="{CFEC0B59-D7AD-42E0-8D25-25C62C09A75D}" type="pres">
+      <dgm:prSet presAssocID="{16112D88-F4A2-495C-885E-38DCABEE4F0E}" presName="parallelogram4" presStyleLbl="alignNode1" presStyleIdx="52" presStyleCnt="56"/>
+      <dgm:spPr/>
+    </dgm:pt>
+    <dgm:pt modelId="{B66CD2F5-D6B2-474C-BED3-8137D52E0555}" type="pres">
+      <dgm:prSet presAssocID="{16112D88-F4A2-495C-885E-38DCABEE4F0E}" presName="parallelogram5" presStyleLbl="alignNode1" presStyleIdx="53" presStyleCnt="56"/>
+      <dgm:spPr/>
+    </dgm:pt>
+    <dgm:pt modelId="{1F75201E-31B6-442C-81BD-8CABC695E263}" type="pres">
+      <dgm:prSet presAssocID="{16112D88-F4A2-495C-885E-38DCABEE4F0E}" presName="parallelogram6" presStyleLbl="alignNode1" presStyleIdx="54" presStyleCnt="56"/>
+      <dgm:spPr/>
+    </dgm:pt>
+    <dgm:pt modelId="{C93CA3D9-29BF-49BF-8D63-FB45447BD321}" type="pres">
+      <dgm:prSet presAssocID="{16112D88-F4A2-495C-885E-38DCABEE4F0E}" presName="parallelogram7" presStyleLbl="alignNode1" presStyleIdx="55" presStyleCnt="56"/>
+      <dgm:spPr/>
+    </dgm:pt>
+  </dgm:ptLst>
+  <dgm:cxnLst>
+    <dgm:cxn modelId="{2AAF8B03-4417-494F-86F4-60AC9E207FB4}" type="presOf" srcId="{16112D88-F4A2-495C-885E-38DCABEE4F0E}" destId="{3257A86D-ED59-48D8-92BE-75184A2AB582}" srcOrd="0" destOrd="0" presId="urn:microsoft.com/office/officeart/2008/layout/VerticalAccentList"/>
+    <dgm:cxn modelId="{8DED7310-F5FC-4E72-80E5-A33B821D1065}" type="presOf" srcId="{FD6668B9-4BDB-4D8B-87B9-BB055FA15D36}" destId="{31C489BA-8985-464C-B526-1B1490E14750}" srcOrd="0" destOrd="0" presId="urn:microsoft.com/office/officeart/2008/layout/VerticalAccentList"/>
+    <dgm:cxn modelId="{E531EA16-2018-4433-8EED-D83D9D12EFBC}" srcId="{FD6668B9-4BDB-4D8B-87B9-BB055FA15D36}" destId="{1C491B93-86FC-4207-B466-309083BAA4E7}" srcOrd="0" destOrd="0" parTransId="{D8CBFF00-E7DB-471E-A11C-C2C5907B62F3}" sibTransId="{69083E29-1E8B-4B74-9BFE-BE96AB14E608}"/>
+    <dgm:cxn modelId="{A3BE331A-06DB-4879-B046-5FCAE609AF0C}" srcId="{FD6668B9-4BDB-4D8B-87B9-BB055FA15D36}" destId="{1B287102-8EA1-4EB6-B56D-08A1B8AB2ED6}" srcOrd="4" destOrd="0" parTransId="{3418D2BF-A178-459C-A3DC-66616715C712}" sibTransId="{DC28A0E9-6DE1-4495-ADED-200563D7A002}"/>
+    <dgm:cxn modelId="{757A111C-BC8E-4EBC-AA0A-8757B2FF03FF}" type="presOf" srcId="{1B287102-8EA1-4EB6-B56D-08A1B8AB2ED6}" destId="{A6FA155A-D85B-4AE6-A9F5-544DE3793856}" srcOrd="0" destOrd="0" presId="urn:microsoft.com/office/officeart/2008/layout/VerticalAccentList"/>
+    <dgm:cxn modelId="{14907036-3A8D-4A10-84CA-22B60BB98A59}" srcId="{FD6668B9-4BDB-4D8B-87B9-BB055FA15D36}" destId="{70A4975B-5955-485C-8DA3-0D17891F5ABA}" srcOrd="2" destOrd="0" parTransId="{41405FB8-9F8E-479E-86E5-0027064CCD9A}" sibTransId="{39C70566-DAA9-4773-8038-FDD714E53DF1}"/>
+    <dgm:cxn modelId="{1A646D61-9AD3-49D8-900F-EA3130D92B55}" srcId="{FD6668B9-4BDB-4D8B-87B9-BB055FA15D36}" destId="{260202BB-9D24-4043-96DB-0C99602886EF}" srcOrd="6" destOrd="0" parTransId="{DE90E5AA-5BA1-4147-B700-243DE863054F}" sibTransId="{A812B9D9-780F-43D4-AADA-2C77B8C77A98}"/>
+    <dgm:cxn modelId="{63E4C84C-BEF2-421B-BEF5-3A3F961B2179}" type="presOf" srcId="{260202BB-9D24-4043-96DB-0C99602886EF}" destId="{6E312197-1046-432D-BBB3-9ED2A2977298}" srcOrd="0" destOrd="0" presId="urn:microsoft.com/office/officeart/2008/layout/VerticalAccentList"/>
+    <dgm:cxn modelId="{091AC954-340B-4C3D-95D9-20A6ECF39987}" type="presOf" srcId="{A6FA8F1C-96AD-4DD5-A600-02D759A26E4C}" destId="{4D27602D-3C4D-48F5-868F-1910A4C9DDC6}" srcOrd="0" destOrd="0" presId="urn:microsoft.com/office/officeart/2008/layout/VerticalAccentList"/>
+    <dgm:cxn modelId="{1CDC817A-88D9-4356-A914-782C5DA33F7D}" srcId="{FD6668B9-4BDB-4D8B-87B9-BB055FA15D36}" destId="{6C545E58-6238-40D8-89A8-FCB148B77C06}" srcOrd="1" destOrd="0" parTransId="{8D4947A5-90D9-4D87-86A1-7FCDFA7626D4}" sibTransId="{63F54D56-5798-41C4-9EC1-83C46AE7EA34}"/>
+    <dgm:cxn modelId="{56DA488B-00A8-44F3-8B58-A7CC55A61AD4}" srcId="{FD6668B9-4BDB-4D8B-87B9-BB055FA15D36}" destId="{16112D88-F4A2-495C-885E-38DCABEE4F0E}" srcOrd="7" destOrd="0" parTransId="{F41B8AB3-E3AB-4627-8279-4006548F00BB}" sibTransId="{668F3995-2597-4241-958A-54D603101F0C}"/>
+    <dgm:cxn modelId="{E051AC94-02C1-4327-BC8A-65CB61DCC07D}" type="presOf" srcId="{D6A6CCCE-DB49-4F52-9763-32A290331073}" destId="{1B953BCA-B125-47CA-8305-5C2F682FE09D}" srcOrd="0" destOrd="0" presId="urn:microsoft.com/office/officeart/2008/layout/VerticalAccentList"/>
+    <dgm:cxn modelId="{891A24A5-480F-4700-A274-7F6DD870DE64}" type="presOf" srcId="{1C491B93-86FC-4207-B466-309083BAA4E7}" destId="{0DB10807-201C-4463-8ECE-5A434A41BBFD}" srcOrd="0" destOrd="0" presId="urn:microsoft.com/office/officeart/2008/layout/VerticalAccentList"/>
+    <dgm:cxn modelId="{E9BBD0C5-69BE-41DF-8102-C7A275E94DA4}" srcId="{FD6668B9-4BDB-4D8B-87B9-BB055FA15D36}" destId="{A6FA8F1C-96AD-4DD5-A600-02D759A26E4C}" srcOrd="3" destOrd="0" parTransId="{0DDD92EE-ED25-44DA-9F80-2CB53CCFECEE}" sibTransId="{CFE2BF78-0BB6-450C-B36A-9066689321DD}"/>
+    <dgm:cxn modelId="{E6A253D0-ED80-4417-9639-CBAEFC0148B8}" type="presOf" srcId="{70A4975B-5955-485C-8DA3-0D17891F5ABA}" destId="{57C409B9-41A1-4821-A04D-CA86F2EEF0B2}" srcOrd="0" destOrd="0" presId="urn:microsoft.com/office/officeart/2008/layout/VerticalAccentList"/>
+    <dgm:cxn modelId="{F1A504EB-BCAB-4E00-840B-CCC71A317097}" srcId="{FD6668B9-4BDB-4D8B-87B9-BB055FA15D36}" destId="{D6A6CCCE-DB49-4F52-9763-32A290331073}" srcOrd="5" destOrd="0" parTransId="{22E7F354-2400-44C4-982F-13478D29C6F1}" sibTransId="{E34799A7-BC61-4296-9723-67825E50A4F2}"/>
+    <dgm:cxn modelId="{6A63D3EF-82A4-4E73-92C0-A0162E29EC87}" type="presOf" srcId="{6C545E58-6238-40D8-89A8-FCB148B77C06}" destId="{0030D45C-3731-4F96-9752-84DBEA128588}" srcOrd="0" destOrd="0" presId="urn:microsoft.com/office/officeart/2008/layout/VerticalAccentList"/>
+    <dgm:cxn modelId="{1FA81983-8F07-4CB6-9CF2-88E40EB1FD6D}" type="presParOf" srcId="{31C489BA-8985-464C-B526-1B1490E14750}" destId="{9C8CC4C1-6F1C-434B-9126-816566CE7D35}" srcOrd="0" destOrd="0" presId="urn:microsoft.com/office/officeart/2008/layout/VerticalAccentList"/>
+    <dgm:cxn modelId="{27C73106-6F87-4CCB-82B9-14BD102288DB}" type="presParOf" srcId="{9C8CC4C1-6F1C-434B-9126-816566CE7D35}" destId="{0DB10807-201C-4463-8ECE-5A434A41BBFD}" srcOrd="0" destOrd="0" presId="urn:microsoft.com/office/officeart/2008/layout/VerticalAccentList"/>
+    <dgm:cxn modelId="{4274FA24-63AB-4C18-B0E6-940A62A07ED8}" type="presParOf" srcId="{31C489BA-8985-464C-B526-1B1490E14750}" destId="{3DBFD9A6-5099-429D-A5E4-32BB36C1C8BD}" srcOrd="1" destOrd="0" presId="urn:microsoft.com/office/officeart/2008/layout/VerticalAccentList"/>
+    <dgm:cxn modelId="{3CB2D5EE-126D-4D5A-A417-F932C5252E45}" type="presParOf" srcId="{3DBFD9A6-5099-429D-A5E4-32BB36C1C8BD}" destId="{FC92E061-289C-467E-A5BB-3BBFC2AA5D1F}" srcOrd="0" destOrd="0" presId="urn:microsoft.com/office/officeart/2008/layout/VerticalAccentList"/>
+    <dgm:cxn modelId="{153ABC46-2B20-43B0-ADDB-0DC6FCA54E50}" type="presParOf" srcId="{3DBFD9A6-5099-429D-A5E4-32BB36C1C8BD}" destId="{B9AA0D54-DAD1-40E5-9593-0B4812DE74A2}" srcOrd="1" destOrd="0" presId="urn:microsoft.com/office/officeart/2008/layout/VerticalAccentList"/>
+    <dgm:cxn modelId="{328E97F1-ECB7-4C38-8BFD-8EF9DB279E67}" type="presParOf" srcId="{3DBFD9A6-5099-429D-A5E4-32BB36C1C8BD}" destId="{71447F05-F7BF-45E4-9125-CED6FECAA414}" srcOrd="2" destOrd="0" presId="urn:microsoft.com/office/officeart/2008/layout/VerticalAccentList"/>
+    <dgm:cxn modelId="{815C18E6-7927-48D8-81CE-E87236A54801}" type="presParOf" srcId="{3DBFD9A6-5099-429D-A5E4-32BB36C1C8BD}" destId="{4DA3D106-0C4A-4221-B312-71CC4DD6274C}" srcOrd="3" destOrd="0" presId="urn:microsoft.com/office/officeart/2008/layout/VerticalAccentList"/>
+    <dgm:cxn modelId="{3E39D9EC-494D-49BF-B7F9-6039A7F1BEEC}" type="presParOf" srcId="{3DBFD9A6-5099-429D-A5E4-32BB36C1C8BD}" destId="{62F2CC5A-11B5-4A45-8EC7-E442CD3E7835}" srcOrd="4" destOrd="0" presId="urn:microsoft.com/office/officeart/2008/layout/VerticalAccentList"/>
+    <dgm:cxn modelId="{E189B395-316E-4C12-9EC5-E38F2C1C332C}" type="presParOf" srcId="{3DBFD9A6-5099-429D-A5E4-32BB36C1C8BD}" destId="{E2E457CD-78F5-4C7C-95C5-7FC3EFC0D9C7}" srcOrd="5" destOrd="0" presId="urn:microsoft.com/office/officeart/2008/layout/VerticalAccentList"/>
+    <dgm:cxn modelId="{F3F0F0B6-4E58-4B56-9CF7-603CEB6FD594}" type="presParOf" srcId="{3DBFD9A6-5099-429D-A5E4-32BB36C1C8BD}" destId="{131FFF8B-8F39-487C-B535-3C0EB03B2523}" srcOrd="6" destOrd="0" presId="urn:microsoft.com/office/officeart/2008/layout/VerticalAccentList"/>
+    <dgm:cxn modelId="{C7B36132-7489-4C0C-A9A9-755A49041AD6}" type="presParOf" srcId="{31C489BA-8985-464C-B526-1B1490E14750}" destId="{BB85B145-EE9D-43E5-8A57-E93DAA2D75AA}" srcOrd="2" destOrd="0" presId="urn:microsoft.com/office/officeart/2008/layout/VerticalAccentList"/>
+    <dgm:cxn modelId="{455B5660-F188-490D-939E-0881EFFFA167}" type="presParOf" srcId="{31C489BA-8985-464C-B526-1B1490E14750}" destId="{68EFC633-B4F4-4CF9-9963-A4422C8597FF}" srcOrd="3" destOrd="0" presId="urn:microsoft.com/office/officeart/2008/layout/VerticalAccentList"/>
+    <dgm:cxn modelId="{D5B0812B-0394-4788-A9FD-90E1EB55C973}" type="presParOf" srcId="{68EFC633-B4F4-4CF9-9963-A4422C8597FF}" destId="{0030D45C-3731-4F96-9752-84DBEA128588}" srcOrd="0" destOrd="0" presId="urn:microsoft.com/office/officeart/2008/layout/VerticalAccentList"/>
+    <dgm:cxn modelId="{C269ABD8-EBA0-40DF-BA2F-8841334AA6CA}" type="presParOf" srcId="{31C489BA-8985-464C-B526-1B1490E14750}" destId="{C91C3A83-3DC9-4864-A606-D098D525B108}" srcOrd="4" destOrd="0" presId="urn:microsoft.com/office/officeart/2008/layout/VerticalAccentList"/>
+    <dgm:cxn modelId="{6E5349D7-1E86-4D2F-B176-2648335C06D9}" type="presParOf" srcId="{C91C3A83-3DC9-4864-A606-D098D525B108}" destId="{654FBC32-2F76-4CF2-B920-2D6FCB6EBD20}" srcOrd="0" destOrd="0" presId="urn:microsoft.com/office/officeart/2008/layout/VerticalAccentList"/>
+    <dgm:cxn modelId="{0EEE61F4-66D8-4D0F-BDD3-EF59D9294472}" type="presParOf" srcId="{C91C3A83-3DC9-4864-A606-D098D525B108}" destId="{BEE1E39E-4FA2-49D4-9D29-7758620323EC}" srcOrd="1" destOrd="0" presId="urn:microsoft.com/office/officeart/2008/layout/VerticalAccentList"/>
+    <dgm:cxn modelId="{B3974D85-714A-4DE1-A8D0-544B88564D76}" type="presParOf" srcId="{C91C3A83-3DC9-4864-A606-D098D525B108}" destId="{DAE9B28B-5CB3-46DC-95D9-BE9B9CF8D446}" srcOrd="2" destOrd="0" presId="urn:microsoft.com/office/officeart/2008/layout/VerticalAccentList"/>
+    <dgm:cxn modelId="{0AB0C52D-490C-43EE-BFDD-A89D8CD8D30F}" type="presParOf" srcId="{C91C3A83-3DC9-4864-A606-D098D525B108}" destId="{89F6CFB8-92BD-4987-ACCB-4EFD0512E88F}" srcOrd="3" destOrd="0" presId="urn:microsoft.com/office/officeart/2008/layout/VerticalAccentList"/>
+    <dgm:cxn modelId="{2E24937C-1124-47D1-BDB2-324513ABD6C8}" type="presParOf" srcId="{C91C3A83-3DC9-4864-A606-D098D525B108}" destId="{86B22817-4C23-4873-88D2-2F7A14ECD259}" srcOrd="4" destOrd="0" presId="urn:microsoft.com/office/officeart/2008/layout/VerticalAccentList"/>
+    <dgm:cxn modelId="{465F71A3-A1FD-4BC5-B26D-7F58AAD9C8A6}" type="presParOf" srcId="{C91C3A83-3DC9-4864-A606-D098D525B108}" destId="{BE2C53BC-EF23-4953-B55D-957869A03A00}" srcOrd="5" destOrd="0" presId="urn:microsoft.com/office/officeart/2008/layout/VerticalAccentList"/>
+    <dgm:cxn modelId="{3D9A61BE-3040-4694-A386-4A828AF86652}" type="presParOf" srcId="{C91C3A83-3DC9-4864-A606-D098D525B108}" destId="{FBFEC9BB-30BB-4BCA-972C-E0E3BF4835E0}" srcOrd="6" destOrd="0" presId="urn:microsoft.com/office/officeart/2008/layout/VerticalAccentList"/>
+    <dgm:cxn modelId="{A5CC88C3-A6B8-4FF2-B620-4D3DA0DA2520}" type="presParOf" srcId="{31C489BA-8985-464C-B526-1B1490E14750}" destId="{0662B00B-FF7C-46F5-BF66-BE9D2A12AD9F}" srcOrd="5" destOrd="0" presId="urn:microsoft.com/office/officeart/2008/layout/VerticalAccentList"/>
+    <dgm:cxn modelId="{619DEDE3-B377-430B-872E-D080CCF2CED6}" type="presParOf" srcId="{31C489BA-8985-464C-B526-1B1490E14750}" destId="{AB892283-82E1-4AFB-B821-BBBEA4BD3C93}" srcOrd="6" destOrd="0" presId="urn:microsoft.com/office/officeart/2008/layout/VerticalAccentList"/>
+    <dgm:cxn modelId="{A41708E4-5C38-460D-8AD8-30F4005AEA5B}" type="presParOf" srcId="{AB892283-82E1-4AFB-B821-BBBEA4BD3C93}" destId="{57C409B9-41A1-4821-A04D-CA86F2EEF0B2}" srcOrd="0" destOrd="0" presId="urn:microsoft.com/office/officeart/2008/layout/VerticalAccentList"/>
+    <dgm:cxn modelId="{F0A7E364-C8BD-4B73-A665-74649D811D0C}" type="presParOf" srcId="{31C489BA-8985-464C-B526-1B1490E14750}" destId="{DA765281-54A4-4974-8273-583975C8FE61}" srcOrd="7" destOrd="0" presId="urn:microsoft.com/office/officeart/2008/layout/VerticalAccentList"/>
+    <dgm:cxn modelId="{192AB59B-EB5F-480D-8EBA-6AC49DE5A111}" type="presParOf" srcId="{DA765281-54A4-4974-8273-583975C8FE61}" destId="{2C539B1F-F8C1-40D2-8BD3-7A331E84E1E2}" srcOrd="0" destOrd="0" presId="urn:microsoft.com/office/officeart/2008/layout/VerticalAccentList"/>
+    <dgm:cxn modelId="{FF84754C-7CC4-4C5E-8D7D-9FC04E6C4412}" type="presParOf" srcId="{DA765281-54A4-4974-8273-583975C8FE61}" destId="{F6425A40-CF03-4DF8-9EE3-AF06B7D8845D}" srcOrd="1" destOrd="0" presId="urn:microsoft.com/office/officeart/2008/layout/VerticalAccentList"/>
+    <dgm:cxn modelId="{90CCB487-58D2-4918-9E76-EB694F54AE80}" type="presParOf" srcId="{DA765281-54A4-4974-8273-583975C8FE61}" destId="{DA0F516F-1DB7-47F2-A0A2-CD2F747DDA63}" srcOrd="2" destOrd="0" presId="urn:microsoft.com/office/officeart/2008/layout/VerticalAccentList"/>
+    <dgm:cxn modelId="{BB6284FF-9592-42D2-A687-472B3370B624}" type="presParOf" srcId="{DA765281-54A4-4974-8273-583975C8FE61}" destId="{8423C700-7092-4A28-8B8D-62209A6662AA}" srcOrd="3" destOrd="0" presId="urn:microsoft.com/office/officeart/2008/layout/VerticalAccentList"/>
+    <dgm:cxn modelId="{155D065E-AC31-433A-883A-04B01485A294}" type="presParOf" srcId="{DA765281-54A4-4974-8273-583975C8FE61}" destId="{FB58C867-E98E-45EF-B29B-683F9F2AE0A6}" srcOrd="4" destOrd="0" presId="urn:microsoft.com/office/officeart/2008/layout/VerticalAccentList"/>
+    <dgm:cxn modelId="{43A9CF85-46F8-41CE-8FD1-EAA752767259}" type="presParOf" srcId="{DA765281-54A4-4974-8273-583975C8FE61}" destId="{43B6CD2A-8AF2-4E9A-B417-97F3C3A44359}" srcOrd="5" destOrd="0" presId="urn:microsoft.com/office/officeart/2008/layout/VerticalAccentList"/>
+    <dgm:cxn modelId="{EF0B4D2A-16D0-4563-B4D7-5FB8BC3B10C7}" type="presParOf" srcId="{DA765281-54A4-4974-8273-583975C8FE61}" destId="{765AAD0A-011B-4D11-A9D8-57A35F14FE24}" srcOrd="6" destOrd="0" presId="urn:microsoft.com/office/officeart/2008/layout/VerticalAccentList"/>
+    <dgm:cxn modelId="{DDB19073-E990-44A5-AB5F-BABB8BADFA35}" type="presParOf" srcId="{31C489BA-8985-464C-B526-1B1490E14750}" destId="{61E033DE-6BF8-4E15-81E6-8CFC7EEA63C3}" srcOrd="8" destOrd="0" presId="urn:microsoft.com/office/officeart/2008/layout/VerticalAccentList"/>
+    <dgm:cxn modelId="{2B967FA2-415B-42FF-866A-5E355925CA64}" type="presParOf" srcId="{31C489BA-8985-464C-B526-1B1490E14750}" destId="{4CAB417F-8D1B-4969-914B-0B694D46781F}" srcOrd="9" destOrd="0" presId="urn:microsoft.com/office/officeart/2008/layout/VerticalAccentList"/>
+    <dgm:cxn modelId="{2727FBDE-835B-4E07-96A2-81271401F1F4}" type="presParOf" srcId="{4CAB417F-8D1B-4969-914B-0B694D46781F}" destId="{4D27602D-3C4D-48F5-868F-1910A4C9DDC6}" srcOrd="0" destOrd="0" presId="urn:microsoft.com/office/officeart/2008/layout/VerticalAccentList"/>
+    <dgm:cxn modelId="{CD4DE9A0-4C22-451E-A775-29AA38F03839}" type="presParOf" srcId="{31C489BA-8985-464C-B526-1B1490E14750}" destId="{E4CF8459-4026-4585-BA93-31CAF545BD28}" srcOrd="10" destOrd="0" presId="urn:microsoft.com/office/officeart/2008/layout/VerticalAccentList"/>
+    <dgm:cxn modelId="{DDA12F84-8636-4D6A-86E9-58151EFB8889}" type="presParOf" srcId="{E4CF8459-4026-4585-BA93-31CAF545BD28}" destId="{10458BA8-56F9-40F6-88B5-602851FC0E22}" srcOrd="0" destOrd="0" presId="urn:microsoft.com/office/officeart/2008/layout/VerticalAccentList"/>
+    <dgm:cxn modelId="{C0F9CB5D-9BD7-4E7C-8BC6-2F733CCD5023}" type="presParOf" srcId="{E4CF8459-4026-4585-BA93-31CAF545BD28}" destId="{B8C81976-CFEB-44D7-ABF1-D014B5D26BF3}" srcOrd="1" destOrd="0" presId="urn:microsoft.com/office/officeart/2008/layout/VerticalAccentList"/>
+    <dgm:cxn modelId="{F2FA0327-7209-4EF2-8449-DEF061E86B9D}" type="presParOf" srcId="{E4CF8459-4026-4585-BA93-31CAF545BD28}" destId="{C770F96F-B775-499F-8064-336B8475B87B}" srcOrd="2" destOrd="0" presId="urn:microsoft.com/office/officeart/2008/layout/VerticalAccentList"/>
+    <dgm:cxn modelId="{A967792C-1B40-4F5B-BA78-6574DD58578B}" type="presParOf" srcId="{E4CF8459-4026-4585-BA93-31CAF545BD28}" destId="{13EB1630-E52E-435E-9D99-BD4E2DAB3767}" srcOrd="3" destOrd="0" presId="urn:microsoft.com/office/officeart/2008/layout/VerticalAccentList"/>
+    <dgm:cxn modelId="{0A98544B-461F-4B68-8951-2CB19D586661}" type="presParOf" srcId="{E4CF8459-4026-4585-BA93-31CAF545BD28}" destId="{51E763A6-3F4F-49FA-A42C-F790D96616A7}" srcOrd="4" destOrd="0" presId="urn:microsoft.com/office/officeart/2008/layout/VerticalAccentList"/>
+    <dgm:cxn modelId="{CD4E51B9-BA74-425C-8E9A-12CFA7B84F29}" type="presParOf" srcId="{E4CF8459-4026-4585-BA93-31CAF545BD28}" destId="{D80C26D4-9EA3-49E9-B65B-772F82B1339F}" srcOrd="5" destOrd="0" presId="urn:microsoft.com/office/officeart/2008/layout/VerticalAccentList"/>
+    <dgm:cxn modelId="{51BE268A-B07E-417D-979E-F132239EEB2C}" type="presParOf" srcId="{E4CF8459-4026-4585-BA93-31CAF545BD28}" destId="{24987EA4-A839-44F9-AA2F-5E9FD96BB338}" srcOrd="6" destOrd="0" presId="urn:microsoft.com/office/officeart/2008/layout/VerticalAccentList"/>
+    <dgm:cxn modelId="{D4362950-4295-40A9-A6A2-CA0937880C45}" type="presParOf" srcId="{31C489BA-8985-464C-B526-1B1490E14750}" destId="{FDED7D57-0DEE-4EDB-BE12-3234C674EBD7}" srcOrd="11" destOrd="0" presId="urn:microsoft.com/office/officeart/2008/layout/VerticalAccentList"/>
+    <dgm:cxn modelId="{3E497681-3117-4E44-901D-686209D4678D}" type="presParOf" srcId="{31C489BA-8985-464C-B526-1B1490E14750}" destId="{CC8BF92A-5A6A-4864-AF79-948A7A704C6A}" srcOrd="12" destOrd="0" presId="urn:microsoft.com/office/officeart/2008/layout/VerticalAccentList"/>
+    <dgm:cxn modelId="{964909D7-11F9-47A3-A167-681BF9AFF422}" type="presParOf" srcId="{CC8BF92A-5A6A-4864-AF79-948A7A704C6A}" destId="{A6FA155A-D85B-4AE6-A9F5-544DE3793856}" srcOrd="0" destOrd="0" presId="urn:microsoft.com/office/officeart/2008/layout/VerticalAccentList"/>
+    <dgm:cxn modelId="{BCF9E564-DBB6-4026-A385-E18683D0221C}" type="presParOf" srcId="{31C489BA-8985-464C-B526-1B1490E14750}" destId="{DC15E4F3-11DB-4603-9BBE-0726B09B4F8B}" srcOrd="13" destOrd="0" presId="urn:microsoft.com/office/officeart/2008/layout/VerticalAccentList"/>
+    <dgm:cxn modelId="{AA02E7EF-C78B-4AAB-BE01-5F2665C1AEB8}" type="presParOf" srcId="{DC15E4F3-11DB-4603-9BBE-0726B09B4F8B}" destId="{B825BA08-D505-46DB-A8C8-194920FBF0BC}" srcOrd="0" destOrd="0" presId="urn:microsoft.com/office/officeart/2008/layout/VerticalAccentList"/>
+    <dgm:cxn modelId="{7085B419-C5B4-4E4D-9B97-1BD097680194}" type="presParOf" srcId="{DC15E4F3-11DB-4603-9BBE-0726B09B4F8B}" destId="{7B494530-B600-4B4B-82E5-4ADCF32CCBF0}" srcOrd="1" destOrd="0" presId="urn:microsoft.com/office/officeart/2008/layout/VerticalAccentList"/>
+    <dgm:cxn modelId="{9B3E3C85-EF87-417F-9377-9234F60554FD}" type="presParOf" srcId="{DC15E4F3-11DB-4603-9BBE-0726B09B4F8B}" destId="{424C4DC3-9B87-4B0D-8A69-9EE1A1A28C0A}" srcOrd="2" destOrd="0" presId="urn:microsoft.com/office/officeart/2008/layout/VerticalAccentList"/>
+    <dgm:cxn modelId="{D9DACD87-E029-404B-84B2-5B9EF7FA890C}" type="presParOf" srcId="{DC15E4F3-11DB-4603-9BBE-0726B09B4F8B}" destId="{56D5B634-EB40-4797-8CA8-285252227145}" srcOrd="3" destOrd="0" presId="urn:microsoft.com/office/officeart/2008/layout/VerticalAccentList"/>
+    <dgm:cxn modelId="{A5B60250-3D68-467B-A8A8-DA78E1D7D7D4}" type="presParOf" srcId="{DC15E4F3-11DB-4603-9BBE-0726B09B4F8B}" destId="{8BF1FDAD-1292-41F0-AA84-3FC6E9A231B3}" srcOrd="4" destOrd="0" presId="urn:microsoft.com/office/officeart/2008/layout/VerticalAccentList"/>
+    <dgm:cxn modelId="{82271A43-1D42-4F9F-81A6-05628CE9DED1}" type="presParOf" srcId="{DC15E4F3-11DB-4603-9BBE-0726B09B4F8B}" destId="{6659F316-5036-42CD-8DD7-8F72DB4C202E}" srcOrd="5" destOrd="0" presId="urn:microsoft.com/office/officeart/2008/layout/VerticalAccentList"/>
+    <dgm:cxn modelId="{0EF5B2FE-E605-4809-A01C-434E5DC414FB}" type="presParOf" srcId="{DC15E4F3-11DB-4603-9BBE-0726B09B4F8B}" destId="{C0BCD894-F71E-4082-AE41-BBD43E8DEAA8}" srcOrd="6" destOrd="0" presId="urn:microsoft.com/office/officeart/2008/layout/VerticalAccentList"/>
+    <dgm:cxn modelId="{2E5B210F-7B03-4D8C-A252-E40D0AAE7219}" type="presParOf" srcId="{31C489BA-8985-464C-B526-1B1490E14750}" destId="{314A28B4-94C0-426D-87A5-579B02079A67}" srcOrd="14" destOrd="0" presId="urn:microsoft.com/office/officeart/2008/layout/VerticalAccentList"/>
+    <dgm:cxn modelId="{23E2E5F8-A1E9-4D9E-947D-E146E2AFAA3C}" type="presParOf" srcId="{31C489BA-8985-464C-B526-1B1490E14750}" destId="{70322DD2-18BB-4E15-9EED-ED193854A01C}" srcOrd="15" destOrd="0" presId="urn:microsoft.com/office/officeart/2008/layout/VerticalAccentList"/>
+    <dgm:cxn modelId="{CFB210AD-E406-4A70-B495-5B47B6FD83C2}" type="presParOf" srcId="{70322DD2-18BB-4E15-9EED-ED193854A01C}" destId="{1B953BCA-B125-47CA-8305-5C2F682FE09D}" srcOrd="0" destOrd="0" presId="urn:microsoft.com/office/officeart/2008/layout/VerticalAccentList"/>
+    <dgm:cxn modelId="{097E802F-3BF9-4F1D-BDC7-AD2FE963DBB7}" type="presParOf" srcId="{31C489BA-8985-464C-B526-1B1490E14750}" destId="{B446666D-F576-4217-B938-F25F4692EF4A}" srcOrd="16" destOrd="0" presId="urn:microsoft.com/office/officeart/2008/layout/VerticalAccentList"/>
+    <dgm:cxn modelId="{BECF3B5F-0804-45E3-9F33-0C11AEBC620A}" type="presParOf" srcId="{B446666D-F576-4217-B938-F25F4692EF4A}" destId="{9177F39D-9A4C-4584-9510-9BDDC08D6C1F}" srcOrd="0" destOrd="0" presId="urn:microsoft.com/office/officeart/2008/layout/VerticalAccentList"/>
+    <dgm:cxn modelId="{4CB9FEBC-5B6F-45F5-BADE-807411698437}" type="presParOf" srcId="{B446666D-F576-4217-B938-F25F4692EF4A}" destId="{DFDA7D92-9C14-4563-970D-4418D6B726B7}" srcOrd="1" destOrd="0" presId="urn:microsoft.com/office/officeart/2008/layout/VerticalAccentList"/>
+    <dgm:cxn modelId="{C70D786D-A57C-4CA5-ADA5-6393E3884008}" type="presParOf" srcId="{B446666D-F576-4217-B938-F25F4692EF4A}" destId="{B9D917A0-686E-424B-94B0-E6B180CD2AAA}" srcOrd="2" destOrd="0" presId="urn:microsoft.com/office/officeart/2008/layout/VerticalAccentList"/>
+    <dgm:cxn modelId="{F1EBB6EB-F71D-4D87-98B5-4975FB4E6BF6}" type="presParOf" srcId="{B446666D-F576-4217-B938-F25F4692EF4A}" destId="{AE000EAE-9CAE-49CC-8A31-720F1014CD6C}" srcOrd="3" destOrd="0" presId="urn:microsoft.com/office/officeart/2008/layout/VerticalAccentList"/>
+    <dgm:cxn modelId="{D44CCD96-7F8E-40B4-BECD-D57732E25D97}" type="presParOf" srcId="{B446666D-F576-4217-B938-F25F4692EF4A}" destId="{177B5A65-E75C-4BF0-9C8E-BA086E91DDE6}" srcOrd="4" destOrd="0" presId="urn:microsoft.com/office/officeart/2008/layout/VerticalAccentList"/>
+    <dgm:cxn modelId="{28FF2B26-CCE6-4543-A57B-2D03191B3613}" type="presParOf" srcId="{B446666D-F576-4217-B938-F25F4692EF4A}" destId="{3147A949-359E-4490-B280-29E98EC6D287}" srcOrd="5" destOrd="0" presId="urn:microsoft.com/office/officeart/2008/layout/VerticalAccentList"/>
+    <dgm:cxn modelId="{363F2C4E-497A-4FD4-89C8-614C8D8DFC55}" type="presParOf" srcId="{B446666D-F576-4217-B938-F25F4692EF4A}" destId="{10581407-5EA5-489D-9D43-F119FCC5A986}" srcOrd="6" destOrd="0" presId="urn:microsoft.com/office/officeart/2008/layout/VerticalAccentList"/>
+    <dgm:cxn modelId="{EDEF7C24-69E9-41FA-A3D9-2345285206EF}" type="presParOf" srcId="{31C489BA-8985-464C-B526-1B1490E14750}" destId="{947EC275-8BF1-4165-8F63-654183A84E91}" srcOrd="17" destOrd="0" presId="urn:microsoft.com/office/officeart/2008/layout/VerticalAccentList"/>
+    <dgm:cxn modelId="{3BE99C9A-630A-4812-B3F0-F853CF14D073}" type="presParOf" srcId="{31C489BA-8985-464C-B526-1B1490E14750}" destId="{C5E96E8E-8528-4DE5-AC19-DD7A808AF3D5}" srcOrd="18" destOrd="0" presId="urn:microsoft.com/office/officeart/2008/layout/VerticalAccentList"/>
+    <dgm:cxn modelId="{333E2AE1-3281-4920-A841-BEF32F21090D}" type="presParOf" srcId="{C5E96E8E-8528-4DE5-AC19-DD7A808AF3D5}" destId="{6E312197-1046-432D-BBB3-9ED2A2977298}" srcOrd="0" destOrd="0" presId="urn:microsoft.com/office/officeart/2008/layout/VerticalAccentList"/>
+    <dgm:cxn modelId="{B0751EFF-E1B7-4908-B4EE-443A3E800369}" type="presParOf" srcId="{31C489BA-8985-464C-B526-1B1490E14750}" destId="{01A33D32-7724-47E9-AF44-19C8EC196C5C}" srcOrd="19" destOrd="0" presId="urn:microsoft.com/office/officeart/2008/layout/VerticalAccentList"/>
+    <dgm:cxn modelId="{2F4E64EA-8D73-42C3-9B33-ACB74FF210D7}" type="presParOf" srcId="{01A33D32-7724-47E9-AF44-19C8EC196C5C}" destId="{7F7768A8-2DF6-47BF-8B7A-E9D4336423D5}" srcOrd="0" destOrd="0" presId="urn:microsoft.com/office/officeart/2008/layout/VerticalAccentList"/>
+    <dgm:cxn modelId="{C83172F0-7F85-4C71-8183-E8E9BA4661EB}" type="presParOf" srcId="{01A33D32-7724-47E9-AF44-19C8EC196C5C}" destId="{E47125C8-94E1-45E6-8F61-C48BDB36677E}" srcOrd="1" destOrd="0" presId="urn:microsoft.com/office/officeart/2008/layout/VerticalAccentList"/>
+    <dgm:cxn modelId="{05CEFE2D-AAE8-41A5-BDAB-F839AAF5A16A}" type="presParOf" srcId="{01A33D32-7724-47E9-AF44-19C8EC196C5C}" destId="{6E0EE5DD-B30E-45AB-90E2-99601603E1C4}" srcOrd="2" destOrd="0" presId="urn:microsoft.com/office/officeart/2008/layout/VerticalAccentList"/>
+    <dgm:cxn modelId="{051DD72A-49E1-46EB-AF38-242CCDC47007}" type="presParOf" srcId="{01A33D32-7724-47E9-AF44-19C8EC196C5C}" destId="{21DD6E7A-7588-4959-BA12-4C11BDCB520E}" srcOrd="3" destOrd="0" presId="urn:microsoft.com/office/officeart/2008/layout/VerticalAccentList"/>
+    <dgm:cxn modelId="{A1CD0000-C0F7-4E55-BB8E-897A010E304B}" type="presParOf" srcId="{01A33D32-7724-47E9-AF44-19C8EC196C5C}" destId="{24AEBCBF-15D3-4E25-9FA1-14602B89FDA4}" srcOrd="4" destOrd="0" presId="urn:microsoft.com/office/officeart/2008/layout/VerticalAccentList"/>
+    <dgm:cxn modelId="{7D674F5A-481A-483A-9271-CBFAD91DE955}" type="presParOf" srcId="{01A33D32-7724-47E9-AF44-19C8EC196C5C}" destId="{3FE6206D-048C-4420-A9EE-FAD2C0DB5C3F}" srcOrd="5" destOrd="0" presId="urn:microsoft.com/office/officeart/2008/layout/VerticalAccentList"/>
+    <dgm:cxn modelId="{A9355F43-BE83-4F9B-B274-D45C6CD8BE6C}" type="presParOf" srcId="{01A33D32-7724-47E9-AF44-19C8EC196C5C}" destId="{F3E94860-0E50-43B3-98CE-33120C50C503}" srcOrd="6" destOrd="0" presId="urn:microsoft.com/office/officeart/2008/layout/VerticalAccentList"/>
+    <dgm:cxn modelId="{8AF785CA-AC07-4C50-AD10-C7E42A1C988F}" type="presParOf" srcId="{31C489BA-8985-464C-B526-1B1490E14750}" destId="{D3177D11-A978-45A7-AD57-C3A2CFC10702}" srcOrd="20" destOrd="0" presId="urn:microsoft.com/office/officeart/2008/layout/VerticalAccentList"/>
+    <dgm:cxn modelId="{7426960F-7259-4092-A43E-8F32FA6EC095}" type="presParOf" srcId="{31C489BA-8985-464C-B526-1B1490E14750}" destId="{E23066FC-3416-4EBD-A9E9-1FE634D04315}" srcOrd="21" destOrd="0" presId="urn:microsoft.com/office/officeart/2008/layout/VerticalAccentList"/>
+    <dgm:cxn modelId="{1885C289-6D7D-4417-953B-0E728DDCD3CA}" type="presParOf" srcId="{E23066FC-3416-4EBD-A9E9-1FE634D04315}" destId="{3257A86D-ED59-48D8-92BE-75184A2AB582}" srcOrd="0" destOrd="0" presId="urn:microsoft.com/office/officeart/2008/layout/VerticalAccentList"/>
+    <dgm:cxn modelId="{F0241EF2-95A5-4378-9066-D55872CF91DC}" type="presParOf" srcId="{31C489BA-8985-464C-B526-1B1490E14750}" destId="{679516C0-51FE-4AC8-95F9-CA4203692D12}" srcOrd="22" destOrd="0" presId="urn:microsoft.com/office/officeart/2008/layout/VerticalAccentList"/>
+    <dgm:cxn modelId="{FF6155F2-3371-4426-8048-8447A3365D10}" type="presParOf" srcId="{679516C0-51FE-4AC8-95F9-CA4203692D12}" destId="{CF1AA6DA-6FEC-411A-AC68-81A04406F796}" srcOrd="0" destOrd="0" presId="urn:microsoft.com/office/officeart/2008/layout/VerticalAccentList"/>
+    <dgm:cxn modelId="{64A814BD-7F2C-4FB7-9A0F-1B5996D96056}" type="presParOf" srcId="{679516C0-51FE-4AC8-95F9-CA4203692D12}" destId="{84B2D785-654E-4B83-823C-9257FCA58C7D}" srcOrd="1" destOrd="0" presId="urn:microsoft.com/office/officeart/2008/layout/VerticalAccentList"/>
+    <dgm:cxn modelId="{67133AE6-8D23-4009-9B0C-15C75841915A}" type="presParOf" srcId="{679516C0-51FE-4AC8-95F9-CA4203692D12}" destId="{7CF13022-33D9-4AF4-87F5-093297F4697E}" srcOrd="2" destOrd="0" presId="urn:microsoft.com/office/officeart/2008/layout/VerticalAccentList"/>
+    <dgm:cxn modelId="{3075C6A5-7A67-4512-82A1-994EBEC0D671}" type="presParOf" srcId="{679516C0-51FE-4AC8-95F9-CA4203692D12}" destId="{CFEC0B59-D7AD-42E0-8D25-25C62C09A75D}" srcOrd="3" destOrd="0" presId="urn:microsoft.com/office/officeart/2008/layout/VerticalAccentList"/>
+    <dgm:cxn modelId="{BE3D5762-B14E-4963-A3AC-7CCDF169840C}" type="presParOf" srcId="{679516C0-51FE-4AC8-95F9-CA4203692D12}" destId="{B66CD2F5-D6B2-474C-BED3-8137D52E0555}" srcOrd="4" destOrd="0" presId="urn:microsoft.com/office/officeart/2008/layout/VerticalAccentList"/>
+    <dgm:cxn modelId="{8C1B1A53-B2AD-4D45-8ECE-CB7A124D9E37}" type="presParOf" srcId="{679516C0-51FE-4AC8-95F9-CA4203692D12}" destId="{1F75201E-31B6-442C-81BD-8CABC695E263}" srcOrd="5" destOrd="0" presId="urn:microsoft.com/office/officeart/2008/layout/VerticalAccentList"/>
+    <dgm:cxn modelId="{CB5A631D-86EC-43B0-A5CF-1E8456976871}" type="presParOf" srcId="{679516C0-51FE-4AC8-95F9-CA4203692D12}" destId="{C93CA3D9-29BF-49BF-8D63-FB45447BD321}" srcOrd="6" destOrd="0" presId="urn:microsoft.com/office/officeart/2008/layout/VerticalAccentList"/>
   </dgm:cxnLst>
   <dgm:bg/>
   <dgm:whole/>
@@ -2214,6 +3987,3458 @@
         <a:off x="6170811" y="1558301"/>
         <a:ext cx="1203602" cy="1865150"/>
       </dsp:txXfrm>
+    </dsp:sp>
+  </dsp:spTree>
+</dsp:drawing>
+</file>
+
+<file path=ppt/diagrams/drawing2.xml><?xml version="1.0" encoding="utf-8"?>
+<dsp:drawing xmlns:dgm="http://schemas.openxmlformats.org/drawingml/2006/diagram" xmlns:dsp="http://schemas.microsoft.com/office/drawing/2008/diagram" xmlns:a="http://schemas.openxmlformats.org/drawingml/2006/main">
+  <dsp:spTree>
+    <dsp:nvGrpSpPr>
+      <dsp:cNvPr id="0" name=""/>
+      <dsp:cNvGrpSpPr/>
+    </dsp:nvGrpSpPr>
+    <dsp:grpSpPr/>
+    <dsp:sp modelId="{0DB10807-201C-4463-8ECE-5A434A41BBFD}">
+      <dsp:nvSpPr>
+        <dsp:cNvPr id="0" name=""/>
+        <dsp:cNvSpPr/>
+      </dsp:nvSpPr>
+      <dsp:spPr>
+        <a:xfrm>
+          <a:off x="1592987" y="3156"/>
+          <a:ext cx="4385244" cy="398658"/>
+        </a:xfrm>
+        <a:prstGeom prst="rect">
+          <a:avLst/>
+        </a:prstGeom>
+        <a:noFill/>
+        <a:ln>
+          <a:noFill/>
+        </a:ln>
+        <a:effectLst/>
+      </dsp:spPr>
+      <dsp:style>
+        <a:lnRef idx="0">
+          <a:scrgbClr r="0" g="0" b="0"/>
+        </a:lnRef>
+        <a:fillRef idx="0">
+          <a:scrgbClr r="0" g="0" b="0"/>
+        </a:fillRef>
+        <a:effectRef idx="0">
+          <a:scrgbClr r="0" g="0" b="0"/>
+        </a:effectRef>
+        <a:fontRef idx="minor"/>
+      </dsp:style>
+      <dsp:txBody>
+        <a:bodyPr spcFirstLastPara="0" vert="horz" wrap="square" lIns="53340" tIns="53340" rIns="53340" bIns="53340" numCol="1" spcCol="1270" anchor="b" anchorCtr="0">
+          <a:noAutofit/>
+        </a:bodyPr>
+        <a:lstStyle/>
+        <a:p>
+          <a:pPr marL="0" lvl="0" indent="0" algn="l" defTabSz="622300">
+            <a:lnSpc>
+              <a:spcPct val="90000"/>
+            </a:lnSpc>
+            <a:spcBef>
+              <a:spcPct val="0"/>
+            </a:spcBef>
+            <a:spcAft>
+              <a:spcPct val="35000"/>
+            </a:spcAft>
+            <a:buNone/>
+          </a:pPr>
+          <a:r>
+            <a:rPr lang="es-MX" sz="1400" kern="1200" dirty="0">
+              <a:solidFill>
+                <a:schemeClr val="accent6">
+                  <a:lumMod val="50000"/>
+                </a:schemeClr>
+              </a:solidFill>
+            </a:rPr>
+            <a:t>01 Calidad del servicio</a:t>
+          </a:r>
+          <a:endParaRPr lang="es-CO" sz="1400" kern="1200" dirty="0">
+            <a:solidFill>
+              <a:schemeClr val="accent6">
+                <a:lumMod val="50000"/>
+              </a:schemeClr>
+            </a:solidFill>
+          </a:endParaRPr>
+        </a:p>
+      </dsp:txBody>
+      <dsp:txXfrm>
+        <a:off x="1592987" y="3156"/>
+        <a:ext cx="4385244" cy="398658"/>
+      </dsp:txXfrm>
+    </dsp:sp>
+    <dsp:sp modelId="{FC92E061-289C-467E-A5BB-3BBFC2AA5D1F}">
+      <dsp:nvSpPr>
+        <dsp:cNvPr id="0" name=""/>
+        <dsp:cNvSpPr/>
+      </dsp:nvSpPr>
+      <dsp:spPr>
+        <a:xfrm>
+          <a:off x="1592987" y="401815"/>
+          <a:ext cx="584699" cy="97449"/>
+        </a:xfrm>
+        <a:prstGeom prst="parallelogram">
+          <a:avLst>
+            <a:gd name="adj" fmla="val 140840"/>
+          </a:avLst>
+        </a:prstGeom>
+        <a:solidFill>
+          <a:schemeClr val="accent1">
+            <a:hueOff val="0"/>
+            <a:satOff val="0"/>
+            <a:lumOff val="0"/>
+            <a:alphaOff val="0"/>
+          </a:schemeClr>
+        </a:solidFill>
+        <a:ln w="25400" cap="flat" cmpd="sng" algn="ctr">
+          <a:solidFill>
+            <a:schemeClr val="accent1">
+              <a:hueOff val="0"/>
+              <a:satOff val="0"/>
+              <a:lumOff val="0"/>
+              <a:alphaOff val="0"/>
+            </a:schemeClr>
+          </a:solidFill>
+          <a:prstDash val="solid"/>
+        </a:ln>
+        <a:effectLst/>
+      </dsp:spPr>
+      <dsp:style>
+        <a:lnRef idx="2">
+          <a:scrgbClr r="0" g="0" b="0"/>
+        </a:lnRef>
+        <a:fillRef idx="1">
+          <a:scrgbClr r="0" g="0" b="0"/>
+        </a:fillRef>
+        <a:effectRef idx="0">
+          <a:scrgbClr r="0" g="0" b="0"/>
+        </a:effectRef>
+        <a:fontRef idx="minor">
+          <a:schemeClr val="lt1"/>
+        </a:fontRef>
+      </dsp:style>
+    </dsp:sp>
+    <dsp:sp modelId="{B9AA0D54-DAD1-40E5-9593-0B4812DE74A2}">
+      <dsp:nvSpPr>
+        <dsp:cNvPr id="0" name=""/>
+        <dsp:cNvSpPr/>
+      </dsp:nvSpPr>
+      <dsp:spPr>
+        <a:xfrm>
+          <a:off x="2211794" y="401815"/>
+          <a:ext cx="584699" cy="97449"/>
+        </a:xfrm>
+        <a:prstGeom prst="parallelogram">
+          <a:avLst>
+            <a:gd name="adj" fmla="val 140840"/>
+          </a:avLst>
+        </a:prstGeom>
+        <a:solidFill>
+          <a:schemeClr val="accent1">
+            <a:hueOff val="0"/>
+            <a:satOff val="0"/>
+            <a:lumOff val="0"/>
+            <a:alphaOff val="0"/>
+          </a:schemeClr>
+        </a:solidFill>
+        <a:ln w="25400" cap="flat" cmpd="sng" algn="ctr">
+          <a:solidFill>
+            <a:schemeClr val="accent1">
+              <a:hueOff val="0"/>
+              <a:satOff val="0"/>
+              <a:lumOff val="0"/>
+              <a:alphaOff val="0"/>
+            </a:schemeClr>
+          </a:solidFill>
+          <a:prstDash val="solid"/>
+        </a:ln>
+        <a:effectLst/>
+      </dsp:spPr>
+      <dsp:style>
+        <a:lnRef idx="2">
+          <a:scrgbClr r="0" g="0" b="0"/>
+        </a:lnRef>
+        <a:fillRef idx="1">
+          <a:scrgbClr r="0" g="0" b="0"/>
+        </a:fillRef>
+        <a:effectRef idx="0">
+          <a:scrgbClr r="0" g="0" b="0"/>
+        </a:effectRef>
+        <a:fontRef idx="minor">
+          <a:schemeClr val="lt1"/>
+        </a:fontRef>
+      </dsp:style>
+    </dsp:sp>
+    <dsp:sp modelId="{71447F05-F7BF-45E4-9125-CED6FECAA414}">
+      <dsp:nvSpPr>
+        <dsp:cNvPr id="0" name=""/>
+        <dsp:cNvSpPr/>
+      </dsp:nvSpPr>
+      <dsp:spPr>
+        <a:xfrm>
+          <a:off x="2830601" y="401815"/>
+          <a:ext cx="584699" cy="97449"/>
+        </a:xfrm>
+        <a:prstGeom prst="parallelogram">
+          <a:avLst>
+            <a:gd name="adj" fmla="val 140840"/>
+          </a:avLst>
+        </a:prstGeom>
+        <a:solidFill>
+          <a:schemeClr val="accent1">
+            <a:hueOff val="0"/>
+            <a:satOff val="0"/>
+            <a:lumOff val="0"/>
+            <a:alphaOff val="0"/>
+          </a:schemeClr>
+        </a:solidFill>
+        <a:ln w="25400" cap="flat" cmpd="sng" algn="ctr">
+          <a:solidFill>
+            <a:schemeClr val="accent1">
+              <a:hueOff val="0"/>
+              <a:satOff val="0"/>
+              <a:lumOff val="0"/>
+              <a:alphaOff val="0"/>
+            </a:schemeClr>
+          </a:solidFill>
+          <a:prstDash val="solid"/>
+        </a:ln>
+        <a:effectLst/>
+      </dsp:spPr>
+      <dsp:style>
+        <a:lnRef idx="2">
+          <a:scrgbClr r="0" g="0" b="0"/>
+        </a:lnRef>
+        <a:fillRef idx="1">
+          <a:scrgbClr r="0" g="0" b="0"/>
+        </a:fillRef>
+        <a:effectRef idx="0">
+          <a:scrgbClr r="0" g="0" b="0"/>
+        </a:effectRef>
+        <a:fontRef idx="minor">
+          <a:schemeClr val="lt1"/>
+        </a:fontRef>
+      </dsp:style>
+    </dsp:sp>
+    <dsp:sp modelId="{4DA3D106-0C4A-4221-B312-71CC4DD6274C}">
+      <dsp:nvSpPr>
+        <dsp:cNvPr id="0" name=""/>
+        <dsp:cNvSpPr/>
+      </dsp:nvSpPr>
+      <dsp:spPr>
+        <a:xfrm>
+          <a:off x="3449407" y="401815"/>
+          <a:ext cx="584699" cy="97449"/>
+        </a:xfrm>
+        <a:prstGeom prst="parallelogram">
+          <a:avLst>
+            <a:gd name="adj" fmla="val 140840"/>
+          </a:avLst>
+        </a:prstGeom>
+        <a:solidFill>
+          <a:schemeClr val="accent1">
+            <a:hueOff val="0"/>
+            <a:satOff val="0"/>
+            <a:lumOff val="0"/>
+            <a:alphaOff val="0"/>
+          </a:schemeClr>
+        </a:solidFill>
+        <a:ln w="25400" cap="flat" cmpd="sng" algn="ctr">
+          <a:solidFill>
+            <a:schemeClr val="accent1">
+              <a:hueOff val="0"/>
+              <a:satOff val="0"/>
+              <a:lumOff val="0"/>
+              <a:alphaOff val="0"/>
+            </a:schemeClr>
+          </a:solidFill>
+          <a:prstDash val="solid"/>
+        </a:ln>
+        <a:effectLst/>
+      </dsp:spPr>
+      <dsp:style>
+        <a:lnRef idx="2">
+          <a:scrgbClr r="0" g="0" b="0"/>
+        </a:lnRef>
+        <a:fillRef idx="1">
+          <a:scrgbClr r="0" g="0" b="0"/>
+        </a:fillRef>
+        <a:effectRef idx="0">
+          <a:scrgbClr r="0" g="0" b="0"/>
+        </a:effectRef>
+        <a:fontRef idx="minor">
+          <a:schemeClr val="lt1"/>
+        </a:fontRef>
+      </dsp:style>
+    </dsp:sp>
+    <dsp:sp modelId="{62F2CC5A-11B5-4A45-8EC7-E442CD3E7835}">
+      <dsp:nvSpPr>
+        <dsp:cNvPr id="0" name=""/>
+        <dsp:cNvSpPr/>
+      </dsp:nvSpPr>
+      <dsp:spPr>
+        <a:xfrm>
+          <a:off x="4068214" y="401815"/>
+          <a:ext cx="584699" cy="97449"/>
+        </a:xfrm>
+        <a:prstGeom prst="parallelogram">
+          <a:avLst>
+            <a:gd name="adj" fmla="val 140840"/>
+          </a:avLst>
+        </a:prstGeom>
+        <a:solidFill>
+          <a:schemeClr val="accent1">
+            <a:hueOff val="0"/>
+            <a:satOff val="0"/>
+            <a:lumOff val="0"/>
+            <a:alphaOff val="0"/>
+          </a:schemeClr>
+        </a:solidFill>
+        <a:ln w="25400" cap="flat" cmpd="sng" algn="ctr">
+          <a:solidFill>
+            <a:schemeClr val="accent1">
+              <a:hueOff val="0"/>
+              <a:satOff val="0"/>
+              <a:lumOff val="0"/>
+              <a:alphaOff val="0"/>
+            </a:schemeClr>
+          </a:solidFill>
+          <a:prstDash val="solid"/>
+        </a:ln>
+        <a:effectLst/>
+      </dsp:spPr>
+      <dsp:style>
+        <a:lnRef idx="2">
+          <a:scrgbClr r="0" g="0" b="0"/>
+        </a:lnRef>
+        <a:fillRef idx="1">
+          <a:scrgbClr r="0" g="0" b="0"/>
+        </a:fillRef>
+        <a:effectRef idx="0">
+          <a:scrgbClr r="0" g="0" b="0"/>
+        </a:effectRef>
+        <a:fontRef idx="minor">
+          <a:schemeClr val="lt1"/>
+        </a:fontRef>
+      </dsp:style>
+    </dsp:sp>
+    <dsp:sp modelId="{E2E457CD-78F5-4C7C-95C5-7FC3EFC0D9C7}">
+      <dsp:nvSpPr>
+        <dsp:cNvPr id="0" name=""/>
+        <dsp:cNvSpPr/>
+      </dsp:nvSpPr>
+      <dsp:spPr>
+        <a:xfrm>
+          <a:off x="4687021" y="401815"/>
+          <a:ext cx="584699" cy="97449"/>
+        </a:xfrm>
+        <a:prstGeom prst="parallelogram">
+          <a:avLst>
+            <a:gd name="adj" fmla="val 140840"/>
+          </a:avLst>
+        </a:prstGeom>
+        <a:solidFill>
+          <a:schemeClr val="accent1">
+            <a:hueOff val="0"/>
+            <a:satOff val="0"/>
+            <a:lumOff val="0"/>
+            <a:alphaOff val="0"/>
+          </a:schemeClr>
+        </a:solidFill>
+        <a:ln w="25400" cap="flat" cmpd="sng" algn="ctr">
+          <a:solidFill>
+            <a:schemeClr val="accent1">
+              <a:hueOff val="0"/>
+              <a:satOff val="0"/>
+              <a:lumOff val="0"/>
+              <a:alphaOff val="0"/>
+            </a:schemeClr>
+          </a:solidFill>
+          <a:prstDash val="solid"/>
+        </a:ln>
+        <a:effectLst/>
+      </dsp:spPr>
+      <dsp:style>
+        <a:lnRef idx="2">
+          <a:scrgbClr r="0" g="0" b="0"/>
+        </a:lnRef>
+        <a:fillRef idx="1">
+          <a:scrgbClr r="0" g="0" b="0"/>
+        </a:fillRef>
+        <a:effectRef idx="0">
+          <a:scrgbClr r="0" g="0" b="0"/>
+        </a:effectRef>
+        <a:fontRef idx="minor">
+          <a:schemeClr val="lt1"/>
+        </a:fontRef>
+      </dsp:style>
+    </dsp:sp>
+    <dsp:sp modelId="{131FFF8B-8F39-487C-B535-3C0EB03B2523}">
+      <dsp:nvSpPr>
+        <dsp:cNvPr id="0" name=""/>
+        <dsp:cNvSpPr/>
+      </dsp:nvSpPr>
+      <dsp:spPr>
+        <a:xfrm>
+          <a:off x="5305828" y="401815"/>
+          <a:ext cx="584699" cy="97449"/>
+        </a:xfrm>
+        <a:prstGeom prst="parallelogram">
+          <a:avLst>
+            <a:gd name="adj" fmla="val 140840"/>
+          </a:avLst>
+        </a:prstGeom>
+        <a:solidFill>
+          <a:schemeClr val="accent1">
+            <a:hueOff val="0"/>
+            <a:satOff val="0"/>
+            <a:lumOff val="0"/>
+            <a:alphaOff val="0"/>
+          </a:schemeClr>
+        </a:solidFill>
+        <a:ln w="25400" cap="flat" cmpd="sng" algn="ctr">
+          <a:solidFill>
+            <a:schemeClr val="accent1">
+              <a:hueOff val="0"/>
+              <a:satOff val="0"/>
+              <a:lumOff val="0"/>
+              <a:alphaOff val="0"/>
+            </a:schemeClr>
+          </a:solidFill>
+          <a:prstDash val="solid"/>
+        </a:ln>
+        <a:effectLst/>
+      </dsp:spPr>
+      <dsp:style>
+        <a:lnRef idx="2">
+          <a:scrgbClr r="0" g="0" b="0"/>
+        </a:lnRef>
+        <a:fillRef idx="1">
+          <a:scrgbClr r="0" g="0" b="0"/>
+        </a:fillRef>
+        <a:effectRef idx="0">
+          <a:scrgbClr r="0" g="0" b="0"/>
+        </a:effectRef>
+        <a:fontRef idx="minor">
+          <a:schemeClr val="lt1"/>
+        </a:fontRef>
+      </dsp:style>
+    </dsp:sp>
+    <dsp:sp modelId="{0030D45C-3731-4F96-9752-84DBEA128588}">
+      <dsp:nvSpPr>
+        <dsp:cNvPr id="0" name=""/>
+        <dsp:cNvSpPr/>
+      </dsp:nvSpPr>
+      <dsp:spPr>
+        <a:xfrm>
+          <a:off x="1592987" y="555496"/>
+          <a:ext cx="4385244" cy="398658"/>
+        </a:xfrm>
+        <a:prstGeom prst="rect">
+          <a:avLst/>
+        </a:prstGeom>
+        <a:noFill/>
+        <a:ln>
+          <a:noFill/>
+        </a:ln>
+        <a:effectLst/>
+      </dsp:spPr>
+      <dsp:style>
+        <a:lnRef idx="0">
+          <a:scrgbClr r="0" g="0" b="0"/>
+        </a:lnRef>
+        <a:fillRef idx="0">
+          <a:scrgbClr r="0" g="0" b="0"/>
+        </a:fillRef>
+        <a:effectRef idx="0">
+          <a:scrgbClr r="0" g="0" b="0"/>
+        </a:effectRef>
+        <a:fontRef idx="minor"/>
+      </dsp:style>
+      <dsp:txBody>
+        <a:bodyPr spcFirstLastPara="0" vert="horz" wrap="square" lIns="53340" tIns="53340" rIns="53340" bIns="53340" numCol="1" spcCol="1270" anchor="b" anchorCtr="0">
+          <a:noAutofit/>
+        </a:bodyPr>
+        <a:lstStyle/>
+        <a:p>
+          <a:pPr marL="0" lvl="0" indent="0" algn="l" defTabSz="622300">
+            <a:lnSpc>
+              <a:spcPct val="90000"/>
+            </a:lnSpc>
+            <a:spcBef>
+              <a:spcPct val="0"/>
+            </a:spcBef>
+            <a:spcAft>
+              <a:spcPct val="35000"/>
+            </a:spcAft>
+            <a:buNone/>
+          </a:pPr>
+          <a:r>
+            <a:rPr lang="es-MX" sz="1400" kern="1200" dirty="0">
+              <a:solidFill>
+                <a:schemeClr val="accent6">
+                  <a:lumMod val="50000"/>
+                </a:schemeClr>
+              </a:solidFill>
+            </a:rPr>
+            <a:t>02 Calidad humana /atención</a:t>
+          </a:r>
+          <a:endParaRPr lang="es-CO" sz="1400" kern="1200" dirty="0">
+            <a:solidFill>
+              <a:schemeClr val="accent6">
+                <a:lumMod val="50000"/>
+              </a:schemeClr>
+            </a:solidFill>
+          </a:endParaRPr>
+        </a:p>
+      </dsp:txBody>
+      <dsp:txXfrm>
+        <a:off x="1592987" y="555496"/>
+        <a:ext cx="4385244" cy="398658"/>
+      </dsp:txXfrm>
+    </dsp:sp>
+    <dsp:sp modelId="{654FBC32-2F76-4CF2-B920-2D6FCB6EBD20}">
+      <dsp:nvSpPr>
+        <dsp:cNvPr id="0" name=""/>
+        <dsp:cNvSpPr/>
+      </dsp:nvSpPr>
+      <dsp:spPr>
+        <a:xfrm>
+          <a:off x="1592987" y="954155"/>
+          <a:ext cx="584699" cy="97449"/>
+        </a:xfrm>
+        <a:prstGeom prst="parallelogram">
+          <a:avLst>
+            <a:gd name="adj" fmla="val 140840"/>
+          </a:avLst>
+        </a:prstGeom>
+        <a:solidFill>
+          <a:schemeClr val="accent1">
+            <a:hueOff val="0"/>
+            <a:satOff val="0"/>
+            <a:lumOff val="0"/>
+            <a:alphaOff val="0"/>
+          </a:schemeClr>
+        </a:solidFill>
+        <a:ln w="25400" cap="flat" cmpd="sng" algn="ctr">
+          <a:solidFill>
+            <a:schemeClr val="accent1">
+              <a:hueOff val="0"/>
+              <a:satOff val="0"/>
+              <a:lumOff val="0"/>
+              <a:alphaOff val="0"/>
+            </a:schemeClr>
+          </a:solidFill>
+          <a:prstDash val="solid"/>
+        </a:ln>
+        <a:effectLst/>
+      </dsp:spPr>
+      <dsp:style>
+        <a:lnRef idx="2">
+          <a:scrgbClr r="0" g="0" b="0"/>
+        </a:lnRef>
+        <a:fillRef idx="1">
+          <a:scrgbClr r="0" g="0" b="0"/>
+        </a:fillRef>
+        <a:effectRef idx="0">
+          <a:scrgbClr r="0" g="0" b="0"/>
+        </a:effectRef>
+        <a:fontRef idx="minor">
+          <a:schemeClr val="lt1"/>
+        </a:fontRef>
+      </dsp:style>
+    </dsp:sp>
+    <dsp:sp modelId="{BEE1E39E-4FA2-49D4-9D29-7758620323EC}">
+      <dsp:nvSpPr>
+        <dsp:cNvPr id="0" name=""/>
+        <dsp:cNvSpPr/>
+      </dsp:nvSpPr>
+      <dsp:spPr>
+        <a:xfrm>
+          <a:off x="2211794" y="954155"/>
+          <a:ext cx="584699" cy="97449"/>
+        </a:xfrm>
+        <a:prstGeom prst="parallelogram">
+          <a:avLst>
+            <a:gd name="adj" fmla="val 140840"/>
+          </a:avLst>
+        </a:prstGeom>
+        <a:solidFill>
+          <a:schemeClr val="accent1">
+            <a:hueOff val="0"/>
+            <a:satOff val="0"/>
+            <a:lumOff val="0"/>
+            <a:alphaOff val="0"/>
+          </a:schemeClr>
+        </a:solidFill>
+        <a:ln w="25400" cap="flat" cmpd="sng" algn="ctr">
+          <a:solidFill>
+            <a:schemeClr val="accent1">
+              <a:hueOff val="0"/>
+              <a:satOff val="0"/>
+              <a:lumOff val="0"/>
+              <a:alphaOff val="0"/>
+            </a:schemeClr>
+          </a:solidFill>
+          <a:prstDash val="solid"/>
+        </a:ln>
+        <a:effectLst/>
+      </dsp:spPr>
+      <dsp:style>
+        <a:lnRef idx="2">
+          <a:scrgbClr r="0" g="0" b="0"/>
+        </a:lnRef>
+        <a:fillRef idx="1">
+          <a:scrgbClr r="0" g="0" b="0"/>
+        </a:fillRef>
+        <a:effectRef idx="0">
+          <a:scrgbClr r="0" g="0" b="0"/>
+        </a:effectRef>
+        <a:fontRef idx="minor">
+          <a:schemeClr val="lt1"/>
+        </a:fontRef>
+      </dsp:style>
+    </dsp:sp>
+    <dsp:sp modelId="{DAE9B28B-5CB3-46DC-95D9-BE9B9CF8D446}">
+      <dsp:nvSpPr>
+        <dsp:cNvPr id="0" name=""/>
+        <dsp:cNvSpPr/>
+      </dsp:nvSpPr>
+      <dsp:spPr>
+        <a:xfrm>
+          <a:off x="2830601" y="954155"/>
+          <a:ext cx="584699" cy="97449"/>
+        </a:xfrm>
+        <a:prstGeom prst="parallelogram">
+          <a:avLst>
+            <a:gd name="adj" fmla="val 140840"/>
+          </a:avLst>
+        </a:prstGeom>
+        <a:solidFill>
+          <a:schemeClr val="accent1">
+            <a:hueOff val="0"/>
+            <a:satOff val="0"/>
+            <a:lumOff val="0"/>
+            <a:alphaOff val="0"/>
+          </a:schemeClr>
+        </a:solidFill>
+        <a:ln w="25400" cap="flat" cmpd="sng" algn="ctr">
+          <a:solidFill>
+            <a:schemeClr val="accent1">
+              <a:hueOff val="0"/>
+              <a:satOff val="0"/>
+              <a:lumOff val="0"/>
+              <a:alphaOff val="0"/>
+            </a:schemeClr>
+          </a:solidFill>
+          <a:prstDash val="solid"/>
+        </a:ln>
+        <a:effectLst/>
+      </dsp:spPr>
+      <dsp:style>
+        <a:lnRef idx="2">
+          <a:scrgbClr r="0" g="0" b="0"/>
+        </a:lnRef>
+        <a:fillRef idx="1">
+          <a:scrgbClr r="0" g="0" b="0"/>
+        </a:fillRef>
+        <a:effectRef idx="0">
+          <a:scrgbClr r="0" g="0" b="0"/>
+        </a:effectRef>
+        <a:fontRef idx="minor">
+          <a:schemeClr val="lt1"/>
+        </a:fontRef>
+      </dsp:style>
+    </dsp:sp>
+    <dsp:sp modelId="{89F6CFB8-92BD-4987-ACCB-4EFD0512E88F}">
+      <dsp:nvSpPr>
+        <dsp:cNvPr id="0" name=""/>
+        <dsp:cNvSpPr/>
+      </dsp:nvSpPr>
+      <dsp:spPr>
+        <a:xfrm>
+          <a:off x="3449407" y="954155"/>
+          <a:ext cx="584699" cy="97449"/>
+        </a:xfrm>
+        <a:prstGeom prst="parallelogram">
+          <a:avLst>
+            <a:gd name="adj" fmla="val 140840"/>
+          </a:avLst>
+        </a:prstGeom>
+        <a:solidFill>
+          <a:schemeClr val="accent1">
+            <a:hueOff val="0"/>
+            <a:satOff val="0"/>
+            <a:lumOff val="0"/>
+            <a:alphaOff val="0"/>
+          </a:schemeClr>
+        </a:solidFill>
+        <a:ln w="25400" cap="flat" cmpd="sng" algn="ctr">
+          <a:solidFill>
+            <a:schemeClr val="accent1">
+              <a:hueOff val="0"/>
+              <a:satOff val="0"/>
+              <a:lumOff val="0"/>
+              <a:alphaOff val="0"/>
+            </a:schemeClr>
+          </a:solidFill>
+          <a:prstDash val="solid"/>
+        </a:ln>
+        <a:effectLst/>
+      </dsp:spPr>
+      <dsp:style>
+        <a:lnRef idx="2">
+          <a:scrgbClr r="0" g="0" b="0"/>
+        </a:lnRef>
+        <a:fillRef idx="1">
+          <a:scrgbClr r="0" g="0" b="0"/>
+        </a:fillRef>
+        <a:effectRef idx="0">
+          <a:scrgbClr r="0" g="0" b="0"/>
+        </a:effectRef>
+        <a:fontRef idx="minor">
+          <a:schemeClr val="lt1"/>
+        </a:fontRef>
+      </dsp:style>
+    </dsp:sp>
+    <dsp:sp modelId="{86B22817-4C23-4873-88D2-2F7A14ECD259}">
+      <dsp:nvSpPr>
+        <dsp:cNvPr id="0" name=""/>
+        <dsp:cNvSpPr/>
+      </dsp:nvSpPr>
+      <dsp:spPr>
+        <a:xfrm>
+          <a:off x="4068214" y="954155"/>
+          <a:ext cx="584699" cy="97449"/>
+        </a:xfrm>
+        <a:prstGeom prst="parallelogram">
+          <a:avLst>
+            <a:gd name="adj" fmla="val 140840"/>
+          </a:avLst>
+        </a:prstGeom>
+        <a:solidFill>
+          <a:schemeClr val="accent1">
+            <a:hueOff val="0"/>
+            <a:satOff val="0"/>
+            <a:lumOff val="0"/>
+            <a:alphaOff val="0"/>
+          </a:schemeClr>
+        </a:solidFill>
+        <a:ln w="25400" cap="flat" cmpd="sng" algn="ctr">
+          <a:solidFill>
+            <a:schemeClr val="accent1">
+              <a:hueOff val="0"/>
+              <a:satOff val="0"/>
+              <a:lumOff val="0"/>
+              <a:alphaOff val="0"/>
+            </a:schemeClr>
+          </a:solidFill>
+          <a:prstDash val="solid"/>
+        </a:ln>
+        <a:effectLst/>
+      </dsp:spPr>
+      <dsp:style>
+        <a:lnRef idx="2">
+          <a:scrgbClr r="0" g="0" b="0"/>
+        </a:lnRef>
+        <a:fillRef idx="1">
+          <a:scrgbClr r="0" g="0" b="0"/>
+        </a:fillRef>
+        <a:effectRef idx="0">
+          <a:scrgbClr r="0" g="0" b="0"/>
+        </a:effectRef>
+        <a:fontRef idx="minor">
+          <a:schemeClr val="lt1"/>
+        </a:fontRef>
+      </dsp:style>
+    </dsp:sp>
+    <dsp:sp modelId="{BE2C53BC-EF23-4953-B55D-957869A03A00}">
+      <dsp:nvSpPr>
+        <dsp:cNvPr id="0" name=""/>
+        <dsp:cNvSpPr/>
+      </dsp:nvSpPr>
+      <dsp:spPr>
+        <a:xfrm>
+          <a:off x="4687021" y="954155"/>
+          <a:ext cx="584699" cy="97449"/>
+        </a:xfrm>
+        <a:prstGeom prst="parallelogram">
+          <a:avLst>
+            <a:gd name="adj" fmla="val 140840"/>
+          </a:avLst>
+        </a:prstGeom>
+        <a:solidFill>
+          <a:schemeClr val="accent1">
+            <a:hueOff val="0"/>
+            <a:satOff val="0"/>
+            <a:lumOff val="0"/>
+            <a:alphaOff val="0"/>
+          </a:schemeClr>
+        </a:solidFill>
+        <a:ln w="25400" cap="flat" cmpd="sng" algn="ctr">
+          <a:solidFill>
+            <a:schemeClr val="accent1">
+              <a:hueOff val="0"/>
+              <a:satOff val="0"/>
+              <a:lumOff val="0"/>
+              <a:alphaOff val="0"/>
+            </a:schemeClr>
+          </a:solidFill>
+          <a:prstDash val="solid"/>
+        </a:ln>
+        <a:effectLst/>
+      </dsp:spPr>
+      <dsp:style>
+        <a:lnRef idx="2">
+          <a:scrgbClr r="0" g="0" b="0"/>
+        </a:lnRef>
+        <a:fillRef idx="1">
+          <a:scrgbClr r="0" g="0" b="0"/>
+        </a:fillRef>
+        <a:effectRef idx="0">
+          <a:scrgbClr r="0" g="0" b="0"/>
+        </a:effectRef>
+        <a:fontRef idx="minor">
+          <a:schemeClr val="lt1"/>
+        </a:fontRef>
+      </dsp:style>
+    </dsp:sp>
+    <dsp:sp modelId="{FBFEC9BB-30BB-4BCA-972C-E0E3BF4835E0}">
+      <dsp:nvSpPr>
+        <dsp:cNvPr id="0" name=""/>
+        <dsp:cNvSpPr/>
+      </dsp:nvSpPr>
+      <dsp:spPr>
+        <a:xfrm>
+          <a:off x="5305828" y="954155"/>
+          <a:ext cx="584699" cy="97449"/>
+        </a:xfrm>
+        <a:prstGeom prst="parallelogram">
+          <a:avLst>
+            <a:gd name="adj" fmla="val 140840"/>
+          </a:avLst>
+        </a:prstGeom>
+        <a:solidFill>
+          <a:schemeClr val="accent1">
+            <a:hueOff val="0"/>
+            <a:satOff val="0"/>
+            <a:lumOff val="0"/>
+            <a:alphaOff val="0"/>
+          </a:schemeClr>
+        </a:solidFill>
+        <a:ln w="25400" cap="flat" cmpd="sng" algn="ctr">
+          <a:solidFill>
+            <a:schemeClr val="accent1">
+              <a:hueOff val="0"/>
+              <a:satOff val="0"/>
+              <a:lumOff val="0"/>
+              <a:alphaOff val="0"/>
+            </a:schemeClr>
+          </a:solidFill>
+          <a:prstDash val="solid"/>
+        </a:ln>
+        <a:effectLst/>
+      </dsp:spPr>
+      <dsp:style>
+        <a:lnRef idx="2">
+          <a:scrgbClr r="0" g="0" b="0"/>
+        </a:lnRef>
+        <a:fillRef idx="1">
+          <a:scrgbClr r="0" g="0" b="0"/>
+        </a:fillRef>
+        <a:effectRef idx="0">
+          <a:scrgbClr r="0" g="0" b="0"/>
+        </a:effectRef>
+        <a:fontRef idx="minor">
+          <a:schemeClr val="lt1"/>
+        </a:fontRef>
+      </dsp:style>
+    </dsp:sp>
+    <dsp:sp modelId="{57C409B9-41A1-4821-A04D-CA86F2EEF0B2}">
+      <dsp:nvSpPr>
+        <dsp:cNvPr id="0" name=""/>
+        <dsp:cNvSpPr/>
+      </dsp:nvSpPr>
+      <dsp:spPr>
+        <a:xfrm>
+          <a:off x="1592987" y="1107836"/>
+          <a:ext cx="4385244" cy="398658"/>
+        </a:xfrm>
+        <a:prstGeom prst="rect">
+          <a:avLst/>
+        </a:prstGeom>
+        <a:noFill/>
+        <a:ln>
+          <a:noFill/>
+        </a:ln>
+        <a:effectLst/>
+      </dsp:spPr>
+      <dsp:style>
+        <a:lnRef idx="0">
+          <a:scrgbClr r="0" g="0" b="0"/>
+        </a:lnRef>
+        <a:fillRef idx="0">
+          <a:scrgbClr r="0" g="0" b="0"/>
+        </a:fillRef>
+        <a:effectRef idx="0">
+          <a:scrgbClr r="0" g="0" b="0"/>
+        </a:effectRef>
+        <a:fontRef idx="minor"/>
+      </dsp:style>
+      <dsp:txBody>
+        <a:bodyPr spcFirstLastPara="0" vert="horz" wrap="square" lIns="53340" tIns="53340" rIns="53340" bIns="53340" numCol="1" spcCol="1270" anchor="b" anchorCtr="0">
+          <a:noAutofit/>
+        </a:bodyPr>
+        <a:lstStyle/>
+        <a:p>
+          <a:pPr marL="0" lvl="0" indent="0" algn="l" defTabSz="622300">
+            <a:lnSpc>
+              <a:spcPct val="90000"/>
+            </a:lnSpc>
+            <a:spcBef>
+              <a:spcPct val="0"/>
+            </a:spcBef>
+            <a:spcAft>
+              <a:spcPct val="35000"/>
+            </a:spcAft>
+            <a:buNone/>
+          </a:pPr>
+          <a:r>
+            <a:rPr lang="es-MX" sz="1400" kern="1200" dirty="0">
+              <a:solidFill>
+                <a:schemeClr val="accent6">
+                  <a:lumMod val="50000"/>
+                </a:schemeClr>
+              </a:solidFill>
+            </a:rPr>
+            <a:t>03 Entrega de medicamentos</a:t>
+          </a:r>
+          <a:endParaRPr lang="es-CO" sz="1400" kern="1200" dirty="0">
+            <a:solidFill>
+              <a:schemeClr val="accent6">
+                <a:lumMod val="50000"/>
+              </a:schemeClr>
+            </a:solidFill>
+          </a:endParaRPr>
+        </a:p>
+      </dsp:txBody>
+      <dsp:txXfrm>
+        <a:off x="1592987" y="1107836"/>
+        <a:ext cx="4385244" cy="398658"/>
+      </dsp:txXfrm>
+    </dsp:sp>
+    <dsp:sp modelId="{2C539B1F-F8C1-40D2-8BD3-7A331E84E1E2}">
+      <dsp:nvSpPr>
+        <dsp:cNvPr id="0" name=""/>
+        <dsp:cNvSpPr/>
+      </dsp:nvSpPr>
+      <dsp:spPr>
+        <a:xfrm>
+          <a:off x="1592987" y="1506494"/>
+          <a:ext cx="584699" cy="97449"/>
+        </a:xfrm>
+        <a:prstGeom prst="parallelogram">
+          <a:avLst>
+            <a:gd name="adj" fmla="val 140840"/>
+          </a:avLst>
+        </a:prstGeom>
+        <a:solidFill>
+          <a:schemeClr val="accent1">
+            <a:hueOff val="0"/>
+            <a:satOff val="0"/>
+            <a:lumOff val="0"/>
+            <a:alphaOff val="0"/>
+          </a:schemeClr>
+        </a:solidFill>
+        <a:ln w="25400" cap="flat" cmpd="sng" algn="ctr">
+          <a:solidFill>
+            <a:schemeClr val="accent1">
+              <a:hueOff val="0"/>
+              <a:satOff val="0"/>
+              <a:lumOff val="0"/>
+              <a:alphaOff val="0"/>
+            </a:schemeClr>
+          </a:solidFill>
+          <a:prstDash val="solid"/>
+        </a:ln>
+        <a:effectLst/>
+      </dsp:spPr>
+      <dsp:style>
+        <a:lnRef idx="2">
+          <a:scrgbClr r="0" g="0" b="0"/>
+        </a:lnRef>
+        <a:fillRef idx="1">
+          <a:scrgbClr r="0" g="0" b="0"/>
+        </a:fillRef>
+        <a:effectRef idx="0">
+          <a:scrgbClr r="0" g="0" b="0"/>
+        </a:effectRef>
+        <a:fontRef idx="minor">
+          <a:schemeClr val="lt1"/>
+        </a:fontRef>
+      </dsp:style>
+    </dsp:sp>
+    <dsp:sp modelId="{F6425A40-CF03-4DF8-9EE3-AF06B7D8845D}">
+      <dsp:nvSpPr>
+        <dsp:cNvPr id="0" name=""/>
+        <dsp:cNvSpPr/>
+      </dsp:nvSpPr>
+      <dsp:spPr>
+        <a:xfrm>
+          <a:off x="2211794" y="1506494"/>
+          <a:ext cx="584699" cy="97449"/>
+        </a:xfrm>
+        <a:prstGeom prst="parallelogram">
+          <a:avLst>
+            <a:gd name="adj" fmla="val 140840"/>
+          </a:avLst>
+        </a:prstGeom>
+        <a:solidFill>
+          <a:schemeClr val="accent1">
+            <a:hueOff val="0"/>
+            <a:satOff val="0"/>
+            <a:lumOff val="0"/>
+            <a:alphaOff val="0"/>
+          </a:schemeClr>
+        </a:solidFill>
+        <a:ln w="25400" cap="flat" cmpd="sng" algn="ctr">
+          <a:solidFill>
+            <a:schemeClr val="accent1">
+              <a:hueOff val="0"/>
+              <a:satOff val="0"/>
+              <a:lumOff val="0"/>
+              <a:alphaOff val="0"/>
+            </a:schemeClr>
+          </a:solidFill>
+          <a:prstDash val="solid"/>
+        </a:ln>
+        <a:effectLst/>
+      </dsp:spPr>
+      <dsp:style>
+        <a:lnRef idx="2">
+          <a:scrgbClr r="0" g="0" b="0"/>
+        </a:lnRef>
+        <a:fillRef idx="1">
+          <a:scrgbClr r="0" g="0" b="0"/>
+        </a:fillRef>
+        <a:effectRef idx="0">
+          <a:scrgbClr r="0" g="0" b="0"/>
+        </a:effectRef>
+        <a:fontRef idx="minor">
+          <a:schemeClr val="lt1"/>
+        </a:fontRef>
+      </dsp:style>
+    </dsp:sp>
+    <dsp:sp modelId="{DA0F516F-1DB7-47F2-A0A2-CD2F747DDA63}">
+      <dsp:nvSpPr>
+        <dsp:cNvPr id="0" name=""/>
+        <dsp:cNvSpPr/>
+      </dsp:nvSpPr>
+      <dsp:spPr>
+        <a:xfrm>
+          <a:off x="2830601" y="1506494"/>
+          <a:ext cx="584699" cy="97449"/>
+        </a:xfrm>
+        <a:prstGeom prst="parallelogram">
+          <a:avLst>
+            <a:gd name="adj" fmla="val 140840"/>
+          </a:avLst>
+        </a:prstGeom>
+        <a:solidFill>
+          <a:schemeClr val="accent1">
+            <a:hueOff val="0"/>
+            <a:satOff val="0"/>
+            <a:lumOff val="0"/>
+            <a:alphaOff val="0"/>
+          </a:schemeClr>
+        </a:solidFill>
+        <a:ln w="25400" cap="flat" cmpd="sng" algn="ctr">
+          <a:solidFill>
+            <a:schemeClr val="accent1">
+              <a:hueOff val="0"/>
+              <a:satOff val="0"/>
+              <a:lumOff val="0"/>
+              <a:alphaOff val="0"/>
+            </a:schemeClr>
+          </a:solidFill>
+          <a:prstDash val="solid"/>
+        </a:ln>
+        <a:effectLst/>
+      </dsp:spPr>
+      <dsp:style>
+        <a:lnRef idx="2">
+          <a:scrgbClr r="0" g="0" b="0"/>
+        </a:lnRef>
+        <a:fillRef idx="1">
+          <a:scrgbClr r="0" g="0" b="0"/>
+        </a:fillRef>
+        <a:effectRef idx="0">
+          <a:scrgbClr r="0" g="0" b="0"/>
+        </a:effectRef>
+        <a:fontRef idx="minor">
+          <a:schemeClr val="lt1"/>
+        </a:fontRef>
+      </dsp:style>
+    </dsp:sp>
+    <dsp:sp modelId="{8423C700-7092-4A28-8B8D-62209A6662AA}">
+      <dsp:nvSpPr>
+        <dsp:cNvPr id="0" name=""/>
+        <dsp:cNvSpPr/>
+      </dsp:nvSpPr>
+      <dsp:spPr>
+        <a:xfrm>
+          <a:off x="3449407" y="1506494"/>
+          <a:ext cx="584699" cy="97449"/>
+        </a:xfrm>
+        <a:prstGeom prst="parallelogram">
+          <a:avLst>
+            <a:gd name="adj" fmla="val 140840"/>
+          </a:avLst>
+        </a:prstGeom>
+        <a:solidFill>
+          <a:schemeClr val="accent1">
+            <a:hueOff val="0"/>
+            <a:satOff val="0"/>
+            <a:lumOff val="0"/>
+            <a:alphaOff val="0"/>
+          </a:schemeClr>
+        </a:solidFill>
+        <a:ln w="25400" cap="flat" cmpd="sng" algn="ctr">
+          <a:solidFill>
+            <a:schemeClr val="accent1">
+              <a:hueOff val="0"/>
+              <a:satOff val="0"/>
+              <a:lumOff val="0"/>
+              <a:alphaOff val="0"/>
+            </a:schemeClr>
+          </a:solidFill>
+          <a:prstDash val="solid"/>
+        </a:ln>
+        <a:effectLst/>
+      </dsp:spPr>
+      <dsp:style>
+        <a:lnRef idx="2">
+          <a:scrgbClr r="0" g="0" b="0"/>
+        </a:lnRef>
+        <a:fillRef idx="1">
+          <a:scrgbClr r="0" g="0" b="0"/>
+        </a:fillRef>
+        <a:effectRef idx="0">
+          <a:scrgbClr r="0" g="0" b="0"/>
+        </a:effectRef>
+        <a:fontRef idx="minor">
+          <a:schemeClr val="lt1"/>
+        </a:fontRef>
+      </dsp:style>
+    </dsp:sp>
+    <dsp:sp modelId="{FB58C867-E98E-45EF-B29B-683F9F2AE0A6}">
+      <dsp:nvSpPr>
+        <dsp:cNvPr id="0" name=""/>
+        <dsp:cNvSpPr/>
+      </dsp:nvSpPr>
+      <dsp:spPr>
+        <a:xfrm>
+          <a:off x="4068214" y="1506494"/>
+          <a:ext cx="584699" cy="97449"/>
+        </a:xfrm>
+        <a:prstGeom prst="parallelogram">
+          <a:avLst>
+            <a:gd name="adj" fmla="val 140840"/>
+          </a:avLst>
+        </a:prstGeom>
+        <a:solidFill>
+          <a:schemeClr val="accent1">
+            <a:hueOff val="0"/>
+            <a:satOff val="0"/>
+            <a:lumOff val="0"/>
+            <a:alphaOff val="0"/>
+          </a:schemeClr>
+        </a:solidFill>
+        <a:ln w="25400" cap="flat" cmpd="sng" algn="ctr">
+          <a:solidFill>
+            <a:schemeClr val="accent1">
+              <a:hueOff val="0"/>
+              <a:satOff val="0"/>
+              <a:lumOff val="0"/>
+              <a:alphaOff val="0"/>
+            </a:schemeClr>
+          </a:solidFill>
+          <a:prstDash val="solid"/>
+        </a:ln>
+        <a:effectLst/>
+      </dsp:spPr>
+      <dsp:style>
+        <a:lnRef idx="2">
+          <a:scrgbClr r="0" g="0" b="0"/>
+        </a:lnRef>
+        <a:fillRef idx="1">
+          <a:scrgbClr r="0" g="0" b="0"/>
+        </a:fillRef>
+        <a:effectRef idx="0">
+          <a:scrgbClr r="0" g="0" b="0"/>
+        </a:effectRef>
+        <a:fontRef idx="minor">
+          <a:schemeClr val="lt1"/>
+        </a:fontRef>
+      </dsp:style>
+    </dsp:sp>
+    <dsp:sp modelId="{43B6CD2A-8AF2-4E9A-B417-97F3C3A44359}">
+      <dsp:nvSpPr>
+        <dsp:cNvPr id="0" name=""/>
+        <dsp:cNvSpPr/>
+      </dsp:nvSpPr>
+      <dsp:spPr>
+        <a:xfrm>
+          <a:off x="4687021" y="1506494"/>
+          <a:ext cx="584699" cy="97449"/>
+        </a:xfrm>
+        <a:prstGeom prst="parallelogram">
+          <a:avLst>
+            <a:gd name="adj" fmla="val 140840"/>
+          </a:avLst>
+        </a:prstGeom>
+        <a:solidFill>
+          <a:schemeClr val="accent1">
+            <a:hueOff val="0"/>
+            <a:satOff val="0"/>
+            <a:lumOff val="0"/>
+            <a:alphaOff val="0"/>
+          </a:schemeClr>
+        </a:solidFill>
+        <a:ln w="25400" cap="flat" cmpd="sng" algn="ctr">
+          <a:solidFill>
+            <a:schemeClr val="accent1">
+              <a:hueOff val="0"/>
+              <a:satOff val="0"/>
+              <a:lumOff val="0"/>
+              <a:alphaOff val="0"/>
+            </a:schemeClr>
+          </a:solidFill>
+          <a:prstDash val="solid"/>
+        </a:ln>
+        <a:effectLst/>
+      </dsp:spPr>
+      <dsp:style>
+        <a:lnRef idx="2">
+          <a:scrgbClr r="0" g="0" b="0"/>
+        </a:lnRef>
+        <a:fillRef idx="1">
+          <a:scrgbClr r="0" g="0" b="0"/>
+        </a:fillRef>
+        <a:effectRef idx="0">
+          <a:scrgbClr r="0" g="0" b="0"/>
+        </a:effectRef>
+        <a:fontRef idx="minor">
+          <a:schemeClr val="lt1"/>
+        </a:fontRef>
+      </dsp:style>
+    </dsp:sp>
+    <dsp:sp modelId="{765AAD0A-011B-4D11-A9D8-57A35F14FE24}">
+      <dsp:nvSpPr>
+        <dsp:cNvPr id="0" name=""/>
+        <dsp:cNvSpPr/>
+      </dsp:nvSpPr>
+      <dsp:spPr>
+        <a:xfrm>
+          <a:off x="5305828" y="1506494"/>
+          <a:ext cx="584699" cy="97449"/>
+        </a:xfrm>
+        <a:prstGeom prst="parallelogram">
+          <a:avLst>
+            <a:gd name="adj" fmla="val 140840"/>
+          </a:avLst>
+        </a:prstGeom>
+        <a:solidFill>
+          <a:schemeClr val="accent1">
+            <a:hueOff val="0"/>
+            <a:satOff val="0"/>
+            <a:lumOff val="0"/>
+            <a:alphaOff val="0"/>
+          </a:schemeClr>
+        </a:solidFill>
+        <a:ln w="25400" cap="flat" cmpd="sng" algn="ctr">
+          <a:solidFill>
+            <a:schemeClr val="accent1">
+              <a:hueOff val="0"/>
+              <a:satOff val="0"/>
+              <a:lumOff val="0"/>
+              <a:alphaOff val="0"/>
+            </a:schemeClr>
+          </a:solidFill>
+          <a:prstDash val="solid"/>
+        </a:ln>
+        <a:effectLst/>
+      </dsp:spPr>
+      <dsp:style>
+        <a:lnRef idx="2">
+          <a:scrgbClr r="0" g="0" b="0"/>
+        </a:lnRef>
+        <a:fillRef idx="1">
+          <a:scrgbClr r="0" g="0" b="0"/>
+        </a:fillRef>
+        <a:effectRef idx="0">
+          <a:scrgbClr r="0" g="0" b="0"/>
+        </a:effectRef>
+        <a:fontRef idx="minor">
+          <a:schemeClr val="lt1"/>
+        </a:fontRef>
+      </dsp:style>
+    </dsp:sp>
+    <dsp:sp modelId="{4D27602D-3C4D-48F5-868F-1910A4C9DDC6}">
+      <dsp:nvSpPr>
+        <dsp:cNvPr id="0" name=""/>
+        <dsp:cNvSpPr/>
+      </dsp:nvSpPr>
+      <dsp:spPr>
+        <a:xfrm>
+          <a:off x="1592987" y="1660175"/>
+          <a:ext cx="4385244" cy="398658"/>
+        </a:xfrm>
+        <a:prstGeom prst="rect">
+          <a:avLst/>
+        </a:prstGeom>
+        <a:noFill/>
+        <a:ln>
+          <a:noFill/>
+        </a:ln>
+        <a:effectLst/>
+      </dsp:spPr>
+      <dsp:style>
+        <a:lnRef idx="0">
+          <a:scrgbClr r="0" g="0" b="0"/>
+        </a:lnRef>
+        <a:fillRef idx="0">
+          <a:scrgbClr r="0" g="0" b="0"/>
+        </a:fillRef>
+        <a:effectRef idx="0">
+          <a:scrgbClr r="0" g="0" b="0"/>
+        </a:effectRef>
+        <a:fontRef idx="minor"/>
+      </dsp:style>
+      <dsp:txBody>
+        <a:bodyPr spcFirstLastPara="0" vert="horz" wrap="square" lIns="53340" tIns="53340" rIns="53340" bIns="53340" numCol="1" spcCol="1270" anchor="b" anchorCtr="0">
+          <a:noAutofit/>
+        </a:bodyPr>
+        <a:lstStyle/>
+        <a:p>
+          <a:pPr marL="0" lvl="0" indent="0" algn="l" defTabSz="622300">
+            <a:lnSpc>
+              <a:spcPct val="90000"/>
+            </a:lnSpc>
+            <a:spcBef>
+              <a:spcPct val="0"/>
+            </a:spcBef>
+            <a:spcAft>
+              <a:spcPct val="35000"/>
+            </a:spcAft>
+            <a:buNone/>
+          </a:pPr>
+          <a:r>
+            <a:rPr lang="es-MX" sz="1400" kern="1200" dirty="0">
+              <a:solidFill>
+                <a:schemeClr val="accent6">
+                  <a:lumMod val="50000"/>
+                </a:schemeClr>
+              </a:solidFill>
+            </a:rPr>
+            <a:t>04 Agilidad en la asignación de citas</a:t>
+          </a:r>
+          <a:endParaRPr lang="es-CO" sz="1400" kern="1200" dirty="0">
+            <a:solidFill>
+              <a:schemeClr val="accent6">
+                <a:lumMod val="50000"/>
+              </a:schemeClr>
+            </a:solidFill>
+          </a:endParaRPr>
+        </a:p>
+      </dsp:txBody>
+      <dsp:txXfrm>
+        <a:off x="1592987" y="1660175"/>
+        <a:ext cx="4385244" cy="398658"/>
+      </dsp:txXfrm>
+    </dsp:sp>
+    <dsp:sp modelId="{10458BA8-56F9-40F6-88B5-602851FC0E22}">
+      <dsp:nvSpPr>
+        <dsp:cNvPr id="0" name=""/>
+        <dsp:cNvSpPr/>
+      </dsp:nvSpPr>
+      <dsp:spPr>
+        <a:xfrm>
+          <a:off x="1592987" y="2058834"/>
+          <a:ext cx="584699" cy="97449"/>
+        </a:xfrm>
+        <a:prstGeom prst="parallelogram">
+          <a:avLst>
+            <a:gd name="adj" fmla="val 140840"/>
+          </a:avLst>
+        </a:prstGeom>
+        <a:solidFill>
+          <a:schemeClr val="accent1">
+            <a:hueOff val="0"/>
+            <a:satOff val="0"/>
+            <a:lumOff val="0"/>
+            <a:alphaOff val="0"/>
+          </a:schemeClr>
+        </a:solidFill>
+        <a:ln w="25400" cap="flat" cmpd="sng" algn="ctr">
+          <a:solidFill>
+            <a:schemeClr val="accent1">
+              <a:hueOff val="0"/>
+              <a:satOff val="0"/>
+              <a:lumOff val="0"/>
+              <a:alphaOff val="0"/>
+            </a:schemeClr>
+          </a:solidFill>
+          <a:prstDash val="solid"/>
+        </a:ln>
+        <a:effectLst/>
+      </dsp:spPr>
+      <dsp:style>
+        <a:lnRef idx="2">
+          <a:scrgbClr r="0" g="0" b="0"/>
+        </a:lnRef>
+        <a:fillRef idx="1">
+          <a:scrgbClr r="0" g="0" b="0"/>
+        </a:fillRef>
+        <a:effectRef idx="0">
+          <a:scrgbClr r="0" g="0" b="0"/>
+        </a:effectRef>
+        <a:fontRef idx="minor">
+          <a:schemeClr val="lt1"/>
+        </a:fontRef>
+      </dsp:style>
+    </dsp:sp>
+    <dsp:sp modelId="{B8C81976-CFEB-44D7-ABF1-D014B5D26BF3}">
+      <dsp:nvSpPr>
+        <dsp:cNvPr id="0" name=""/>
+        <dsp:cNvSpPr/>
+      </dsp:nvSpPr>
+      <dsp:spPr>
+        <a:xfrm>
+          <a:off x="2211794" y="2058834"/>
+          <a:ext cx="584699" cy="97449"/>
+        </a:xfrm>
+        <a:prstGeom prst="parallelogram">
+          <a:avLst>
+            <a:gd name="adj" fmla="val 140840"/>
+          </a:avLst>
+        </a:prstGeom>
+        <a:solidFill>
+          <a:schemeClr val="accent1">
+            <a:hueOff val="0"/>
+            <a:satOff val="0"/>
+            <a:lumOff val="0"/>
+            <a:alphaOff val="0"/>
+          </a:schemeClr>
+        </a:solidFill>
+        <a:ln w="25400" cap="flat" cmpd="sng" algn="ctr">
+          <a:solidFill>
+            <a:schemeClr val="accent1">
+              <a:hueOff val="0"/>
+              <a:satOff val="0"/>
+              <a:lumOff val="0"/>
+              <a:alphaOff val="0"/>
+            </a:schemeClr>
+          </a:solidFill>
+          <a:prstDash val="solid"/>
+        </a:ln>
+        <a:effectLst/>
+      </dsp:spPr>
+      <dsp:style>
+        <a:lnRef idx="2">
+          <a:scrgbClr r="0" g="0" b="0"/>
+        </a:lnRef>
+        <a:fillRef idx="1">
+          <a:scrgbClr r="0" g="0" b="0"/>
+        </a:fillRef>
+        <a:effectRef idx="0">
+          <a:scrgbClr r="0" g="0" b="0"/>
+        </a:effectRef>
+        <a:fontRef idx="minor">
+          <a:schemeClr val="lt1"/>
+        </a:fontRef>
+      </dsp:style>
+    </dsp:sp>
+    <dsp:sp modelId="{C770F96F-B775-499F-8064-336B8475B87B}">
+      <dsp:nvSpPr>
+        <dsp:cNvPr id="0" name=""/>
+        <dsp:cNvSpPr/>
+      </dsp:nvSpPr>
+      <dsp:spPr>
+        <a:xfrm>
+          <a:off x="2830601" y="2058834"/>
+          <a:ext cx="584699" cy="97449"/>
+        </a:xfrm>
+        <a:prstGeom prst="parallelogram">
+          <a:avLst>
+            <a:gd name="adj" fmla="val 140840"/>
+          </a:avLst>
+        </a:prstGeom>
+        <a:solidFill>
+          <a:schemeClr val="accent1">
+            <a:hueOff val="0"/>
+            <a:satOff val="0"/>
+            <a:lumOff val="0"/>
+            <a:alphaOff val="0"/>
+          </a:schemeClr>
+        </a:solidFill>
+        <a:ln w="25400" cap="flat" cmpd="sng" algn="ctr">
+          <a:solidFill>
+            <a:schemeClr val="accent1">
+              <a:hueOff val="0"/>
+              <a:satOff val="0"/>
+              <a:lumOff val="0"/>
+              <a:alphaOff val="0"/>
+            </a:schemeClr>
+          </a:solidFill>
+          <a:prstDash val="solid"/>
+        </a:ln>
+        <a:effectLst/>
+      </dsp:spPr>
+      <dsp:style>
+        <a:lnRef idx="2">
+          <a:scrgbClr r="0" g="0" b="0"/>
+        </a:lnRef>
+        <a:fillRef idx="1">
+          <a:scrgbClr r="0" g="0" b="0"/>
+        </a:fillRef>
+        <a:effectRef idx="0">
+          <a:scrgbClr r="0" g="0" b="0"/>
+        </a:effectRef>
+        <a:fontRef idx="minor">
+          <a:schemeClr val="lt1"/>
+        </a:fontRef>
+      </dsp:style>
+    </dsp:sp>
+    <dsp:sp modelId="{13EB1630-E52E-435E-9D99-BD4E2DAB3767}">
+      <dsp:nvSpPr>
+        <dsp:cNvPr id="0" name=""/>
+        <dsp:cNvSpPr/>
+      </dsp:nvSpPr>
+      <dsp:spPr>
+        <a:xfrm>
+          <a:off x="3449407" y="2058834"/>
+          <a:ext cx="584699" cy="97449"/>
+        </a:xfrm>
+        <a:prstGeom prst="parallelogram">
+          <a:avLst>
+            <a:gd name="adj" fmla="val 140840"/>
+          </a:avLst>
+        </a:prstGeom>
+        <a:solidFill>
+          <a:schemeClr val="accent1">
+            <a:hueOff val="0"/>
+            <a:satOff val="0"/>
+            <a:lumOff val="0"/>
+            <a:alphaOff val="0"/>
+          </a:schemeClr>
+        </a:solidFill>
+        <a:ln w="25400" cap="flat" cmpd="sng" algn="ctr">
+          <a:solidFill>
+            <a:schemeClr val="accent1">
+              <a:hueOff val="0"/>
+              <a:satOff val="0"/>
+              <a:lumOff val="0"/>
+              <a:alphaOff val="0"/>
+            </a:schemeClr>
+          </a:solidFill>
+          <a:prstDash val="solid"/>
+        </a:ln>
+        <a:effectLst/>
+      </dsp:spPr>
+      <dsp:style>
+        <a:lnRef idx="2">
+          <a:scrgbClr r="0" g="0" b="0"/>
+        </a:lnRef>
+        <a:fillRef idx="1">
+          <a:scrgbClr r="0" g="0" b="0"/>
+        </a:fillRef>
+        <a:effectRef idx="0">
+          <a:scrgbClr r="0" g="0" b="0"/>
+        </a:effectRef>
+        <a:fontRef idx="minor">
+          <a:schemeClr val="lt1"/>
+        </a:fontRef>
+      </dsp:style>
+    </dsp:sp>
+    <dsp:sp modelId="{51E763A6-3F4F-49FA-A42C-F790D96616A7}">
+      <dsp:nvSpPr>
+        <dsp:cNvPr id="0" name=""/>
+        <dsp:cNvSpPr/>
+      </dsp:nvSpPr>
+      <dsp:spPr>
+        <a:xfrm>
+          <a:off x="4068214" y="2058834"/>
+          <a:ext cx="584699" cy="97449"/>
+        </a:xfrm>
+        <a:prstGeom prst="parallelogram">
+          <a:avLst>
+            <a:gd name="adj" fmla="val 140840"/>
+          </a:avLst>
+        </a:prstGeom>
+        <a:solidFill>
+          <a:schemeClr val="accent1">
+            <a:hueOff val="0"/>
+            <a:satOff val="0"/>
+            <a:lumOff val="0"/>
+            <a:alphaOff val="0"/>
+          </a:schemeClr>
+        </a:solidFill>
+        <a:ln w="25400" cap="flat" cmpd="sng" algn="ctr">
+          <a:solidFill>
+            <a:schemeClr val="accent1">
+              <a:hueOff val="0"/>
+              <a:satOff val="0"/>
+              <a:lumOff val="0"/>
+              <a:alphaOff val="0"/>
+            </a:schemeClr>
+          </a:solidFill>
+          <a:prstDash val="solid"/>
+        </a:ln>
+        <a:effectLst/>
+      </dsp:spPr>
+      <dsp:style>
+        <a:lnRef idx="2">
+          <a:scrgbClr r="0" g="0" b="0"/>
+        </a:lnRef>
+        <a:fillRef idx="1">
+          <a:scrgbClr r="0" g="0" b="0"/>
+        </a:fillRef>
+        <a:effectRef idx="0">
+          <a:scrgbClr r="0" g="0" b="0"/>
+        </a:effectRef>
+        <a:fontRef idx="minor">
+          <a:schemeClr val="lt1"/>
+        </a:fontRef>
+      </dsp:style>
+    </dsp:sp>
+    <dsp:sp modelId="{D80C26D4-9EA3-49E9-B65B-772F82B1339F}">
+      <dsp:nvSpPr>
+        <dsp:cNvPr id="0" name=""/>
+        <dsp:cNvSpPr/>
+      </dsp:nvSpPr>
+      <dsp:spPr>
+        <a:xfrm>
+          <a:off x="4687021" y="2058834"/>
+          <a:ext cx="584699" cy="97449"/>
+        </a:xfrm>
+        <a:prstGeom prst="parallelogram">
+          <a:avLst>
+            <a:gd name="adj" fmla="val 140840"/>
+          </a:avLst>
+        </a:prstGeom>
+        <a:solidFill>
+          <a:schemeClr val="accent1">
+            <a:hueOff val="0"/>
+            <a:satOff val="0"/>
+            <a:lumOff val="0"/>
+            <a:alphaOff val="0"/>
+          </a:schemeClr>
+        </a:solidFill>
+        <a:ln w="25400" cap="flat" cmpd="sng" algn="ctr">
+          <a:solidFill>
+            <a:schemeClr val="accent1">
+              <a:hueOff val="0"/>
+              <a:satOff val="0"/>
+              <a:lumOff val="0"/>
+              <a:alphaOff val="0"/>
+            </a:schemeClr>
+          </a:solidFill>
+          <a:prstDash val="solid"/>
+        </a:ln>
+        <a:effectLst/>
+      </dsp:spPr>
+      <dsp:style>
+        <a:lnRef idx="2">
+          <a:scrgbClr r="0" g="0" b="0"/>
+        </a:lnRef>
+        <a:fillRef idx="1">
+          <a:scrgbClr r="0" g="0" b="0"/>
+        </a:fillRef>
+        <a:effectRef idx="0">
+          <a:scrgbClr r="0" g="0" b="0"/>
+        </a:effectRef>
+        <a:fontRef idx="minor">
+          <a:schemeClr val="lt1"/>
+        </a:fontRef>
+      </dsp:style>
+    </dsp:sp>
+    <dsp:sp modelId="{24987EA4-A839-44F9-AA2F-5E9FD96BB338}">
+      <dsp:nvSpPr>
+        <dsp:cNvPr id="0" name=""/>
+        <dsp:cNvSpPr/>
+      </dsp:nvSpPr>
+      <dsp:spPr>
+        <a:xfrm>
+          <a:off x="5305828" y="2058834"/>
+          <a:ext cx="584699" cy="97449"/>
+        </a:xfrm>
+        <a:prstGeom prst="parallelogram">
+          <a:avLst>
+            <a:gd name="adj" fmla="val 140840"/>
+          </a:avLst>
+        </a:prstGeom>
+        <a:solidFill>
+          <a:schemeClr val="accent1">
+            <a:hueOff val="0"/>
+            <a:satOff val="0"/>
+            <a:lumOff val="0"/>
+            <a:alphaOff val="0"/>
+          </a:schemeClr>
+        </a:solidFill>
+        <a:ln w="25400" cap="flat" cmpd="sng" algn="ctr">
+          <a:solidFill>
+            <a:schemeClr val="accent1">
+              <a:hueOff val="0"/>
+              <a:satOff val="0"/>
+              <a:lumOff val="0"/>
+              <a:alphaOff val="0"/>
+            </a:schemeClr>
+          </a:solidFill>
+          <a:prstDash val="solid"/>
+        </a:ln>
+        <a:effectLst/>
+      </dsp:spPr>
+      <dsp:style>
+        <a:lnRef idx="2">
+          <a:scrgbClr r="0" g="0" b="0"/>
+        </a:lnRef>
+        <a:fillRef idx="1">
+          <a:scrgbClr r="0" g="0" b="0"/>
+        </a:fillRef>
+        <a:effectRef idx="0">
+          <a:scrgbClr r="0" g="0" b="0"/>
+        </a:effectRef>
+        <a:fontRef idx="minor">
+          <a:schemeClr val="lt1"/>
+        </a:fontRef>
+      </dsp:style>
+    </dsp:sp>
+    <dsp:sp modelId="{A6FA155A-D85B-4AE6-A9F5-544DE3793856}">
+      <dsp:nvSpPr>
+        <dsp:cNvPr id="0" name=""/>
+        <dsp:cNvSpPr/>
+      </dsp:nvSpPr>
+      <dsp:spPr>
+        <a:xfrm>
+          <a:off x="1592987" y="2212515"/>
+          <a:ext cx="4385244" cy="398658"/>
+        </a:xfrm>
+        <a:prstGeom prst="rect">
+          <a:avLst/>
+        </a:prstGeom>
+        <a:noFill/>
+        <a:ln>
+          <a:noFill/>
+        </a:ln>
+        <a:effectLst/>
+      </dsp:spPr>
+      <dsp:style>
+        <a:lnRef idx="0">
+          <a:scrgbClr r="0" g="0" b="0"/>
+        </a:lnRef>
+        <a:fillRef idx="0">
+          <a:scrgbClr r="0" g="0" b="0"/>
+        </a:fillRef>
+        <a:effectRef idx="0">
+          <a:scrgbClr r="0" g="0" b="0"/>
+        </a:effectRef>
+        <a:fontRef idx="minor"/>
+      </dsp:style>
+      <dsp:txBody>
+        <a:bodyPr spcFirstLastPara="0" vert="horz" wrap="square" lIns="53340" tIns="53340" rIns="53340" bIns="53340" numCol="1" spcCol="1270" anchor="b" anchorCtr="0">
+          <a:noAutofit/>
+        </a:bodyPr>
+        <a:lstStyle/>
+        <a:p>
+          <a:pPr marL="0" lvl="0" indent="0" algn="l" defTabSz="622300">
+            <a:lnSpc>
+              <a:spcPct val="90000"/>
+            </a:lnSpc>
+            <a:spcBef>
+              <a:spcPct val="0"/>
+            </a:spcBef>
+            <a:spcAft>
+              <a:spcPct val="35000"/>
+            </a:spcAft>
+            <a:buNone/>
+          </a:pPr>
+          <a:r>
+            <a:rPr lang="es-MX" sz="1400" kern="1200" dirty="0">
+              <a:solidFill>
+                <a:schemeClr val="accent6">
+                  <a:lumMod val="50000"/>
+                </a:schemeClr>
+              </a:solidFill>
+            </a:rPr>
+            <a:t>05 Agilidad en la atención</a:t>
+          </a:r>
+          <a:endParaRPr lang="es-CO" sz="1400" kern="1200" dirty="0">
+            <a:solidFill>
+              <a:schemeClr val="accent6">
+                <a:lumMod val="50000"/>
+              </a:schemeClr>
+            </a:solidFill>
+          </a:endParaRPr>
+        </a:p>
+      </dsp:txBody>
+      <dsp:txXfrm>
+        <a:off x="1592987" y="2212515"/>
+        <a:ext cx="4385244" cy="398658"/>
+      </dsp:txXfrm>
+    </dsp:sp>
+    <dsp:sp modelId="{B825BA08-D505-46DB-A8C8-194920FBF0BC}">
+      <dsp:nvSpPr>
+        <dsp:cNvPr id="0" name=""/>
+        <dsp:cNvSpPr/>
+      </dsp:nvSpPr>
+      <dsp:spPr>
+        <a:xfrm>
+          <a:off x="1592987" y="2611174"/>
+          <a:ext cx="584699" cy="97449"/>
+        </a:xfrm>
+        <a:prstGeom prst="parallelogram">
+          <a:avLst>
+            <a:gd name="adj" fmla="val 140840"/>
+          </a:avLst>
+        </a:prstGeom>
+        <a:solidFill>
+          <a:schemeClr val="accent1">
+            <a:hueOff val="0"/>
+            <a:satOff val="0"/>
+            <a:lumOff val="0"/>
+            <a:alphaOff val="0"/>
+          </a:schemeClr>
+        </a:solidFill>
+        <a:ln w="25400" cap="flat" cmpd="sng" algn="ctr">
+          <a:solidFill>
+            <a:schemeClr val="accent1">
+              <a:hueOff val="0"/>
+              <a:satOff val="0"/>
+              <a:lumOff val="0"/>
+              <a:alphaOff val="0"/>
+            </a:schemeClr>
+          </a:solidFill>
+          <a:prstDash val="solid"/>
+        </a:ln>
+        <a:effectLst/>
+      </dsp:spPr>
+      <dsp:style>
+        <a:lnRef idx="2">
+          <a:scrgbClr r="0" g="0" b="0"/>
+        </a:lnRef>
+        <a:fillRef idx="1">
+          <a:scrgbClr r="0" g="0" b="0"/>
+        </a:fillRef>
+        <a:effectRef idx="0">
+          <a:scrgbClr r="0" g="0" b="0"/>
+        </a:effectRef>
+        <a:fontRef idx="minor">
+          <a:schemeClr val="lt1"/>
+        </a:fontRef>
+      </dsp:style>
+    </dsp:sp>
+    <dsp:sp modelId="{7B494530-B600-4B4B-82E5-4ADCF32CCBF0}">
+      <dsp:nvSpPr>
+        <dsp:cNvPr id="0" name=""/>
+        <dsp:cNvSpPr/>
+      </dsp:nvSpPr>
+      <dsp:spPr>
+        <a:xfrm>
+          <a:off x="2211794" y="2611174"/>
+          <a:ext cx="584699" cy="97449"/>
+        </a:xfrm>
+        <a:prstGeom prst="parallelogram">
+          <a:avLst>
+            <a:gd name="adj" fmla="val 140840"/>
+          </a:avLst>
+        </a:prstGeom>
+        <a:solidFill>
+          <a:schemeClr val="accent1">
+            <a:hueOff val="0"/>
+            <a:satOff val="0"/>
+            <a:lumOff val="0"/>
+            <a:alphaOff val="0"/>
+          </a:schemeClr>
+        </a:solidFill>
+        <a:ln w="25400" cap="flat" cmpd="sng" algn="ctr">
+          <a:solidFill>
+            <a:schemeClr val="accent1">
+              <a:hueOff val="0"/>
+              <a:satOff val="0"/>
+              <a:lumOff val="0"/>
+              <a:alphaOff val="0"/>
+            </a:schemeClr>
+          </a:solidFill>
+          <a:prstDash val="solid"/>
+        </a:ln>
+        <a:effectLst/>
+      </dsp:spPr>
+      <dsp:style>
+        <a:lnRef idx="2">
+          <a:scrgbClr r="0" g="0" b="0"/>
+        </a:lnRef>
+        <a:fillRef idx="1">
+          <a:scrgbClr r="0" g="0" b="0"/>
+        </a:fillRef>
+        <a:effectRef idx="0">
+          <a:scrgbClr r="0" g="0" b="0"/>
+        </a:effectRef>
+        <a:fontRef idx="minor">
+          <a:schemeClr val="lt1"/>
+        </a:fontRef>
+      </dsp:style>
+    </dsp:sp>
+    <dsp:sp modelId="{424C4DC3-9B87-4B0D-8A69-9EE1A1A28C0A}">
+      <dsp:nvSpPr>
+        <dsp:cNvPr id="0" name=""/>
+        <dsp:cNvSpPr/>
+      </dsp:nvSpPr>
+      <dsp:spPr>
+        <a:xfrm>
+          <a:off x="2830601" y="2611174"/>
+          <a:ext cx="584699" cy="97449"/>
+        </a:xfrm>
+        <a:prstGeom prst="parallelogram">
+          <a:avLst>
+            <a:gd name="adj" fmla="val 140840"/>
+          </a:avLst>
+        </a:prstGeom>
+        <a:solidFill>
+          <a:schemeClr val="accent1">
+            <a:hueOff val="0"/>
+            <a:satOff val="0"/>
+            <a:lumOff val="0"/>
+            <a:alphaOff val="0"/>
+          </a:schemeClr>
+        </a:solidFill>
+        <a:ln w="25400" cap="flat" cmpd="sng" algn="ctr">
+          <a:solidFill>
+            <a:schemeClr val="accent1">
+              <a:hueOff val="0"/>
+              <a:satOff val="0"/>
+              <a:lumOff val="0"/>
+              <a:alphaOff val="0"/>
+            </a:schemeClr>
+          </a:solidFill>
+          <a:prstDash val="solid"/>
+        </a:ln>
+        <a:effectLst/>
+      </dsp:spPr>
+      <dsp:style>
+        <a:lnRef idx="2">
+          <a:scrgbClr r="0" g="0" b="0"/>
+        </a:lnRef>
+        <a:fillRef idx="1">
+          <a:scrgbClr r="0" g="0" b="0"/>
+        </a:fillRef>
+        <a:effectRef idx="0">
+          <a:scrgbClr r="0" g="0" b="0"/>
+        </a:effectRef>
+        <a:fontRef idx="minor">
+          <a:schemeClr val="lt1"/>
+        </a:fontRef>
+      </dsp:style>
+    </dsp:sp>
+    <dsp:sp modelId="{56D5B634-EB40-4797-8CA8-285252227145}">
+      <dsp:nvSpPr>
+        <dsp:cNvPr id="0" name=""/>
+        <dsp:cNvSpPr/>
+      </dsp:nvSpPr>
+      <dsp:spPr>
+        <a:xfrm>
+          <a:off x="3449407" y="2611174"/>
+          <a:ext cx="584699" cy="97449"/>
+        </a:xfrm>
+        <a:prstGeom prst="parallelogram">
+          <a:avLst>
+            <a:gd name="adj" fmla="val 140840"/>
+          </a:avLst>
+        </a:prstGeom>
+        <a:solidFill>
+          <a:schemeClr val="accent1">
+            <a:hueOff val="0"/>
+            <a:satOff val="0"/>
+            <a:lumOff val="0"/>
+            <a:alphaOff val="0"/>
+          </a:schemeClr>
+        </a:solidFill>
+        <a:ln w="25400" cap="flat" cmpd="sng" algn="ctr">
+          <a:solidFill>
+            <a:schemeClr val="accent1">
+              <a:hueOff val="0"/>
+              <a:satOff val="0"/>
+              <a:lumOff val="0"/>
+              <a:alphaOff val="0"/>
+            </a:schemeClr>
+          </a:solidFill>
+          <a:prstDash val="solid"/>
+        </a:ln>
+        <a:effectLst/>
+      </dsp:spPr>
+      <dsp:style>
+        <a:lnRef idx="2">
+          <a:scrgbClr r="0" g="0" b="0"/>
+        </a:lnRef>
+        <a:fillRef idx="1">
+          <a:scrgbClr r="0" g="0" b="0"/>
+        </a:fillRef>
+        <a:effectRef idx="0">
+          <a:scrgbClr r="0" g="0" b="0"/>
+        </a:effectRef>
+        <a:fontRef idx="minor">
+          <a:schemeClr val="lt1"/>
+        </a:fontRef>
+      </dsp:style>
+    </dsp:sp>
+    <dsp:sp modelId="{8BF1FDAD-1292-41F0-AA84-3FC6E9A231B3}">
+      <dsp:nvSpPr>
+        <dsp:cNvPr id="0" name=""/>
+        <dsp:cNvSpPr/>
+      </dsp:nvSpPr>
+      <dsp:spPr>
+        <a:xfrm>
+          <a:off x="4068214" y="2611174"/>
+          <a:ext cx="584699" cy="97449"/>
+        </a:xfrm>
+        <a:prstGeom prst="parallelogram">
+          <a:avLst>
+            <a:gd name="adj" fmla="val 140840"/>
+          </a:avLst>
+        </a:prstGeom>
+        <a:solidFill>
+          <a:schemeClr val="accent1">
+            <a:hueOff val="0"/>
+            <a:satOff val="0"/>
+            <a:lumOff val="0"/>
+            <a:alphaOff val="0"/>
+          </a:schemeClr>
+        </a:solidFill>
+        <a:ln w="25400" cap="flat" cmpd="sng" algn="ctr">
+          <a:solidFill>
+            <a:schemeClr val="accent1">
+              <a:hueOff val="0"/>
+              <a:satOff val="0"/>
+              <a:lumOff val="0"/>
+              <a:alphaOff val="0"/>
+            </a:schemeClr>
+          </a:solidFill>
+          <a:prstDash val="solid"/>
+        </a:ln>
+        <a:effectLst/>
+      </dsp:spPr>
+      <dsp:style>
+        <a:lnRef idx="2">
+          <a:scrgbClr r="0" g="0" b="0"/>
+        </a:lnRef>
+        <a:fillRef idx="1">
+          <a:scrgbClr r="0" g="0" b="0"/>
+        </a:fillRef>
+        <a:effectRef idx="0">
+          <a:scrgbClr r="0" g="0" b="0"/>
+        </a:effectRef>
+        <a:fontRef idx="minor">
+          <a:schemeClr val="lt1"/>
+        </a:fontRef>
+      </dsp:style>
+    </dsp:sp>
+    <dsp:sp modelId="{6659F316-5036-42CD-8DD7-8F72DB4C202E}">
+      <dsp:nvSpPr>
+        <dsp:cNvPr id="0" name=""/>
+        <dsp:cNvSpPr/>
+      </dsp:nvSpPr>
+      <dsp:spPr>
+        <a:xfrm>
+          <a:off x="4687021" y="2611174"/>
+          <a:ext cx="584699" cy="97449"/>
+        </a:xfrm>
+        <a:prstGeom prst="parallelogram">
+          <a:avLst>
+            <a:gd name="adj" fmla="val 140840"/>
+          </a:avLst>
+        </a:prstGeom>
+        <a:solidFill>
+          <a:schemeClr val="accent1">
+            <a:hueOff val="0"/>
+            <a:satOff val="0"/>
+            <a:lumOff val="0"/>
+            <a:alphaOff val="0"/>
+          </a:schemeClr>
+        </a:solidFill>
+        <a:ln w="25400" cap="flat" cmpd="sng" algn="ctr">
+          <a:solidFill>
+            <a:schemeClr val="accent1">
+              <a:hueOff val="0"/>
+              <a:satOff val="0"/>
+              <a:lumOff val="0"/>
+              <a:alphaOff val="0"/>
+            </a:schemeClr>
+          </a:solidFill>
+          <a:prstDash val="solid"/>
+        </a:ln>
+        <a:effectLst/>
+      </dsp:spPr>
+      <dsp:style>
+        <a:lnRef idx="2">
+          <a:scrgbClr r="0" g="0" b="0"/>
+        </a:lnRef>
+        <a:fillRef idx="1">
+          <a:scrgbClr r="0" g="0" b="0"/>
+        </a:fillRef>
+        <a:effectRef idx="0">
+          <a:scrgbClr r="0" g="0" b="0"/>
+        </a:effectRef>
+        <a:fontRef idx="minor">
+          <a:schemeClr val="lt1"/>
+        </a:fontRef>
+      </dsp:style>
+    </dsp:sp>
+    <dsp:sp modelId="{C0BCD894-F71E-4082-AE41-BBD43E8DEAA8}">
+      <dsp:nvSpPr>
+        <dsp:cNvPr id="0" name=""/>
+        <dsp:cNvSpPr/>
+      </dsp:nvSpPr>
+      <dsp:spPr>
+        <a:xfrm>
+          <a:off x="5305828" y="2611174"/>
+          <a:ext cx="584699" cy="97449"/>
+        </a:xfrm>
+        <a:prstGeom prst="parallelogram">
+          <a:avLst>
+            <a:gd name="adj" fmla="val 140840"/>
+          </a:avLst>
+        </a:prstGeom>
+        <a:solidFill>
+          <a:schemeClr val="accent1">
+            <a:hueOff val="0"/>
+            <a:satOff val="0"/>
+            <a:lumOff val="0"/>
+            <a:alphaOff val="0"/>
+          </a:schemeClr>
+        </a:solidFill>
+        <a:ln w="25400" cap="flat" cmpd="sng" algn="ctr">
+          <a:solidFill>
+            <a:schemeClr val="accent1">
+              <a:hueOff val="0"/>
+              <a:satOff val="0"/>
+              <a:lumOff val="0"/>
+              <a:alphaOff val="0"/>
+            </a:schemeClr>
+          </a:solidFill>
+          <a:prstDash val="solid"/>
+        </a:ln>
+        <a:effectLst/>
+      </dsp:spPr>
+      <dsp:style>
+        <a:lnRef idx="2">
+          <a:scrgbClr r="0" g="0" b="0"/>
+        </a:lnRef>
+        <a:fillRef idx="1">
+          <a:scrgbClr r="0" g="0" b="0"/>
+        </a:fillRef>
+        <a:effectRef idx="0">
+          <a:scrgbClr r="0" g="0" b="0"/>
+        </a:effectRef>
+        <a:fontRef idx="minor">
+          <a:schemeClr val="lt1"/>
+        </a:fontRef>
+      </dsp:style>
+    </dsp:sp>
+    <dsp:sp modelId="{1B953BCA-B125-47CA-8305-5C2F682FE09D}">
+      <dsp:nvSpPr>
+        <dsp:cNvPr id="0" name=""/>
+        <dsp:cNvSpPr/>
+      </dsp:nvSpPr>
+      <dsp:spPr>
+        <a:xfrm>
+          <a:off x="1592987" y="2764855"/>
+          <a:ext cx="4385244" cy="398658"/>
+        </a:xfrm>
+        <a:prstGeom prst="rect">
+          <a:avLst/>
+        </a:prstGeom>
+        <a:noFill/>
+        <a:ln>
+          <a:noFill/>
+        </a:ln>
+        <a:effectLst/>
+      </dsp:spPr>
+      <dsp:style>
+        <a:lnRef idx="0">
+          <a:scrgbClr r="0" g="0" b="0"/>
+        </a:lnRef>
+        <a:fillRef idx="0">
+          <a:scrgbClr r="0" g="0" b="0"/>
+        </a:fillRef>
+        <a:effectRef idx="0">
+          <a:scrgbClr r="0" g="0" b="0"/>
+        </a:effectRef>
+        <a:fontRef idx="minor"/>
+      </dsp:style>
+      <dsp:txBody>
+        <a:bodyPr spcFirstLastPara="0" vert="horz" wrap="square" lIns="53340" tIns="53340" rIns="53340" bIns="53340" numCol="1" spcCol="1270" anchor="b" anchorCtr="0">
+          <a:noAutofit/>
+        </a:bodyPr>
+        <a:lstStyle/>
+        <a:p>
+          <a:pPr marL="0" lvl="0" indent="0" algn="l" defTabSz="622300">
+            <a:lnSpc>
+              <a:spcPct val="90000"/>
+            </a:lnSpc>
+            <a:spcBef>
+              <a:spcPct val="0"/>
+            </a:spcBef>
+            <a:spcAft>
+              <a:spcPct val="35000"/>
+            </a:spcAft>
+            <a:buNone/>
+          </a:pPr>
+          <a:r>
+            <a:rPr lang="es-MX" sz="1400" kern="1200" dirty="0">
+              <a:solidFill>
+                <a:schemeClr val="accent6">
+                  <a:lumMod val="50000"/>
+                </a:schemeClr>
+              </a:solidFill>
+            </a:rPr>
+            <a:t>06 Personal idóneo/capacitado</a:t>
+          </a:r>
+          <a:endParaRPr lang="es-CO" sz="1400" kern="1200" dirty="0">
+            <a:solidFill>
+              <a:schemeClr val="accent6">
+                <a:lumMod val="50000"/>
+              </a:schemeClr>
+            </a:solidFill>
+          </a:endParaRPr>
+        </a:p>
+      </dsp:txBody>
+      <dsp:txXfrm>
+        <a:off x="1592987" y="2764855"/>
+        <a:ext cx="4385244" cy="398658"/>
+      </dsp:txXfrm>
+    </dsp:sp>
+    <dsp:sp modelId="{9177F39D-9A4C-4584-9510-9BDDC08D6C1F}">
+      <dsp:nvSpPr>
+        <dsp:cNvPr id="0" name=""/>
+        <dsp:cNvSpPr/>
+      </dsp:nvSpPr>
+      <dsp:spPr>
+        <a:xfrm>
+          <a:off x="1592987" y="3163513"/>
+          <a:ext cx="584699" cy="97449"/>
+        </a:xfrm>
+        <a:prstGeom prst="parallelogram">
+          <a:avLst>
+            <a:gd name="adj" fmla="val 140840"/>
+          </a:avLst>
+        </a:prstGeom>
+        <a:solidFill>
+          <a:schemeClr val="accent1">
+            <a:hueOff val="0"/>
+            <a:satOff val="0"/>
+            <a:lumOff val="0"/>
+            <a:alphaOff val="0"/>
+          </a:schemeClr>
+        </a:solidFill>
+        <a:ln w="25400" cap="flat" cmpd="sng" algn="ctr">
+          <a:solidFill>
+            <a:schemeClr val="accent1">
+              <a:hueOff val="0"/>
+              <a:satOff val="0"/>
+              <a:lumOff val="0"/>
+              <a:alphaOff val="0"/>
+            </a:schemeClr>
+          </a:solidFill>
+          <a:prstDash val="solid"/>
+        </a:ln>
+        <a:effectLst/>
+      </dsp:spPr>
+      <dsp:style>
+        <a:lnRef idx="2">
+          <a:scrgbClr r="0" g="0" b="0"/>
+        </a:lnRef>
+        <a:fillRef idx="1">
+          <a:scrgbClr r="0" g="0" b="0"/>
+        </a:fillRef>
+        <a:effectRef idx="0">
+          <a:scrgbClr r="0" g="0" b="0"/>
+        </a:effectRef>
+        <a:fontRef idx="minor">
+          <a:schemeClr val="lt1"/>
+        </a:fontRef>
+      </dsp:style>
+    </dsp:sp>
+    <dsp:sp modelId="{DFDA7D92-9C14-4563-970D-4418D6B726B7}">
+      <dsp:nvSpPr>
+        <dsp:cNvPr id="0" name=""/>
+        <dsp:cNvSpPr/>
+      </dsp:nvSpPr>
+      <dsp:spPr>
+        <a:xfrm>
+          <a:off x="2211794" y="3163513"/>
+          <a:ext cx="584699" cy="97449"/>
+        </a:xfrm>
+        <a:prstGeom prst="parallelogram">
+          <a:avLst>
+            <a:gd name="adj" fmla="val 140840"/>
+          </a:avLst>
+        </a:prstGeom>
+        <a:solidFill>
+          <a:schemeClr val="accent1">
+            <a:hueOff val="0"/>
+            <a:satOff val="0"/>
+            <a:lumOff val="0"/>
+            <a:alphaOff val="0"/>
+          </a:schemeClr>
+        </a:solidFill>
+        <a:ln w="25400" cap="flat" cmpd="sng" algn="ctr">
+          <a:solidFill>
+            <a:schemeClr val="accent1">
+              <a:hueOff val="0"/>
+              <a:satOff val="0"/>
+              <a:lumOff val="0"/>
+              <a:alphaOff val="0"/>
+            </a:schemeClr>
+          </a:solidFill>
+          <a:prstDash val="solid"/>
+        </a:ln>
+        <a:effectLst/>
+      </dsp:spPr>
+      <dsp:style>
+        <a:lnRef idx="2">
+          <a:scrgbClr r="0" g="0" b="0"/>
+        </a:lnRef>
+        <a:fillRef idx="1">
+          <a:scrgbClr r="0" g="0" b="0"/>
+        </a:fillRef>
+        <a:effectRef idx="0">
+          <a:scrgbClr r="0" g="0" b="0"/>
+        </a:effectRef>
+        <a:fontRef idx="minor">
+          <a:schemeClr val="lt1"/>
+        </a:fontRef>
+      </dsp:style>
+    </dsp:sp>
+    <dsp:sp modelId="{B9D917A0-686E-424B-94B0-E6B180CD2AAA}">
+      <dsp:nvSpPr>
+        <dsp:cNvPr id="0" name=""/>
+        <dsp:cNvSpPr/>
+      </dsp:nvSpPr>
+      <dsp:spPr>
+        <a:xfrm>
+          <a:off x="2830601" y="3163513"/>
+          <a:ext cx="584699" cy="97449"/>
+        </a:xfrm>
+        <a:prstGeom prst="parallelogram">
+          <a:avLst>
+            <a:gd name="adj" fmla="val 140840"/>
+          </a:avLst>
+        </a:prstGeom>
+        <a:solidFill>
+          <a:schemeClr val="accent1">
+            <a:hueOff val="0"/>
+            <a:satOff val="0"/>
+            <a:lumOff val="0"/>
+            <a:alphaOff val="0"/>
+          </a:schemeClr>
+        </a:solidFill>
+        <a:ln w="25400" cap="flat" cmpd="sng" algn="ctr">
+          <a:solidFill>
+            <a:schemeClr val="accent1">
+              <a:hueOff val="0"/>
+              <a:satOff val="0"/>
+              <a:lumOff val="0"/>
+              <a:alphaOff val="0"/>
+            </a:schemeClr>
+          </a:solidFill>
+          <a:prstDash val="solid"/>
+        </a:ln>
+        <a:effectLst/>
+      </dsp:spPr>
+      <dsp:style>
+        <a:lnRef idx="2">
+          <a:scrgbClr r="0" g="0" b="0"/>
+        </a:lnRef>
+        <a:fillRef idx="1">
+          <a:scrgbClr r="0" g="0" b="0"/>
+        </a:fillRef>
+        <a:effectRef idx="0">
+          <a:scrgbClr r="0" g="0" b="0"/>
+        </a:effectRef>
+        <a:fontRef idx="minor">
+          <a:schemeClr val="lt1"/>
+        </a:fontRef>
+      </dsp:style>
+    </dsp:sp>
+    <dsp:sp modelId="{AE000EAE-9CAE-49CC-8A31-720F1014CD6C}">
+      <dsp:nvSpPr>
+        <dsp:cNvPr id="0" name=""/>
+        <dsp:cNvSpPr/>
+      </dsp:nvSpPr>
+      <dsp:spPr>
+        <a:xfrm>
+          <a:off x="3449407" y="3163513"/>
+          <a:ext cx="584699" cy="97449"/>
+        </a:xfrm>
+        <a:prstGeom prst="parallelogram">
+          <a:avLst>
+            <a:gd name="adj" fmla="val 140840"/>
+          </a:avLst>
+        </a:prstGeom>
+        <a:solidFill>
+          <a:schemeClr val="accent1">
+            <a:hueOff val="0"/>
+            <a:satOff val="0"/>
+            <a:lumOff val="0"/>
+            <a:alphaOff val="0"/>
+          </a:schemeClr>
+        </a:solidFill>
+        <a:ln w="25400" cap="flat" cmpd="sng" algn="ctr">
+          <a:solidFill>
+            <a:schemeClr val="accent1">
+              <a:hueOff val="0"/>
+              <a:satOff val="0"/>
+              <a:lumOff val="0"/>
+              <a:alphaOff val="0"/>
+            </a:schemeClr>
+          </a:solidFill>
+          <a:prstDash val="solid"/>
+        </a:ln>
+        <a:effectLst/>
+      </dsp:spPr>
+      <dsp:style>
+        <a:lnRef idx="2">
+          <a:scrgbClr r="0" g="0" b="0"/>
+        </a:lnRef>
+        <a:fillRef idx="1">
+          <a:scrgbClr r="0" g="0" b="0"/>
+        </a:fillRef>
+        <a:effectRef idx="0">
+          <a:scrgbClr r="0" g="0" b="0"/>
+        </a:effectRef>
+        <a:fontRef idx="minor">
+          <a:schemeClr val="lt1"/>
+        </a:fontRef>
+      </dsp:style>
+    </dsp:sp>
+    <dsp:sp modelId="{177B5A65-E75C-4BF0-9C8E-BA086E91DDE6}">
+      <dsp:nvSpPr>
+        <dsp:cNvPr id="0" name=""/>
+        <dsp:cNvSpPr/>
+      </dsp:nvSpPr>
+      <dsp:spPr>
+        <a:xfrm>
+          <a:off x="4068214" y="3163513"/>
+          <a:ext cx="584699" cy="97449"/>
+        </a:xfrm>
+        <a:prstGeom prst="parallelogram">
+          <a:avLst>
+            <a:gd name="adj" fmla="val 140840"/>
+          </a:avLst>
+        </a:prstGeom>
+        <a:solidFill>
+          <a:schemeClr val="accent1">
+            <a:hueOff val="0"/>
+            <a:satOff val="0"/>
+            <a:lumOff val="0"/>
+            <a:alphaOff val="0"/>
+          </a:schemeClr>
+        </a:solidFill>
+        <a:ln w="25400" cap="flat" cmpd="sng" algn="ctr">
+          <a:solidFill>
+            <a:schemeClr val="accent1">
+              <a:hueOff val="0"/>
+              <a:satOff val="0"/>
+              <a:lumOff val="0"/>
+              <a:alphaOff val="0"/>
+            </a:schemeClr>
+          </a:solidFill>
+          <a:prstDash val="solid"/>
+        </a:ln>
+        <a:effectLst/>
+      </dsp:spPr>
+      <dsp:style>
+        <a:lnRef idx="2">
+          <a:scrgbClr r="0" g="0" b="0"/>
+        </a:lnRef>
+        <a:fillRef idx="1">
+          <a:scrgbClr r="0" g="0" b="0"/>
+        </a:fillRef>
+        <a:effectRef idx="0">
+          <a:scrgbClr r="0" g="0" b="0"/>
+        </a:effectRef>
+        <a:fontRef idx="minor">
+          <a:schemeClr val="lt1"/>
+        </a:fontRef>
+      </dsp:style>
+    </dsp:sp>
+    <dsp:sp modelId="{3147A949-359E-4490-B280-29E98EC6D287}">
+      <dsp:nvSpPr>
+        <dsp:cNvPr id="0" name=""/>
+        <dsp:cNvSpPr/>
+      </dsp:nvSpPr>
+      <dsp:spPr>
+        <a:xfrm>
+          <a:off x="4687021" y="3163513"/>
+          <a:ext cx="584699" cy="97449"/>
+        </a:xfrm>
+        <a:prstGeom prst="parallelogram">
+          <a:avLst>
+            <a:gd name="adj" fmla="val 140840"/>
+          </a:avLst>
+        </a:prstGeom>
+        <a:solidFill>
+          <a:schemeClr val="accent1">
+            <a:hueOff val="0"/>
+            <a:satOff val="0"/>
+            <a:lumOff val="0"/>
+            <a:alphaOff val="0"/>
+          </a:schemeClr>
+        </a:solidFill>
+        <a:ln w="25400" cap="flat" cmpd="sng" algn="ctr">
+          <a:solidFill>
+            <a:schemeClr val="accent1">
+              <a:hueOff val="0"/>
+              <a:satOff val="0"/>
+              <a:lumOff val="0"/>
+              <a:alphaOff val="0"/>
+            </a:schemeClr>
+          </a:solidFill>
+          <a:prstDash val="solid"/>
+        </a:ln>
+        <a:effectLst/>
+      </dsp:spPr>
+      <dsp:style>
+        <a:lnRef idx="2">
+          <a:scrgbClr r="0" g="0" b="0"/>
+        </a:lnRef>
+        <a:fillRef idx="1">
+          <a:scrgbClr r="0" g="0" b="0"/>
+        </a:fillRef>
+        <a:effectRef idx="0">
+          <a:scrgbClr r="0" g="0" b="0"/>
+        </a:effectRef>
+        <a:fontRef idx="minor">
+          <a:schemeClr val="lt1"/>
+        </a:fontRef>
+      </dsp:style>
+    </dsp:sp>
+    <dsp:sp modelId="{10581407-5EA5-489D-9D43-F119FCC5A986}">
+      <dsp:nvSpPr>
+        <dsp:cNvPr id="0" name=""/>
+        <dsp:cNvSpPr/>
+      </dsp:nvSpPr>
+      <dsp:spPr>
+        <a:xfrm>
+          <a:off x="5305828" y="3163513"/>
+          <a:ext cx="584699" cy="97449"/>
+        </a:xfrm>
+        <a:prstGeom prst="parallelogram">
+          <a:avLst>
+            <a:gd name="adj" fmla="val 140840"/>
+          </a:avLst>
+        </a:prstGeom>
+        <a:solidFill>
+          <a:schemeClr val="accent1">
+            <a:hueOff val="0"/>
+            <a:satOff val="0"/>
+            <a:lumOff val="0"/>
+            <a:alphaOff val="0"/>
+          </a:schemeClr>
+        </a:solidFill>
+        <a:ln w="25400" cap="flat" cmpd="sng" algn="ctr">
+          <a:solidFill>
+            <a:schemeClr val="accent1">
+              <a:hueOff val="0"/>
+              <a:satOff val="0"/>
+              <a:lumOff val="0"/>
+              <a:alphaOff val="0"/>
+            </a:schemeClr>
+          </a:solidFill>
+          <a:prstDash val="solid"/>
+        </a:ln>
+        <a:effectLst/>
+      </dsp:spPr>
+      <dsp:style>
+        <a:lnRef idx="2">
+          <a:scrgbClr r="0" g="0" b="0"/>
+        </a:lnRef>
+        <a:fillRef idx="1">
+          <a:scrgbClr r="0" g="0" b="0"/>
+        </a:fillRef>
+        <a:effectRef idx="0">
+          <a:scrgbClr r="0" g="0" b="0"/>
+        </a:effectRef>
+        <a:fontRef idx="minor">
+          <a:schemeClr val="lt1"/>
+        </a:fontRef>
+      </dsp:style>
+    </dsp:sp>
+    <dsp:sp modelId="{6E312197-1046-432D-BBB3-9ED2A2977298}">
+      <dsp:nvSpPr>
+        <dsp:cNvPr id="0" name=""/>
+        <dsp:cNvSpPr/>
+      </dsp:nvSpPr>
+      <dsp:spPr>
+        <a:xfrm>
+          <a:off x="1592987" y="3317195"/>
+          <a:ext cx="4385244" cy="398658"/>
+        </a:xfrm>
+        <a:prstGeom prst="rect">
+          <a:avLst/>
+        </a:prstGeom>
+        <a:noFill/>
+        <a:ln>
+          <a:noFill/>
+        </a:ln>
+        <a:effectLst/>
+      </dsp:spPr>
+      <dsp:style>
+        <a:lnRef idx="0">
+          <a:scrgbClr r="0" g="0" b="0"/>
+        </a:lnRef>
+        <a:fillRef idx="0">
+          <a:scrgbClr r="0" g="0" b="0"/>
+        </a:fillRef>
+        <a:effectRef idx="0">
+          <a:scrgbClr r="0" g="0" b="0"/>
+        </a:effectRef>
+        <a:fontRef idx="minor"/>
+      </dsp:style>
+      <dsp:txBody>
+        <a:bodyPr spcFirstLastPara="0" vert="horz" wrap="square" lIns="53340" tIns="53340" rIns="53340" bIns="53340" numCol="1" spcCol="1270" anchor="b" anchorCtr="0">
+          <a:noAutofit/>
+        </a:bodyPr>
+        <a:lstStyle/>
+        <a:p>
+          <a:pPr marL="0" lvl="0" indent="0" algn="l" defTabSz="622300">
+            <a:lnSpc>
+              <a:spcPct val="90000"/>
+            </a:lnSpc>
+            <a:spcBef>
+              <a:spcPct val="0"/>
+            </a:spcBef>
+            <a:spcAft>
+              <a:spcPct val="35000"/>
+            </a:spcAft>
+            <a:buNone/>
+          </a:pPr>
+          <a:r>
+            <a:rPr lang="es-MX" sz="1400" kern="1200" dirty="0">
+              <a:solidFill>
+                <a:schemeClr val="accent6">
+                  <a:lumMod val="50000"/>
+                </a:schemeClr>
+              </a:solidFill>
+            </a:rPr>
+            <a:t>07 Agilidad en las autorizaciones</a:t>
+          </a:r>
+          <a:endParaRPr lang="es-CO" sz="1400" kern="1200" dirty="0">
+            <a:solidFill>
+              <a:schemeClr val="accent6">
+                <a:lumMod val="50000"/>
+              </a:schemeClr>
+            </a:solidFill>
+          </a:endParaRPr>
+        </a:p>
+      </dsp:txBody>
+      <dsp:txXfrm>
+        <a:off x="1592987" y="3317195"/>
+        <a:ext cx="4385244" cy="398658"/>
+      </dsp:txXfrm>
+    </dsp:sp>
+    <dsp:sp modelId="{7F7768A8-2DF6-47BF-8B7A-E9D4336423D5}">
+      <dsp:nvSpPr>
+        <dsp:cNvPr id="0" name=""/>
+        <dsp:cNvSpPr/>
+      </dsp:nvSpPr>
+      <dsp:spPr>
+        <a:xfrm>
+          <a:off x="1592987" y="3715853"/>
+          <a:ext cx="584699" cy="97449"/>
+        </a:xfrm>
+        <a:prstGeom prst="parallelogram">
+          <a:avLst>
+            <a:gd name="adj" fmla="val 140840"/>
+          </a:avLst>
+        </a:prstGeom>
+        <a:solidFill>
+          <a:schemeClr val="accent1">
+            <a:hueOff val="0"/>
+            <a:satOff val="0"/>
+            <a:lumOff val="0"/>
+            <a:alphaOff val="0"/>
+          </a:schemeClr>
+        </a:solidFill>
+        <a:ln w="25400" cap="flat" cmpd="sng" algn="ctr">
+          <a:solidFill>
+            <a:schemeClr val="accent1">
+              <a:hueOff val="0"/>
+              <a:satOff val="0"/>
+              <a:lumOff val="0"/>
+              <a:alphaOff val="0"/>
+            </a:schemeClr>
+          </a:solidFill>
+          <a:prstDash val="solid"/>
+        </a:ln>
+        <a:effectLst/>
+      </dsp:spPr>
+      <dsp:style>
+        <a:lnRef idx="2">
+          <a:scrgbClr r="0" g="0" b="0"/>
+        </a:lnRef>
+        <a:fillRef idx="1">
+          <a:scrgbClr r="0" g="0" b="0"/>
+        </a:fillRef>
+        <a:effectRef idx="0">
+          <a:scrgbClr r="0" g="0" b="0"/>
+        </a:effectRef>
+        <a:fontRef idx="minor">
+          <a:schemeClr val="lt1"/>
+        </a:fontRef>
+      </dsp:style>
+    </dsp:sp>
+    <dsp:sp modelId="{E47125C8-94E1-45E6-8F61-C48BDB36677E}">
+      <dsp:nvSpPr>
+        <dsp:cNvPr id="0" name=""/>
+        <dsp:cNvSpPr/>
+      </dsp:nvSpPr>
+      <dsp:spPr>
+        <a:xfrm>
+          <a:off x="2211794" y="3715853"/>
+          <a:ext cx="584699" cy="97449"/>
+        </a:xfrm>
+        <a:prstGeom prst="parallelogram">
+          <a:avLst>
+            <a:gd name="adj" fmla="val 140840"/>
+          </a:avLst>
+        </a:prstGeom>
+        <a:solidFill>
+          <a:schemeClr val="accent1">
+            <a:hueOff val="0"/>
+            <a:satOff val="0"/>
+            <a:lumOff val="0"/>
+            <a:alphaOff val="0"/>
+          </a:schemeClr>
+        </a:solidFill>
+        <a:ln w="25400" cap="flat" cmpd="sng" algn="ctr">
+          <a:solidFill>
+            <a:schemeClr val="accent1">
+              <a:hueOff val="0"/>
+              <a:satOff val="0"/>
+              <a:lumOff val="0"/>
+              <a:alphaOff val="0"/>
+            </a:schemeClr>
+          </a:solidFill>
+          <a:prstDash val="solid"/>
+        </a:ln>
+        <a:effectLst/>
+      </dsp:spPr>
+      <dsp:style>
+        <a:lnRef idx="2">
+          <a:scrgbClr r="0" g="0" b="0"/>
+        </a:lnRef>
+        <a:fillRef idx="1">
+          <a:scrgbClr r="0" g="0" b="0"/>
+        </a:fillRef>
+        <a:effectRef idx="0">
+          <a:scrgbClr r="0" g="0" b="0"/>
+        </a:effectRef>
+        <a:fontRef idx="minor">
+          <a:schemeClr val="lt1"/>
+        </a:fontRef>
+      </dsp:style>
+    </dsp:sp>
+    <dsp:sp modelId="{6E0EE5DD-B30E-45AB-90E2-99601603E1C4}">
+      <dsp:nvSpPr>
+        <dsp:cNvPr id="0" name=""/>
+        <dsp:cNvSpPr/>
+      </dsp:nvSpPr>
+      <dsp:spPr>
+        <a:xfrm>
+          <a:off x="2830601" y="3715853"/>
+          <a:ext cx="584699" cy="97449"/>
+        </a:xfrm>
+        <a:prstGeom prst="parallelogram">
+          <a:avLst>
+            <a:gd name="adj" fmla="val 140840"/>
+          </a:avLst>
+        </a:prstGeom>
+        <a:solidFill>
+          <a:schemeClr val="accent1">
+            <a:hueOff val="0"/>
+            <a:satOff val="0"/>
+            <a:lumOff val="0"/>
+            <a:alphaOff val="0"/>
+          </a:schemeClr>
+        </a:solidFill>
+        <a:ln w="25400" cap="flat" cmpd="sng" algn="ctr">
+          <a:solidFill>
+            <a:schemeClr val="accent1">
+              <a:hueOff val="0"/>
+              <a:satOff val="0"/>
+              <a:lumOff val="0"/>
+              <a:alphaOff val="0"/>
+            </a:schemeClr>
+          </a:solidFill>
+          <a:prstDash val="solid"/>
+        </a:ln>
+        <a:effectLst/>
+      </dsp:spPr>
+      <dsp:style>
+        <a:lnRef idx="2">
+          <a:scrgbClr r="0" g="0" b="0"/>
+        </a:lnRef>
+        <a:fillRef idx="1">
+          <a:scrgbClr r="0" g="0" b="0"/>
+        </a:fillRef>
+        <a:effectRef idx="0">
+          <a:scrgbClr r="0" g="0" b="0"/>
+        </a:effectRef>
+        <a:fontRef idx="minor">
+          <a:schemeClr val="lt1"/>
+        </a:fontRef>
+      </dsp:style>
+    </dsp:sp>
+    <dsp:sp modelId="{21DD6E7A-7588-4959-BA12-4C11BDCB520E}">
+      <dsp:nvSpPr>
+        <dsp:cNvPr id="0" name=""/>
+        <dsp:cNvSpPr/>
+      </dsp:nvSpPr>
+      <dsp:spPr>
+        <a:xfrm>
+          <a:off x="3449407" y="3715853"/>
+          <a:ext cx="584699" cy="97449"/>
+        </a:xfrm>
+        <a:prstGeom prst="parallelogram">
+          <a:avLst>
+            <a:gd name="adj" fmla="val 140840"/>
+          </a:avLst>
+        </a:prstGeom>
+        <a:solidFill>
+          <a:schemeClr val="accent1">
+            <a:hueOff val="0"/>
+            <a:satOff val="0"/>
+            <a:lumOff val="0"/>
+            <a:alphaOff val="0"/>
+          </a:schemeClr>
+        </a:solidFill>
+        <a:ln w="25400" cap="flat" cmpd="sng" algn="ctr">
+          <a:solidFill>
+            <a:schemeClr val="accent1">
+              <a:hueOff val="0"/>
+              <a:satOff val="0"/>
+              <a:lumOff val="0"/>
+              <a:alphaOff val="0"/>
+            </a:schemeClr>
+          </a:solidFill>
+          <a:prstDash val="solid"/>
+        </a:ln>
+        <a:effectLst/>
+      </dsp:spPr>
+      <dsp:style>
+        <a:lnRef idx="2">
+          <a:scrgbClr r="0" g="0" b="0"/>
+        </a:lnRef>
+        <a:fillRef idx="1">
+          <a:scrgbClr r="0" g="0" b="0"/>
+        </a:fillRef>
+        <a:effectRef idx="0">
+          <a:scrgbClr r="0" g="0" b="0"/>
+        </a:effectRef>
+        <a:fontRef idx="minor">
+          <a:schemeClr val="lt1"/>
+        </a:fontRef>
+      </dsp:style>
+    </dsp:sp>
+    <dsp:sp modelId="{24AEBCBF-15D3-4E25-9FA1-14602B89FDA4}">
+      <dsp:nvSpPr>
+        <dsp:cNvPr id="0" name=""/>
+        <dsp:cNvSpPr/>
+      </dsp:nvSpPr>
+      <dsp:spPr>
+        <a:xfrm>
+          <a:off x="4068214" y="3715853"/>
+          <a:ext cx="584699" cy="97449"/>
+        </a:xfrm>
+        <a:prstGeom prst="parallelogram">
+          <a:avLst>
+            <a:gd name="adj" fmla="val 140840"/>
+          </a:avLst>
+        </a:prstGeom>
+        <a:solidFill>
+          <a:schemeClr val="accent1">
+            <a:hueOff val="0"/>
+            <a:satOff val="0"/>
+            <a:lumOff val="0"/>
+            <a:alphaOff val="0"/>
+          </a:schemeClr>
+        </a:solidFill>
+        <a:ln w="25400" cap="flat" cmpd="sng" algn="ctr">
+          <a:solidFill>
+            <a:schemeClr val="accent1">
+              <a:hueOff val="0"/>
+              <a:satOff val="0"/>
+              <a:lumOff val="0"/>
+              <a:alphaOff val="0"/>
+            </a:schemeClr>
+          </a:solidFill>
+          <a:prstDash val="solid"/>
+        </a:ln>
+        <a:effectLst/>
+      </dsp:spPr>
+      <dsp:style>
+        <a:lnRef idx="2">
+          <a:scrgbClr r="0" g="0" b="0"/>
+        </a:lnRef>
+        <a:fillRef idx="1">
+          <a:scrgbClr r="0" g="0" b="0"/>
+        </a:fillRef>
+        <a:effectRef idx="0">
+          <a:scrgbClr r="0" g="0" b="0"/>
+        </a:effectRef>
+        <a:fontRef idx="minor">
+          <a:schemeClr val="lt1"/>
+        </a:fontRef>
+      </dsp:style>
+    </dsp:sp>
+    <dsp:sp modelId="{3FE6206D-048C-4420-A9EE-FAD2C0DB5C3F}">
+      <dsp:nvSpPr>
+        <dsp:cNvPr id="0" name=""/>
+        <dsp:cNvSpPr/>
+      </dsp:nvSpPr>
+      <dsp:spPr>
+        <a:xfrm>
+          <a:off x="4687021" y="3715853"/>
+          <a:ext cx="584699" cy="97449"/>
+        </a:xfrm>
+        <a:prstGeom prst="parallelogram">
+          <a:avLst>
+            <a:gd name="adj" fmla="val 140840"/>
+          </a:avLst>
+        </a:prstGeom>
+        <a:solidFill>
+          <a:schemeClr val="accent1">
+            <a:hueOff val="0"/>
+            <a:satOff val="0"/>
+            <a:lumOff val="0"/>
+            <a:alphaOff val="0"/>
+          </a:schemeClr>
+        </a:solidFill>
+        <a:ln w="25400" cap="flat" cmpd="sng" algn="ctr">
+          <a:solidFill>
+            <a:schemeClr val="accent1">
+              <a:hueOff val="0"/>
+              <a:satOff val="0"/>
+              <a:lumOff val="0"/>
+              <a:alphaOff val="0"/>
+            </a:schemeClr>
+          </a:solidFill>
+          <a:prstDash val="solid"/>
+        </a:ln>
+        <a:effectLst/>
+      </dsp:spPr>
+      <dsp:style>
+        <a:lnRef idx="2">
+          <a:scrgbClr r="0" g="0" b="0"/>
+        </a:lnRef>
+        <a:fillRef idx="1">
+          <a:scrgbClr r="0" g="0" b="0"/>
+        </a:fillRef>
+        <a:effectRef idx="0">
+          <a:scrgbClr r="0" g="0" b="0"/>
+        </a:effectRef>
+        <a:fontRef idx="minor">
+          <a:schemeClr val="lt1"/>
+        </a:fontRef>
+      </dsp:style>
+    </dsp:sp>
+    <dsp:sp modelId="{F3E94860-0E50-43B3-98CE-33120C50C503}">
+      <dsp:nvSpPr>
+        <dsp:cNvPr id="0" name=""/>
+        <dsp:cNvSpPr/>
+      </dsp:nvSpPr>
+      <dsp:spPr>
+        <a:xfrm>
+          <a:off x="5305828" y="3715853"/>
+          <a:ext cx="584699" cy="97449"/>
+        </a:xfrm>
+        <a:prstGeom prst="parallelogram">
+          <a:avLst>
+            <a:gd name="adj" fmla="val 140840"/>
+          </a:avLst>
+        </a:prstGeom>
+        <a:solidFill>
+          <a:schemeClr val="accent1">
+            <a:hueOff val="0"/>
+            <a:satOff val="0"/>
+            <a:lumOff val="0"/>
+            <a:alphaOff val="0"/>
+          </a:schemeClr>
+        </a:solidFill>
+        <a:ln w="25400" cap="flat" cmpd="sng" algn="ctr">
+          <a:solidFill>
+            <a:schemeClr val="accent1">
+              <a:hueOff val="0"/>
+              <a:satOff val="0"/>
+              <a:lumOff val="0"/>
+              <a:alphaOff val="0"/>
+            </a:schemeClr>
+          </a:solidFill>
+          <a:prstDash val="solid"/>
+        </a:ln>
+        <a:effectLst/>
+      </dsp:spPr>
+      <dsp:style>
+        <a:lnRef idx="2">
+          <a:scrgbClr r="0" g="0" b="0"/>
+        </a:lnRef>
+        <a:fillRef idx="1">
+          <a:scrgbClr r="0" g="0" b="0"/>
+        </a:fillRef>
+        <a:effectRef idx="0">
+          <a:scrgbClr r="0" g="0" b="0"/>
+        </a:effectRef>
+        <a:fontRef idx="minor">
+          <a:schemeClr val="lt1"/>
+        </a:fontRef>
+      </dsp:style>
+    </dsp:sp>
+    <dsp:sp modelId="{3257A86D-ED59-48D8-92BE-75184A2AB582}">
+      <dsp:nvSpPr>
+        <dsp:cNvPr id="0" name=""/>
+        <dsp:cNvSpPr/>
+      </dsp:nvSpPr>
+      <dsp:spPr>
+        <a:xfrm>
+          <a:off x="1592987" y="3869534"/>
+          <a:ext cx="4385244" cy="398658"/>
+        </a:xfrm>
+        <a:prstGeom prst="rect">
+          <a:avLst/>
+        </a:prstGeom>
+        <a:noFill/>
+        <a:ln>
+          <a:noFill/>
+        </a:ln>
+        <a:effectLst/>
+      </dsp:spPr>
+      <dsp:style>
+        <a:lnRef idx="0">
+          <a:scrgbClr r="0" g="0" b="0"/>
+        </a:lnRef>
+        <a:fillRef idx="0">
+          <a:scrgbClr r="0" g="0" b="0"/>
+        </a:fillRef>
+        <a:effectRef idx="0">
+          <a:scrgbClr r="0" g="0" b="0"/>
+        </a:effectRef>
+        <a:fontRef idx="minor"/>
+      </dsp:style>
+      <dsp:txBody>
+        <a:bodyPr spcFirstLastPara="0" vert="horz" wrap="square" lIns="53340" tIns="53340" rIns="53340" bIns="53340" numCol="1" spcCol="1270" anchor="b" anchorCtr="0">
+          <a:noAutofit/>
+        </a:bodyPr>
+        <a:lstStyle/>
+        <a:p>
+          <a:pPr marL="0" lvl="0" indent="0" algn="l" defTabSz="622300">
+            <a:lnSpc>
+              <a:spcPct val="90000"/>
+            </a:lnSpc>
+            <a:spcBef>
+              <a:spcPct val="0"/>
+            </a:spcBef>
+            <a:spcAft>
+              <a:spcPct val="35000"/>
+            </a:spcAft>
+            <a:buNone/>
+          </a:pPr>
+          <a:r>
+            <a:rPr lang="es-MX" sz="1400" kern="1200" dirty="0">
+              <a:solidFill>
+                <a:schemeClr val="accent6">
+                  <a:lumMod val="50000"/>
+                </a:schemeClr>
+              </a:solidFill>
+            </a:rPr>
+            <a:t>08 Atención personalizada/seguimiento/visitas domiciliarias</a:t>
+          </a:r>
+          <a:endParaRPr lang="es-CO" sz="1400" kern="1200" dirty="0">
+            <a:solidFill>
+              <a:schemeClr val="accent6">
+                <a:lumMod val="50000"/>
+              </a:schemeClr>
+            </a:solidFill>
+          </a:endParaRPr>
+        </a:p>
+      </dsp:txBody>
+      <dsp:txXfrm>
+        <a:off x="1592987" y="3869534"/>
+        <a:ext cx="4385244" cy="398658"/>
+      </dsp:txXfrm>
+    </dsp:sp>
+    <dsp:sp modelId="{CF1AA6DA-6FEC-411A-AC68-81A04406F796}">
+      <dsp:nvSpPr>
+        <dsp:cNvPr id="0" name=""/>
+        <dsp:cNvSpPr/>
+      </dsp:nvSpPr>
+      <dsp:spPr>
+        <a:xfrm>
+          <a:off x="1592987" y="4268193"/>
+          <a:ext cx="584699" cy="97449"/>
+        </a:xfrm>
+        <a:prstGeom prst="parallelogram">
+          <a:avLst>
+            <a:gd name="adj" fmla="val 140840"/>
+          </a:avLst>
+        </a:prstGeom>
+        <a:solidFill>
+          <a:schemeClr val="accent1">
+            <a:hueOff val="0"/>
+            <a:satOff val="0"/>
+            <a:lumOff val="0"/>
+            <a:alphaOff val="0"/>
+          </a:schemeClr>
+        </a:solidFill>
+        <a:ln w="25400" cap="flat" cmpd="sng" algn="ctr">
+          <a:solidFill>
+            <a:schemeClr val="accent1">
+              <a:hueOff val="0"/>
+              <a:satOff val="0"/>
+              <a:lumOff val="0"/>
+              <a:alphaOff val="0"/>
+            </a:schemeClr>
+          </a:solidFill>
+          <a:prstDash val="solid"/>
+        </a:ln>
+        <a:effectLst/>
+      </dsp:spPr>
+      <dsp:style>
+        <a:lnRef idx="2">
+          <a:scrgbClr r="0" g="0" b="0"/>
+        </a:lnRef>
+        <a:fillRef idx="1">
+          <a:scrgbClr r="0" g="0" b="0"/>
+        </a:fillRef>
+        <a:effectRef idx="0">
+          <a:scrgbClr r="0" g="0" b="0"/>
+        </a:effectRef>
+        <a:fontRef idx="minor">
+          <a:schemeClr val="lt1"/>
+        </a:fontRef>
+      </dsp:style>
+    </dsp:sp>
+    <dsp:sp modelId="{84B2D785-654E-4B83-823C-9257FCA58C7D}">
+      <dsp:nvSpPr>
+        <dsp:cNvPr id="0" name=""/>
+        <dsp:cNvSpPr/>
+      </dsp:nvSpPr>
+      <dsp:spPr>
+        <a:xfrm>
+          <a:off x="2211794" y="4268193"/>
+          <a:ext cx="584699" cy="97449"/>
+        </a:xfrm>
+        <a:prstGeom prst="parallelogram">
+          <a:avLst>
+            <a:gd name="adj" fmla="val 140840"/>
+          </a:avLst>
+        </a:prstGeom>
+        <a:solidFill>
+          <a:schemeClr val="accent1">
+            <a:hueOff val="0"/>
+            <a:satOff val="0"/>
+            <a:lumOff val="0"/>
+            <a:alphaOff val="0"/>
+          </a:schemeClr>
+        </a:solidFill>
+        <a:ln w="25400" cap="flat" cmpd="sng" algn="ctr">
+          <a:solidFill>
+            <a:schemeClr val="accent1">
+              <a:hueOff val="0"/>
+              <a:satOff val="0"/>
+              <a:lumOff val="0"/>
+              <a:alphaOff val="0"/>
+            </a:schemeClr>
+          </a:solidFill>
+          <a:prstDash val="solid"/>
+        </a:ln>
+        <a:effectLst/>
+      </dsp:spPr>
+      <dsp:style>
+        <a:lnRef idx="2">
+          <a:scrgbClr r="0" g="0" b="0"/>
+        </a:lnRef>
+        <a:fillRef idx="1">
+          <a:scrgbClr r="0" g="0" b="0"/>
+        </a:fillRef>
+        <a:effectRef idx="0">
+          <a:scrgbClr r="0" g="0" b="0"/>
+        </a:effectRef>
+        <a:fontRef idx="minor">
+          <a:schemeClr val="lt1"/>
+        </a:fontRef>
+      </dsp:style>
+    </dsp:sp>
+    <dsp:sp modelId="{7CF13022-33D9-4AF4-87F5-093297F4697E}">
+      <dsp:nvSpPr>
+        <dsp:cNvPr id="0" name=""/>
+        <dsp:cNvSpPr/>
+      </dsp:nvSpPr>
+      <dsp:spPr>
+        <a:xfrm>
+          <a:off x="2830601" y="4268193"/>
+          <a:ext cx="584699" cy="97449"/>
+        </a:xfrm>
+        <a:prstGeom prst="parallelogram">
+          <a:avLst>
+            <a:gd name="adj" fmla="val 140840"/>
+          </a:avLst>
+        </a:prstGeom>
+        <a:solidFill>
+          <a:schemeClr val="accent1">
+            <a:hueOff val="0"/>
+            <a:satOff val="0"/>
+            <a:lumOff val="0"/>
+            <a:alphaOff val="0"/>
+          </a:schemeClr>
+        </a:solidFill>
+        <a:ln w="25400" cap="flat" cmpd="sng" algn="ctr">
+          <a:solidFill>
+            <a:schemeClr val="accent1">
+              <a:hueOff val="0"/>
+              <a:satOff val="0"/>
+              <a:lumOff val="0"/>
+              <a:alphaOff val="0"/>
+            </a:schemeClr>
+          </a:solidFill>
+          <a:prstDash val="solid"/>
+        </a:ln>
+        <a:effectLst/>
+      </dsp:spPr>
+      <dsp:style>
+        <a:lnRef idx="2">
+          <a:scrgbClr r="0" g="0" b="0"/>
+        </a:lnRef>
+        <a:fillRef idx="1">
+          <a:scrgbClr r="0" g="0" b="0"/>
+        </a:fillRef>
+        <a:effectRef idx="0">
+          <a:scrgbClr r="0" g="0" b="0"/>
+        </a:effectRef>
+        <a:fontRef idx="minor">
+          <a:schemeClr val="lt1"/>
+        </a:fontRef>
+      </dsp:style>
+    </dsp:sp>
+    <dsp:sp modelId="{CFEC0B59-D7AD-42E0-8D25-25C62C09A75D}">
+      <dsp:nvSpPr>
+        <dsp:cNvPr id="0" name=""/>
+        <dsp:cNvSpPr/>
+      </dsp:nvSpPr>
+      <dsp:spPr>
+        <a:xfrm>
+          <a:off x="3449407" y="4268193"/>
+          <a:ext cx="584699" cy="97449"/>
+        </a:xfrm>
+        <a:prstGeom prst="parallelogram">
+          <a:avLst>
+            <a:gd name="adj" fmla="val 140840"/>
+          </a:avLst>
+        </a:prstGeom>
+        <a:solidFill>
+          <a:schemeClr val="accent1">
+            <a:hueOff val="0"/>
+            <a:satOff val="0"/>
+            <a:lumOff val="0"/>
+            <a:alphaOff val="0"/>
+          </a:schemeClr>
+        </a:solidFill>
+        <a:ln w="25400" cap="flat" cmpd="sng" algn="ctr">
+          <a:solidFill>
+            <a:schemeClr val="accent1">
+              <a:hueOff val="0"/>
+              <a:satOff val="0"/>
+              <a:lumOff val="0"/>
+              <a:alphaOff val="0"/>
+            </a:schemeClr>
+          </a:solidFill>
+          <a:prstDash val="solid"/>
+        </a:ln>
+        <a:effectLst/>
+      </dsp:spPr>
+      <dsp:style>
+        <a:lnRef idx="2">
+          <a:scrgbClr r="0" g="0" b="0"/>
+        </a:lnRef>
+        <a:fillRef idx="1">
+          <a:scrgbClr r="0" g="0" b="0"/>
+        </a:fillRef>
+        <a:effectRef idx="0">
+          <a:scrgbClr r="0" g="0" b="0"/>
+        </a:effectRef>
+        <a:fontRef idx="minor">
+          <a:schemeClr val="lt1"/>
+        </a:fontRef>
+      </dsp:style>
+    </dsp:sp>
+    <dsp:sp modelId="{B66CD2F5-D6B2-474C-BED3-8137D52E0555}">
+      <dsp:nvSpPr>
+        <dsp:cNvPr id="0" name=""/>
+        <dsp:cNvSpPr/>
+      </dsp:nvSpPr>
+      <dsp:spPr>
+        <a:xfrm>
+          <a:off x="4068214" y="4268193"/>
+          <a:ext cx="584699" cy="97449"/>
+        </a:xfrm>
+        <a:prstGeom prst="parallelogram">
+          <a:avLst>
+            <a:gd name="adj" fmla="val 140840"/>
+          </a:avLst>
+        </a:prstGeom>
+        <a:solidFill>
+          <a:schemeClr val="accent1">
+            <a:hueOff val="0"/>
+            <a:satOff val="0"/>
+            <a:lumOff val="0"/>
+            <a:alphaOff val="0"/>
+          </a:schemeClr>
+        </a:solidFill>
+        <a:ln w="25400" cap="flat" cmpd="sng" algn="ctr">
+          <a:solidFill>
+            <a:schemeClr val="accent1">
+              <a:hueOff val="0"/>
+              <a:satOff val="0"/>
+              <a:lumOff val="0"/>
+              <a:alphaOff val="0"/>
+            </a:schemeClr>
+          </a:solidFill>
+          <a:prstDash val="solid"/>
+        </a:ln>
+        <a:effectLst/>
+      </dsp:spPr>
+      <dsp:style>
+        <a:lnRef idx="2">
+          <a:scrgbClr r="0" g="0" b="0"/>
+        </a:lnRef>
+        <a:fillRef idx="1">
+          <a:scrgbClr r="0" g="0" b="0"/>
+        </a:fillRef>
+        <a:effectRef idx="0">
+          <a:scrgbClr r="0" g="0" b="0"/>
+        </a:effectRef>
+        <a:fontRef idx="minor">
+          <a:schemeClr val="lt1"/>
+        </a:fontRef>
+      </dsp:style>
+    </dsp:sp>
+    <dsp:sp modelId="{1F75201E-31B6-442C-81BD-8CABC695E263}">
+      <dsp:nvSpPr>
+        <dsp:cNvPr id="0" name=""/>
+        <dsp:cNvSpPr/>
+      </dsp:nvSpPr>
+      <dsp:spPr>
+        <a:xfrm>
+          <a:off x="4687021" y="4268193"/>
+          <a:ext cx="584699" cy="97449"/>
+        </a:xfrm>
+        <a:prstGeom prst="parallelogram">
+          <a:avLst>
+            <a:gd name="adj" fmla="val 140840"/>
+          </a:avLst>
+        </a:prstGeom>
+        <a:solidFill>
+          <a:schemeClr val="accent1">
+            <a:hueOff val="0"/>
+            <a:satOff val="0"/>
+            <a:lumOff val="0"/>
+            <a:alphaOff val="0"/>
+          </a:schemeClr>
+        </a:solidFill>
+        <a:ln w="25400" cap="flat" cmpd="sng" algn="ctr">
+          <a:solidFill>
+            <a:schemeClr val="accent1">
+              <a:hueOff val="0"/>
+              <a:satOff val="0"/>
+              <a:lumOff val="0"/>
+              <a:alphaOff val="0"/>
+            </a:schemeClr>
+          </a:solidFill>
+          <a:prstDash val="solid"/>
+        </a:ln>
+        <a:effectLst/>
+      </dsp:spPr>
+      <dsp:style>
+        <a:lnRef idx="2">
+          <a:scrgbClr r="0" g="0" b="0"/>
+        </a:lnRef>
+        <a:fillRef idx="1">
+          <a:scrgbClr r="0" g="0" b="0"/>
+        </a:fillRef>
+        <a:effectRef idx="0">
+          <a:scrgbClr r="0" g="0" b="0"/>
+        </a:effectRef>
+        <a:fontRef idx="minor">
+          <a:schemeClr val="lt1"/>
+        </a:fontRef>
+      </dsp:style>
+    </dsp:sp>
+    <dsp:sp modelId="{C93CA3D9-29BF-49BF-8D63-FB45447BD321}">
+      <dsp:nvSpPr>
+        <dsp:cNvPr id="0" name=""/>
+        <dsp:cNvSpPr/>
+      </dsp:nvSpPr>
+      <dsp:spPr>
+        <a:xfrm>
+          <a:off x="5305828" y="4268193"/>
+          <a:ext cx="584699" cy="97449"/>
+        </a:xfrm>
+        <a:prstGeom prst="parallelogram">
+          <a:avLst>
+            <a:gd name="adj" fmla="val 140840"/>
+          </a:avLst>
+        </a:prstGeom>
+        <a:solidFill>
+          <a:schemeClr val="accent1">
+            <a:hueOff val="0"/>
+            <a:satOff val="0"/>
+            <a:lumOff val="0"/>
+            <a:alphaOff val="0"/>
+          </a:schemeClr>
+        </a:solidFill>
+        <a:ln w="25400" cap="flat" cmpd="sng" algn="ctr">
+          <a:solidFill>
+            <a:schemeClr val="accent1">
+              <a:hueOff val="0"/>
+              <a:satOff val="0"/>
+              <a:lumOff val="0"/>
+              <a:alphaOff val="0"/>
+            </a:schemeClr>
+          </a:solidFill>
+          <a:prstDash val="solid"/>
+        </a:ln>
+        <a:effectLst/>
+      </dsp:spPr>
+      <dsp:style>
+        <a:lnRef idx="2">
+          <a:scrgbClr r="0" g="0" b="0"/>
+        </a:lnRef>
+        <a:fillRef idx="1">
+          <a:scrgbClr r="0" g="0" b="0"/>
+        </a:fillRef>
+        <a:effectRef idx="0">
+          <a:scrgbClr r="0" g="0" b="0"/>
+        </a:effectRef>
+        <a:fontRef idx="minor">
+          <a:schemeClr val="lt1"/>
+        </a:fontRef>
+      </dsp:style>
     </dsp:sp>
   </dsp:spTree>
 </dsp:drawing>
@@ -2408,7 +7633,1613 @@
 </dgm:layoutDef>
 </file>
 
+<file path=ppt/diagrams/layout2.xml><?xml version="1.0" encoding="utf-8"?>
+<dgm:layoutDef xmlns:dgm="http://schemas.openxmlformats.org/drawingml/2006/diagram" xmlns:a="http://schemas.openxmlformats.org/drawingml/2006/main" uniqueId="urn:microsoft.com/office/officeart/2008/layout/VerticalAccentList">
+  <dgm:title val=""/>
+  <dgm:desc val=""/>
+  <dgm:catLst>
+    <dgm:cat type="list" pri="16500"/>
+  </dgm:catLst>
+  <dgm:sampData>
+    <dgm:dataModel>
+      <dgm:ptLst>
+        <dgm:pt modelId="0" type="doc"/>
+        <dgm:pt modelId="10">
+          <dgm:prSet phldr="1"/>
+        </dgm:pt>
+        <dgm:pt modelId="11">
+          <dgm:prSet phldr="1"/>
+        </dgm:pt>
+        <dgm:pt modelId="20">
+          <dgm:prSet phldr="1"/>
+        </dgm:pt>
+        <dgm:pt modelId="21">
+          <dgm:prSet phldr="1"/>
+        </dgm:pt>
+        <dgm:pt modelId="30">
+          <dgm:prSet phldr="1"/>
+        </dgm:pt>
+        <dgm:pt modelId="31">
+          <dgm:prSet phldr="1"/>
+        </dgm:pt>
+      </dgm:ptLst>
+      <dgm:cxnLst>
+        <dgm:cxn modelId="40" srcId="0" destId="10" srcOrd="0" destOrd="0"/>
+        <dgm:cxn modelId="12" srcId="10" destId="11" srcOrd="0" destOrd="0"/>
+        <dgm:cxn modelId="50" srcId="0" destId="20" srcOrd="1" destOrd="0"/>
+        <dgm:cxn modelId="22" srcId="20" destId="21" srcOrd="0" destOrd="0"/>
+        <dgm:cxn modelId="60" srcId="0" destId="30" srcOrd="2" destOrd="0"/>
+        <dgm:cxn modelId="32" srcId="30" destId="31" srcOrd="0" destOrd="0"/>
+      </dgm:cxnLst>
+      <dgm:bg/>
+      <dgm:whole/>
+    </dgm:dataModel>
+  </dgm:sampData>
+  <dgm:styleData>
+    <dgm:dataModel>
+      <dgm:ptLst>
+        <dgm:pt modelId="0" type="doc"/>
+        <dgm:pt modelId="10">
+          <dgm:prSet phldr="1"/>
+        </dgm:pt>
+        <dgm:pt modelId="11">
+          <dgm:prSet phldr="1"/>
+        </dgm:pt>
+        <dgm:pt modelId="20">
+          <dgm:prSet phldr="1"/>
+        </dgm:pt>
+        <dgm:pt modelId="21">
+          <dgm:prSet phldr="1"/>
+        </dgm:pt>
+        <dgm:pt modelId="30">
+          <dgm:prSet phldr="1"/>
+        </dgm:pt>
+        <dgm:pt modelId="31">
+          <dgm:prSet phldr="1"/>
+        </dgm:pt>
+      </dgm:ptLst>
+      <dgm:cxnLst>
+        <dgm:cxn modelId="40" srcId="0" destId="10" srcOrd="0" destOrd="0"/>
+        <dgm:cxn modelId="12" srcId="10" destId="11" srcOrd="0" destOrd="0"/>
+        <dgm:cxn modelId="50" srcId="0" destId="20" srcOrd="1" destOrd="0"/>
+        <dgm:cxn modelId="22" srcId="20" destId="21" srcOrd="0" destOrd="0"/>
+        <dgm:cxn modelId="60" srcId="0" destId="30" srcOrd="2" destOrd="0"/>
+        <dgm:cxn modelId="32" srcId="30" destId="31" srcOrd="0" destOrd="0"/>
+      </dgm:cxnLst>
+      <dgm:bg/>
+      <dgm:whole/>
+    </dgm:dataModel>
+  </dgm:styleData>
+  <dgm:clrData>
+    <dgm:dataModel>
+      <dgm:ptLst>
+        <dgm:pt modelId="0" type="doc"/>
+        <dgm:pt modelId="10">
+          <dgm:prSet phldr="1"/>
+        </dgm:pt>
+        <dgm:pt modelId="11">
+          <dgm:prSet phldr="1"/>
+        </dgm:pt>
+        <dgm:pt modelId="20">
+          <dgm:prSet phldr="1"/>
+        </dgm:pt>
+        <dgm:pt modelId="21">
+          <dgm:prSet phldr="1"/>
+        </dgm:pt>
+        <dgm:pt modelId="30">
+          <dgm:prSet phldr="1"/>
+        </dgm:pt>
+        <dgm:pt modelId="31">
+          <dgm:prSet phldr="1"/>
+        </dgm:pt>
+      </dgm:ptLst>
+      <dgm:cxnLst>
+        <dgm:cxn modelId="40" srcId="0" destId="10" srcOrd="0" destOrd="0"/>
+        <dgm:cxn modelId="12" srcId="10" destId="11" srcOrd="0" destOrd="0"/>
+        <dgm:cxn modelId="50" srcId="0" destId="20" srcOrd="1" destOrd="0"/>
+        <dgm:cxn modelId="22" srcId="20" destId="21" srcOrd="0" destOrd="0"/>
+        <dgm:cxn modelId="60" srcId="0" destId="30" srcOrd="2" destOrd="0"/>
+        <dgm:cxn modelId="32" srcId="30" destId="31" srcOrd="0" destOrd="0"/>
+      </dgm:cxnLst>
+      <dgm:bg/>
+      <dgm:whole/>
+    </dgm:dataModel>
+  </dgm:clrData>
+  <dgm:layoutNode name="Name0">
+    <dgm:varLst>
+      <dgm:chMax/>
+      <dgm:chPref/>
+      <dgm:dir/>
+    </dgm:varLst>
+    <dgm:choose name="Name1">
+      <dgm:if name="Name2" func="var" arg="dir" op="equ" val="norm">
+        <dgm:alg type="lin">
+          <dgm:param type="linDir" val="fromT"/>
+          <dgm:param type="nodeHorzAlign" val="l"/>
+        </dgm:alg>
+      </dgm:if>
+      <dgm:else name="Name3">
+        <dgm:alg type="lin">
+          <dgm:param type="linDir" val="fromT"/>
+          <dgm:param type="nodeHorzAlign" val="r"/>
+        </dgm:alg>
+      </dgm:else>
+    </dgm:choose>
+    <dgm:shape xmlns:r="http://schemas.openxmlformats.org/officeDocument/2006/relationships" r:blip="">
+      <dgm:adjLst/>
+    </dgm:shape>
+    <dgm:constrLst>
+      <dgm:constr type="primFontSz" for="des" forName="parenttext" refType="primFontSz" refFor="des" refForName="childtext" op="gte"/>
+      <dgm:constr type="w" for="ch" forName="composite" refType="w"/>
+      <dgm:constr type="h" for="ch" forName="composite" refType="h"/>
+      <dgm:constr type="w" for="ch" forName="parallelogramComposite" refType="w"/>
+      <dgm:constr type="h" for="ch" forName="parallelogramComposite" refType="h"/>
+      <dgm:constr type="w" for="ch" forName="parenttextcomposite" refType="w" fact="0.9"/>
+      <dgm:constr type="h" for="ch" forName="parenttextcomposite" refType="h" fact="0.6"/>
+      <dgm:constr type="h" for="ch" forName="sibTrans" refType="h" refFor="ch" refForName="composite" op="equ" fact="0.02"/>
+      <dgm:constr type="h" for="ch" forName="sibTrans" op="equ"/>
+    </dgm:constrLst>
+    <dgm:forEach name="nodesForEach" axis="ch" ptType="node">
+      <dgm:layoutNode name="parenttextcomposite">
+        <dgm:alg type="composite">
+          <dgm:param type="ar" val="11"/>
+        </dgm:alg>
+        <dgm:shape xmlns:r="http://schemas.openxmlformats.org/officeDocument/2006/relationships" r:blip="">
+          <dgm:adjLst/>
+        </dgm:shape>
+        <dgm:constrLst>
+          <dgm:constr type="h" for="ch" forName="parenttext" refType="h"/>
+          <dgm:constr type="w" for="ch" forName="parenttext" refType="w"/>
+        </dgm:constrLst>
+        <dgm:layoutNode name="parenttext" styleLbl="revTx">
+          <dgm:varLst>
+            <dgm:chMax/>
+            <dgm:chPref val="2"/>
+            <dgm:bulletEnabled val="1"/>
+          </dgm:varLst>
+          <dgm:choose name="Name4">
+            <dgm:if name="Name5" func="var" arg="dir" op="equ" val="norm">
+              <dgm:alg type="tx">
+                <dgm:param type="parTxLTRAlign" val="l"/>
+                <dgm:param type="txAnchorVert" val="b"/>
+              </dgm:alg>
+            </dgm:if>
+            <dgm:else name="Name6">
+              <dgm:alg type="tx">
+                <dgm:param type="parTxLTRAlign" val="r"/>
+                <dgm:param type="txAnchorVert" val="b"/>
+              </dgm:alg>
+            </dgm:else>
+          </dgm:choose>
+          <dgm:shape xmlns:r="http://schemas.openxmlformats.org/officeDocument/2006/relationships" type="rect" r:blip="">
+            <dgm:adjLst/>
+          </dgm:shape>
+          <dgm:presOf axis="self" ptType="node"/>
+          <dgm:constrLst>
+            <dgm:constr type="lMarg" refType="primFontSz" fact="0.3"/>
+            <dgm:constr type="rMarg" refType="primFontSz" fact="0.3"/>
+            <dgm:constr type="tMarg" refType="primFontSz" fact="0.3"/>
+            <dgm:constr type="bMarg" refType="primFontSz" fact="0.3"/>
+          </dgm:constrLst>
+          <dgm:ruleLst>
+            <dgm:rule type="primFontSz" val="5" fact="NaN" max="NaN"/>
+          </dgm:ruleLst>
+        </dgm:layoutNode>
+      </dgm:layoutNode>
+      <dgm:choose name="Name7">
+        <dgm:if name="Name8" axis="ch" ptType="node" func="cnt" op="gte" val="1">
+          <dgm:layoutNode name="composite">
+            <dgm:alg type="composite">
+              <dgm:param type="ar" val="6"/>
+            </dgm:alg>
+            <dgm:shape xmlns:r="http://schemas.openxmlformats.org/officeDocument/2006/relationships" r:blip="">
+              <dgm:adjLst/>
+            </dgm:shape>
+            <dgm:choose name="Name9">
+              <dgm:if name="Name10" func="var" arg="dir" op="equ" val="norm">
+                <dgm:constrLst>
+                  <dgm:constr type="l" for="ch" forName="chevron1" refType="w" fact="0.0301"/>
+                  <dgm:constr type="t" for="ch" forName="chevron1" refType="h" fact="0"/>
+                  <dgm:constr type="w" for="ch" forName="chevron1" refType="w" fact="0.2106"/>
+                  <dgm:constr type="h" for="ch" forName="chevron1" refType="h"/>
+                  <dgm:constr type="l" for="ch" forName="chevron2" refType="w" fact="0.1566"/>
+                  <dgm:constr type="t" for="ch" forName="chevron2" refType="h" fact="0"/>
+                  <dgm:constr type="w" for="ch" forName="chevron2" refType="w" fact="0.2106"/>
+                  <dgm:constr type="h" for="ch" forName="chevron2" refType="h"/>
+                  <dgm:constr type="l" for="ch" forName="chevron3" refType="w" fact="0.2832"/>
+                  <dgm:constr type="t" for="ch" forName="chevron3" refType="h" fact="0"/>
+                  <dgm:constr type="w" for="ch" forName="chevron3" refType="w" fact="0.2106"/>
+                  <dgm:constr type="h" for="ch" forName="chevron3" refType="h"/>
+                  <dgm:constr type="l" for="ch" forName="chevron4" refType="w" fact="0.4097"/>
+                  <dgm:constr type="t" for="ch" forName="chevron4" refType="h" fact="0"/>
+                  <dgm:constr type="w" for="ch" forName="chevron4" refType="w" fact="0.2106"/>
+                  <dgm:constr type="h" for="ch" forName="chevron4" refType="h"/>
+                  <dgm:constr type="l" for="ch" forName="chevron5" refType="w" fact="0.5363"/>
+                  <dgm:constr type="t" for="ch" forName="chevron5" refType="h" fact="0"/>
+                  <dgm:constr type="w" for="ch" forName="chevron5" refType="w" fact="0.2106"/>
+                  <dgm:constr type="h" for="ch" forName="chevron5" refType="h"/>
+                  <dgm:constr type="l" for="ch" forName="chevron6" refType="w" fact="0.6628"/>
+                  <dgm:constr type="t" for="ch" forName="chevron6" refType="h" fact="0"/>
+                  <dgm:constr type="w" for="ch" forName="chevron6" refType="w" fact="0.2106"/>
+                  <dgm:constr type="h" for="ch" forName="chevron6" refType="h"/>
+                  <dgm:constr type="l" for="ch" forName="chevron7" refType="w" fact="0.7894"/>
+                  <dgm:constr type="t" for="ch" forName="chevron7" refType="h" fact="0"/>
+                  <dgm:constr type="w" for="ch" forName="chevron7" refType="w" fact="0.2106"/>
+                  <dgm:constr type="h" for="ch" forName="chevron7" refType="h"/>
+                  <dgm:constr type="l" for="ch" forName="childtext" refType="w" fact="0.0301"/>
+                  <dgm:constr type="t" for="ch" forName="childtext" refType="h" fact="0.1"/>
+                  <dgm:constr type="w" for="ch" forName="childtext" refType="w" fact="0.9117"/>
+                  <dgm:constr type="h" for="ch" forName="childtext" refType="h" fact="0.8"/>
+                </dgm:constrLst>
+              </dgm:if>
+              <dgm:else name="Name11">
+                <dgm:constrLst>
+                  <dgm:constr type="l" for="ch" forName="chevron1" refType="w" fact="0.0301"/>
+                  <dgm:constr type="t" for="ch" forName="chevron1" refType="h" fact="0"/>
+                  <dgm:constr type="w" for="ch" forName="chevron1" refType="w" fact="0.2106"/>
+                  <dgm:constr type="h" for="ch" forName="chevron1" refType="h"/>
+                  <dgm:constr type="l" for="ch" forName="chevron2" refType="w" fact="0.1566"/>
+                  <dgm:constr type="t" for="ch" forName="chevron2" refType="h" fact="0"/>
+                  <dgm:constr type="w" for="ch" forName="chevron2" refType="w" fact="0.2106"/>
+                  <dgm:constr type="h" for="ch" forName="chevron2" refType="h"/>
+                  <dgm:constr type="l" for="ch" forName="chevron3" refType="w" fact="0.2832"/>
+                  <dgm:constr type="t" for="ch" forName="chevron3" refType="h" fact="0"/>
+                  <dgm:constr type="w" for="ch" forName="chevron3" refType="w" fact="0.2106"/>
+                  <dgm:constr type="h" for="ch" forName="chevron3" refType="h"/>
+                  <dgm:constr type="l" for="ch" forName="chevron4" refType="w" fact="0.4097"/>
+                  <dgm:constr type="t" for="ch" forName="chevron4" refType="h" fact="0"/>
+                  <dgm:constr type="w" for="ch" forName="chevron4" refType="w" fact="0.2106"/>
+                  <dgm:constr type="h" for="ch" forName="chevron4" refType="h"/>
+                  <dgm:constr type="l" for="ch" forName="chevron5" refType="w" fact="0.5363"/>
+                  <dgm:constr type="t" for="ch" forName="chevron5" refType="h" fact="0"/>
+                  <dgm:constr type="w" for="ch" forName="chevron5" refType="w" fact="0.2106"/>
+                  <dgm:constr type="h" for="ch" forName="chevron5" refType="h"/>
+                  <dgm:constr type="l" for="ch" forName="chevron6" refType="w" fact="0.6628"/>
+                  <dgm:constr type="t" for="ch" forName="chevron6" refType="h" fact="0"/>
+                  <dgm:constr type="w" for="ch" forName="chevron6" refType="w" fact="0.2106"/>
+                  <dgm:constr type="h" for="ch" forName="chevron6" refType="h"/>
+                  <dgm:constr type="l" for="ch" forName="chevron7" refType="w" fact="0.7894"/>
+                  <dgm:constr type="t" for="ch" forName="chevron7" refType="h" fact="0"/>
+                  <dgm:constr type="w" for="ch" forName="chevron7" refType="w" fact="0.2106"/>
+                  <dgm:constr type="h" for="ch" forName="chevron7" refType="h"/>
+                  <dgm:constr type="l" for="ch" forName="childtext" refType="w" fact="0.0883"/>
+                  <dgm:constr type="t" for="ch" forName="childtext" refType="h" fact="0.1"/>
+                  <dgm:constr type="w" for="ch" forName="childtext" refType="w" fact="0.9117"/>
+                  <dgm:constr type="h" for="ch" forName="childtext" refType="h" fact="0.8"/>
+                </dgm:constrLst>
+              </dgm:else>
+            </dgm:choose>
+            <dgm:ruleLst/>
+            <dgm:layoutNode name="chevron1" styleLbl="alignNode1">
+              <dgm:alg type="sp"/>
+              <dgm:choose name="Name12">
+                <dgm:if name="Name13" func="var" arg="dir" op="equ" val="norm">
+                  <dgm:shape xmlns:r="http://schemas.openxmlformats.org/officeDocument/2006/relationships" type="chevron" r:blip="">
+                    <dgm:adjLst>
+                      <dgm:adj idx="1" val="0.7061"/>
+                    </dgm:adjLst>
+                  </dgm:shape>
+                </dgm:if>
+                <dgm:else name="Name14">
+                  <dgm:shape xmlns:r="http://schemas.openxmlformats.org/officeDocument/2006/relationships" rot="180" type="chevron" r:blip="">
+                    <dgm:adjLst>
+                      <dgm:adj idx="1" val="0.7061"/>
+                    </dgm:adjLst>
+                  </dgm:shape>
+                </dgm:else>
+              </dgm:choose>
+              <dgm:presOf/>
+            </dgm:layoutNode>
+            <dgm:layoutNode name="chevron2" styleLbl="alignNode1">
+              <dgm:alg type="sp"/>
+              <dgm:choose name="Name15">
+                <dgm:if name="Name16" func="var" arg="dir" op="equ" val="norm">
+                  <dgm:shape xmlns:r="http://schemas.openxmlformats.org/officeDocument/2006/relationships" type="chevron" r:blip="">
+                    <dgm:adjLst>
+                      <dgm:adj idx="1" val="0.7061"/>
+                    </dgm:adjLst>
+                  </dgm:shape>
+                </dgm:if>
+                <dgm:else name="Name17">
+                  <dgm:shape xmlns:r="http://schemas.openxmlformats.org/officeDocument/2006/relationships" rot="180" type="chevron" r:blip="">
+                    <dgm:adjLst>
+                      <dgm:adj idx="1" val="0.7061"/>
+                    </dgm:adjLst>
+                  </dgm:shape>
+                </dgm:else>
+              </dgm:choose>
+              <dgm:presOf/>
+            </dgm:layoutNode>
+            <dgm:layoutNode name="chevron3" styleLbl="alignNode1">
+              <dgm:alg type="sp"/>
+              <dgm:choose name="Name18">
+                <dgm:if name="Name19" func="var" arg="dir" op="equ" val="norm">
+                  <dgm:shape xmlns:r="http://schemas.openxmlformats.org/officeDocument/2006/relationships" type="chevron" r:blip="">
+                    <dgm:adjLst>
+                      <dgm:adj idx="1" val="0.7061"/>
+                    </dgm:adjLst>
+                  </dgm:shape>
+                </dgm:if>
+                <dgm:else name="Name20">
+                  <dgm:shape xmlns:r="http://schemas.openxmlformats.org/officeDocument/2006/relationships" rot="180" type="chevron" r:blip="">
+                    <dgm:adjLst>
+                      <dgm:adj idx="1" val="0.7061"/>
+                    </dgm:adjLst>
+                  </dgm:shape>
+                </dgm:else>
+              </dgm:choose>
+              <dgm:presOf/>
+            </dgm:layoutNode>
+            <dgm:layoutNode name="chevron4" styleLbl="alignNode1">
+              <dgm:alg type="sp"/>
+              <dgm:choose name="Name21">
+                <dgm:if name="Name22" func="var" arg="dir" op="equ" val="norm">
+                  <dgm:shape xmlns:r="http://schemas.openxmlformats.org/officeDocument/2006/relationships" type="chevron" r:blip="">
+                    <dgm:adjLst>
+                      <dgm:adj idx="1" val="0.7061"/>
+                    </dgm:adjLst>
+                  </dgm:shape>
+                </dgm:if>
+                <dgm:else name="Name23">
+                  <dgm:shape xmlns:r="http://schemas.openxmlformats.org/officeDocument/2006/relationships" rot="180" type="chevron" r:blip="">
+                    <dgm:adjLst>
+                      <dgm:adj idx="1" val="0.7061"/>
+                    </dgm:adjLst>
+                  </dgm:shape>
+                </dgm:else>
+              </dgm:choose>
+              <dgm:presOf/>
+            </dgm:layoutNode>
+            <dgm:layoutNode name="chevron5" styleLbl="alignNode1">
+              <dgm:alg type="sp"/>
+              <dgm:choose name="Name24">
+                <dgm:if name="Name25" func="var" arg="dir" op="equ" val="norm">
+                  <dgm:shape xmlns:r="http://schemas.openxmlformats.org/officeDocument/2006/relationships" type="chevron" r:blip="">
+                    <dgm:adjLst>
+                      <dgm:adj idx="1" val="0.7061"/>
+                    </dgm:adjLst>
+                  </dgm:shape>
+                </dgm:if>
+                <dgm:else name="Name26">
+                  <dgm:shape xmlns:r="http://schemas.openxmlformats.org/officeDocument/2006/relationships" rot="180" type="chevron" r:blip="">
+                    <dgm:adjLst>
+                      <dgm:adj idx="1" val="0.7061"/>
+                    </dgm:adjLst>
+                  </dgm:shape>
+                </dgm:else>
+              </dgm:choose>
+              <dgm:presOf/>
+            </dgm:layoutNode>
+            <dgm:layoutNode name="chevron6" styleLbl="alignNode1">
+              <dgm:alg type="sp"/>
+              <dgm:choose name="Name27">
+                <dgm:if name="Name28" func="var" arg="dir" op="equ" val="norm">
+                  <dgm:shape xmlns:r="http://schemas.openxmlformats.org/officeDocument/2006/relationships" type="chevron" r:blip="">
+                    <dgm:adjLst>
+                      <dgm:adj idx="1" val="0.7061"/>
+                    </dgm:adjLst>
+                  </dgm:shape>
+                </dgm:if>
+                <dgm:else name="Name29">
+                  <dgm:shape xmlns:r="http://schemas.openxmlformats.org/officeDocument/2006/relationships" rot="180" type="chevron" r:blip="">
+                    <dgm:adjLst>
+                      <dgm:adj idx="1" val="0.7061"/>
+                    </dgm:adjLst>
+                  </dgm:shape>
+                </dgm:else>
+              </dgm:choose>
+              <dgm:presOf/>
+            </dgm:layoutNode>
+            <dgm:layoutNode name="chevron7" styleLbl="alignNode1">
+              <dgm:alg type="sp"/>
+              <dgm:choose name="Name30">
+                <dgm:if name="Name31" func="var" arg="dir" op="equ" val="norm">
+                  <dgm:shape xmlns:r="http://schemas.openxmlformats.org/officeDocument/2006/relationships" type="chevron" r:blip="">
+                    <dgm:adjLst>
+                      <dgm:adj idx="1" val="0.7061"/>
+                    </dgm:adjLst>
+                  </dgm:shape>
+                </dgm:if>
+                <dgm:else name="Name32">
+                  <dgm:shape xmlns:r="http://schemas.openxmlformats.org/officeDocument/2006/relationships" rot="180" type="chevron" r:blip="">
+                    <dgm:adjLst>
+                      <dgm:adj idx="1" val="0.7061"/>
+                    </dgm:adjLst>
+                  </dgm:shape>
+                </dgm:else>
+              </dgm:choose>
+              <dgm:presOf/>
+            </dgm:layoutNode>
+            <dgm:layoutNode name="childtext" styleLbl="solidFgAcc1">
+              <dgm:varLst>
+                <dgm:chMax/>
+                <dgm:chPref val="0"/>
+                <dgm:bulletEnabled val="1"/>
+              </dgm:varLst>
+              <dgm:choose name="Name33">
+                <dgm:if name="Name34" func="var" arg="dir" op="equ" val="norm">
+                  <dgm:alg type="tx">
+                    <dgm:param type="parTxLTRAlign" val="l"/>
+                    <dgm:param type="txAnchorVertCh" val="t"/>
+                  </dgm:alg>
+                </dgm:if>
+                <dgm:else name="Name35">
+                  <dgm:alg type="tx">
+                    <dgm:param type="parTxLTRAlign" val="r"/>
+                    <dgm:param type="shpTxLTRAlignCh" val="r"/>
+                    <dgm:param type="txAnchorVertCh" val="t"/>
+                  </dgm:alg>
+                </dgm:else>
+              </dgm:choose>
+              <dgm:shape xmlns:r="http://schemas.openxmlformats.org/officeDocument/2006/relationships" type="rect" r:blip="">
+                <dgm:adjLst/>
+              </dgm:shape>
+              <dgm:presOf axis="des" ptType="node"/>
+              <dgm:constrLst>
+                <dgm:constr type="lMarg" refType="primFontSz" fact="0.2"/>
+                <dgm:constr type="rMarg" refType="primFontSz" fact="0.2"/>
+                <dgm:constr type="tMarg" refType="primFontSz" fact="0.2"/>
+                <dgm:constr type="bMarg" refType="primFontSz" fact="0.2"/>
+              </dgm:constrLst>
+              <dgm:ruleLst>
+                <dgm:rule type="primFontSz" val="5" fact="NaN" max="NaN"/>
+              </dgm:ruleLst>
+            </dgm:layoutNode>
+          </dgm:layoutNode>
+        </dgm:if>
+        <dgm:else name="Name36">
+          <dgm:layoutNode name="parallelogramComposite">
+            <dgm:alg type="composite">
+              <dgm:param type="ar" val="50"/>
+            </dgm:alg>
+            <dgm:shape xmlns:r="http://schemas.openxmlformats.org/officeDocument/2006/relationships" r:blip="">
+              <dgm:adjLst/>
+            </dgm:shape>
+            <dgm:constrLst>
+              <dgm:constr type="l" for="ch" forName="parallelogram1" refType="w" fact="0"/>
+              <dgm:constr type="t" for="ch" forName="parallelogram1" refType="h" fact="0"/>
+              <dgm:constr type="w" for="ch" forName="parallelogram1" refType="w" fact="0.12"/>
+              <dgm:constr type="h" for="ch" forName="parallelogram1" refType="h"/>
+              <dgm:constr type="l" for="ch" forName="parallelogram2" refType="w" fact="0.127"/>
+              <dgm:constr type="t" for="ch" forName="parallelogram2" refType="h" fact="0"/>
+              <dgm:constr type="w" for="ch" forName="parallelogram2" refType="w" fact="0.12"/>
+              <dgm:constr type="h" for="ch" forName="parallelogram2" refType="h"/>
+              <dgm:constr type="l" for="ch" forName="parallelogram3" refType="w" fact="0.254"/>
+              <dgm:constr type="t" for="ch" forName="parallelogram3" refType="h" fact="0"/>
+              <dgm:constr type="w" for="ch" forName="parallelogram3" refType="w" fact="0.12"/>
+              <dgm:constr type="h" for="ch" forName="parallelogram3" refType="h"/>
+              <dgm:constr type="l" for="ch" forName="parallelogram4" refType="w" fact="0.381"/>
+              <dgm:constr type="t" for="ch" forName="parallelogram4" refType="h" fact="0"/>
+              <dgm:constr type="w" for="ch" forName="parallelogram4" refType="w" fact="0.12"/>
+              <dgm:constr type="h" for="ch" forName="parallelogram4" refType="h"/>
+              <dgm:constr type="l" for="ch" forName="parallelogram5" refType="w" fact="0.508"/>
+              <dgm:constr type="t" for="ch" forName="parallelogram5" refType="h" fact="0"/>
+              <dgm:constr type="w" for="ch" forName="parallelogram5" refType="w" fact="0.12"/>
+              <dgm:constr type="h" for="ch" forName="parallelogram5" refType="h"/>
+              <dgm:constr type="l" for="ch" forName="parallelogram6" refType="w" fact="0.635"/>
+              <dgm:constr type="t" for="ch" forName="parallelogram6" refType="h" fact="0"/>
+              <dgm:constr type="w" for="ch" forName="parallelogram6" refType="w" fact="0.12"/>
+              <dgm:constr type="h" for="ch" forName="parallelogram6" refType="h"/>
+              <dgm:constr type="l" for="ch" forName="parallelogram7" refType="w" fact="0.762"/>
+              <dgm:constr type="t" for="ch" forName="parallelogram7" refType="h" fact="0"/>
+              <dgm:constr type="w" for="ch" forName="parallelogram7" refType="w" fact="0.12"/>
+              <dgm:constr type="h" for="ch" forName="parallelogram7" refType="h"/>
+            </dgm:constrLst>
+            <dgm:ruleLst/>
+            <dgm:layoutNode name="parallelogram1" styleLbl="alignNode1">
+              <dgm:alg type="sp"/>
+              <dgm:shape xmlns:r="http://schemas.openxmlformats.org/officeDocument/2006/relationships" type="parallelogram" r:blip="">
+                <dgm:adjLst>
+                  <dgm:adj idx="1" val="1.4084"/>
+                </dgm:adjLst>
+              </dgm:shape>
+              <dgm:presOf/>
+            </dgm:layoutNode>
+            <dgm:layoutNode name="parallelogram2" styleLbl="alignNode1">
+              <dgm:alg type="sp"/>
+              <dgm:shape xmlns:r="http://schemas.openxmlformats.org/officeDocument/2006/relationships" type="parallelogram" r:blip="">
+                <dgm:adjLst>
+                  <dgm:adj idx="1" val="1.4084"/>
+                </dgm:adjLst>
+              </dgm:shape>
+              <dgm:presOf/>
+            </dgm:layoutNode>
+            <dgm:layoutNode name="parallelogram3" styleLbl="alignNode1">
+              <dgm:alg type="sp"/>
+              <dgm:shape xmlns:r="http://schemas.openxmlformats.org/officeDocument/2006/relationships" type="parallelogram" r:blip="">
+                <dgm:adjLst>
+                  <dgm:adj idx="1" val="1.4084"/>
+                </dgm:adjLst>
+              </dgm:shape>
+              <dgm:presOf/>
+            </dgm:layoutNode>
+            <dgm:layoutNode name="parallelogram4" styleLbl="alignNode1">
+              <dgm:alg type="sp"/>
+              <dgm:shape xmlns:r="http://schemas.openxmlformats.org/officeDocument/2006/relationships" type="parallelogram" r:blip="">
+                <dgm:adjLst>
+                  <dgm:adj idx="1" val="1.4084"/>
+                </dgm:adjLst>
+              </dgm:shape>
+              <dgm:presOf/>
+            </dgm:layoutNode>
+            <dgm:layoutNode name="parallelogram5" styleLbl="alignNode1">
+              <dgm:alg type="sp"/>
+              <dgm:shape xmlns:r="http://schemas.openxmlformats.org/officeDocument/2006/relationships" type="parallelogram" r:blip="">
+                <dgm:adjLst>
+                  <dgm:adj idx="1" val="1.4084"/>
+                </dgm:adjLst>
+              </dgm:shape>
+              <dgm:presOf/>
+            </dgm:layoutNode>
+            <dgm:layoutNode name="parallelogram6" styleLbl="alignNode1">
+              <dgm:alg type="sp"/>
+              <dgm:shape xmlns:r="http://schemas.openxmlformats.org/officeDocument/2006/relationships" type="parallelogram" r:blip="">
+                <dgm:adjLst>
+                  <dgm:adj idx="1" val="1.4084"/>
+                </dgm:adjLst>
+              </dgm:shape>
+              <dgm:presOf/>
+            </dgm:layoutNode>
+            <dgm:layoutNode name="parallelogram7" styleLbl="alignNode1">
+              <dgm:alg type="sp"/>
+              <dgm:shape xmlns:r="http://schemas.openxmlformats.org/officeDocument/2006/relationships" type="parallelogram" r:blip="">
+                <dgm:adjLst>
+                  <dgm:adj idx="1" val="1.4084"/>
+                </dgm:adjLst>
+              </dgm:shape>
+              <dgm:presOf/>
+            </dgm:layoutNode>
+          </dgm:layoutNode>
+        </dgm:else>
+      </dgm:choose>
+      <dgm:forEach name="sibTransForEach" axis="followSib" ptType="sibTrans" cnt="1">
+        <dgm:layoutNode name="sibTrans">
+          <dgm:alg type="sp"/>
+          <dgm:shape xmlns:r="http://schemas.openxmlformats.org/officeDocument/2006/relationships" r:blip="">
+            <dgm:adjLst/>
+          </dgm:shape>
+        </dgm:layoutNode>
+      </dgm:forEach>
+    </dgm:forEach>
+  </dgm:layoutNode>
+</dgm:layoutDef>
+</file>
+
 <file path=ppt/diagrams/quickStyle1.xml><?xml version="1.0" encoding="utf-8"?>
+<dgm:styleDef xmlns:dgm="http://schemas.openxmlformats.org/drawingml/2006/diagram" xmlns:a="http://schemas.openxmlformats.org/drawingml/2006/main" uniqueId="urn:microsoft.com/office/officeart/2005/8/quickstyle/simple1">
+  <dgm:title val=""/>
+  <dgm:desc val=""/>
+  <dgm:catLst>
+    <dgm:cat type="simple" pri="10100"/>
+  </dgm:catLst>
+  <dgm:scene3d>
+    <a:camera prst="orthographicFront"/>
+    <a:lightRig rig="threePt" dir="t"/>
+  </dgm:scene3d>
+  <dgm:styleLbl name="node0">
+    <dgm:scene3d>
+      <a:camera prst="orthographicFront"/>
+      <a:lightRig rig="threePt" dir="t"/>
+    </dgm:scene3d>
+    <dgm:sp3d/>
+    <dgm:txPr/>
+    <dgm:style>
+      <a:lnRef idx="2">
+        <a:scrgbClr r="0" g="0" b="0"/>
+      </a:lnRef>
+      <a:fillRef idx="1">
+        <a:scrgbClr r="0" g="0" b="0"/>
+      </a:fillRef>
+      <a:effectRef idx="0">
+        <a:scrgbClr r="0" g="0" b="0"/>
+      </a:effectRef>
+      <a:fontRef idx="minor">
+        <a:schemeClr val="lt1"/>
+      </a:fontRef>
+    </dgm:style>
+  </dgm:styleLbl>
+  <dgm:styleLbl name="lnNode1">
+    <dgm:scene3d>
+      <a:camera prst="orthographicFront"/>
+      <a:lightRig rig="threePt" dir="t"/>
+    </dgm:scene3d>
+    <dgm:sp3d/>
+    <dgm:txPr/>
+    <dgm:style>
+      <a:lnRef idx="2">
+        <a:scrgbClr r="0" g="0" b="0"/>
+      </a:lnRef>
+      <a:fillRef idx="1">
+        <a:scrgbClr r="0" g="0" b="0"/>
+      </a:fillRef>
+      <a:effectRef idx="0">
+        <a:scrgbClr r="0" g="0" b="0"/>
+      </a:effectRef>
+      <a:fontRef idx="minor">
+        <a:schemeClr val="lt1"/>
+      </a:fontRef>
+    </dgm:style>
+  </dgm:styleLbl>
+  <dgm:styleLbl name="vennNode1">
+    <dgm:scene3d>
+      <a:camera prst="orthographicFront"/>
+      <a:lightRig rig="threePt" dir="t"/>
+    </dgm:scene3d>
+    <dgm:sp3d/>
+    <dgm:txPr/>
+    <dgm:style>
+      <a:lnRef idx="2">
+        <a:scrgbClr r="0" g="0" b="0"/>
+      </a:lnRef>
+      <a:fillRef idx="1">
+        <a:scrgbClr r="0" g="0" b="0"/>
+      </a:fillRef>
+      <a:effectRef idx="0">
+        <a:scrgbClr r="0" g="0" b="0"/>
+      </a:effectRef>
+      <a:fontRef idx="minor">
+        <a:schemeClr val="tx1"/>
+      </a:fontRef>
+    </dgm:style>
+  </dgm:styleLbl>
+  <dgm:styleLbl name="alignNode1">
+    <dgm:scene3d>
+      <a:camera prst="orthographicFront"/>
+      <a:lightRig rig="threePt" dir="t"/>
+    </dgm:scene3d>
+    <dgm:sp3d/>
+    <dgm:txPr/>
+    <dgm:style>
+      <a:lnRef idx="2">
+        <a:scrgbClr r="0" g="0" b="0"/>
+      </a:lnRef>
+      <a:fillRef idx="1">
+        <a:scrgbClr r="0" g="0" b="0"/>
+      </a:fillRef>
+      <a:effectRef idx="0">
+        <a:scrgbClr r="0" g="0" b="0"/>
+      </a:effectRef>
+      <a:fontRef idx="minor">
+        <a:schemeClr val="lt1"/>
+      </a:fontRef>
+    </dgm:style>
+  </dgm:styleLbl>
+  <dgm:styleLbl name="node1">
+    <dgm:scene3d>
+      <a:camera prst="orthographicFront"/>
+      <a:lightRig rig="threePt" dir="t"/>
+    </dgm:scene3d>
+    <dgm:sp3d/>
+    <dgm:txPr/>
+    <dgm:style>
+      <a:lnRef idx="2">
+        <a:scrgbClr r="0" g="0" b="0"/>
+      </a:lnRef>
+      <a:fillRef idx="1">
+        <a:scrgbClr r="0" g="0" b="0"/>
+      </a:fillRef>
+      <a:effectRef idx="0">
+        <a:scrgbClr r="0" g="0" b="0"/>
+      </a:effectRef>
+      <a:fontRef idx="minor">
+        <a:schemeClr val="lt1"/>
+      </a:fontRef>
+    </dgm:style>
+  </dgm:styleLbl>
+  <dgm:styleLbl name="node2">
+    <dgm:scene3d>
+      <a:camera prst="orthographicFront"/>
+      <a:lightRig rig="threePt" dir="t"/>
+    </dgm:scene3d>
+    <dgm:sp3d/>
+    <dgm:txPr/>
+    <dgm:style>
+      <a:lnRef idx="2">
+        <a:scrgbClr r="0" g="0" b="0"/>
+      </a:lnRef>
+      <a:fillRef idx="1">
+        <a:scrgbClr r="0" g="0" b="0"/>
+      </a:fillRef>
+      <a:effectRef idx="0">
+        <a:scrgbClr r="0" g="0" b="0"/>
+      </a:effectRef>
+      <a:fontRef idx="minor">
+        <a:schemeClr val="lt1"/>
+      </a:fontRef>
+    </dgm:style>
+  </dgm:styleLbl>
+  <dgm:styleLbl name="node3">
+    <dgm:scene3d>
+      <a:camera prst="orthographicFront"/>
+      <a:lightRig rig="threePt" dir="t"/>
+    </dgm:scene3d>
+    <dgm:sp3d/>
+    <dgm:txPr/>
+    <dgm:style>
+      <a:lnRef idx="2">
+        <a:scrgbClr r="0" g="0" b="0"/>
+      </a:lnRef>
+      <a:fillRef idx="1">
+        <a:scrgbClr r="0" g="0" b="0"/>
+      </a:fillRef>
+      <a:effectRef idx="0">
+        <a:scrgbClr r="0" g="0" b="0"/>
+      </a:effectRef>
+      <a:fontRef idx="minor">
+        <a:schemeClr val="lt1"/>
+      </a:fontRef>
+    </dgm:style>
+  </dgm:styleLbl>
+  <dgm:styleLbl name="node4">
+    <dgm:scene3d>
+      <a:camera prst="orthographicFront"/>
+      <a:lightRig rig="threePt" dir="t"/>
+    </dgm:scene3d>
+    <dgm:sp3d/>
+    <dgm:txPr/>
+    <dgm:style>
+      <a:lnRef idx="2">
+        <a:scrgbClr r="0" g="0" b="0"/>
+      </a:lnRef>
+      <a:fillRef idx="1">
+        <a:scrgbClr r="0" g="0" b="0"/>
+      </a:fillRef>
+      <a:effectRef idx="0">
+        <a:scrgbClr r="0" g="0" b="0"/>
+      </a:effectRef>
+      <a:fontRef idx="minor">
+        <a:schemeClr val="lt1"/>
+      </a:fontRef>
+    </dgm:style>
+  </dgm:styleLbl>
+  <dgm:styleLbl name="fgImgPlace1">
+    <dgm:scene3d>
+      <a:camera prst="orthographicFront"/>
+      <a:lightRig rig="threePt" dir="t"/>
+    </dgm:scene3d>
+    <dgm:sp3d/>
+    <dgm:txPr/>
+    <dgm:style>
+      <a:lnRef idx="2">
+        <a:scrgbClr r="0" g="0" b="0"/>
+      </a:lnRef>
+      <a:fillRef idx="1">
+        <a:scrgbClr r="0" g="0" b="0"/>
+      </a:fillRef>
+      <a:effectRef idx="0">
+        <a:scrgbClr r="0" g="0" b="0"/>
+      </a:effectRef>
+      <a:fontRef idx="minor"/>
+    </dgm:style>
+  </dgm:styleLbl>
+  <dgm:styleLbl name="alignImgPlace1">
+    <dgm:scene3d>
+      <a:camera prst="orthographicFront"/>
+      <a:lightRig rig="threePt" dir="t"/>
+    </dgm:scene3d>
+    <dgm:sp3d/>
+    <dgm:txPr/>
+    <dgm:style>
+      <a:lnRef idx="2">
+        <a:scrgbClr r="0" g="0" b="0"/>
+      </a:lnRef>
+      <a:fillRef idx="1">
+        <a:scrgbClr r="0" g="0" b="0"/>
+      </a:fillRef>
+      <a:effectRef idx="0">
+        <a:scrgbClr r="0" g="0" b="0"/>
+      </a:effectRef>
+      <a:fontRef idx="minor"/>
+    </dgm:style>
+  </dgm:styleLbl>
+  <dgm:styleLbl name="bgImgPlace1">
+    <dgm:scene3d>
+      <a:camera prst="orthographicFront"/>
+      <a:lightRig rig="threePt" dir="t"/>
+    </dgm:scene3d>
+    <dgm:sp3d/>
+    <dgm:txPr/>
+    <dgm:style>
+      <a:lnRef idx="2">
+        <a:scrgbClr r="0" g="0" b="0"/>
+      </a:lnRef>
+      <a:fillRef idx="1">
+        <a:scrgbClr r="0" g="0" b="0"/>
+      </a:fillRef>
+      <a:effectRef idx="0">
+        <a:scrgbClr r="0" g="0" b="0"/>
+      </a:effectRef>
+      <a:fontRef idx="minor"/>
+    </dgm:style>
+  </dgm:styleLbl>
+  <dgm:styleLbl name="sibTrans2D1">
+    <dgm:scene3d>
+      <a:camera prst="orthographicFront"/>
+      <a:lightRig rig="threePt" dir="t"/>
+    </dgm:scene3d>
+    <dgm:sp3d/>
+    <dgm:txPr/>
+    <dgm:style>
+      <a:lnRef idx="0">
+        <a:scrgbClr r="0" g="0" b="0"/>
+      </a:lnRef>
+      <a:fillRef idx="1">
+        <a:scrgbClr r="0" g="0" b="0"/>
+      </a:fillRef>
+      <a:effectRef idx="0">
+        <a:scrgbClr r="0" g="0" b="0"/>
+      </a:effectRef>
+      <a:fontRef idx="minor">
+        <a:schemeClr val="lt1"/>
+      </a:fontRef>
+    </dgm:style>
+  </dgm:styleLbl>
+  <dgm:styleLbl name="fgSibTrans2D1">
+    <dgm:scene3d>
+      <a:camera prst="orthographicFront"/>
+      <a:lightRig rig="threePt" dir="t"/>
+    </dgm:scene3d>
+    <dgm:sp3d/>
+    <dgm:txPr/>
+    <dgm:style>
+      <a:lnRef idx="0">
+        <a:scrgbClr r="0" g="0" b="0"/>
+      </a:lnRef>
+      <a:fillRef idx="1">
+        <a:scrgbClr r="0" g="0" b="0"/>
+      </a:fillRef>
+      <a:effectRef idx="0">
+        <a:scrgbClr r="0" g="0" b="0"/>
+      </a:effectRef>
+      <a:fontRef idx="minor">
+        <a:schemeClr val="lt1"/>
+      </a:fontRef>
+    </dgm:style>
+  </dgm:styleLbl>
+  <dgm:styleLbl name="bgSibTrans2D1">
+    <dgm:scene3d>
+      <a:camera prst="orthographicFront"/>
+      <a:lightRig rig="threePt" dir="t"/>
+    </dgm:scene3d>
+    <dgm:sp3d/>
+    <dgm:txPr/>
+    <dgm:style>
+      <a:lnRef idx="0">
+        <a:scrgbClr r="0" g="0" b="0"/>
+      </a:lnRef>
+      <a:fillRef idx="1">
+        <a:scrgbClr r="0" g="0" b="0"/>
+      </a:fillRef>
+      <a:effectRef idx="0">
+        <a:scrgbClr r="0" g="0" b="0"/>
+      </a:effectRef>
+      <a:fontRef idx="minor">
+        <a:schemeClr val="lt1"/>
+      </a:fontRef>
+    </dgm:style>
+  </dgm:styleLbl>
+  <dgm:styleLbl name="sibTrans1D1">
+    <dgm:scene3d>
+      <a:camera prst="orthographicFront"/>
+      <a:lightRig rig="threePt" dir="t"/>
+    </dgm:scene3d>
+    <dgm:sp3d/>
+    <dgm:txPr/>
+    <dgm:style>
+      <a:lnRef idx="1">
+        <a:scrgbClr r="0" g="0" b="0"/>
+      </a:lnRef>
+      <a:fillRef idx="0">
+        <a:scrgbClr r="0" g="0" b="0"/>
+      </a:fillRef>
+      <a:effectRef idx="0">
+        <a:scrgbClr r="0" g="0" b="0"/>
+      </a:effectRef>
+      <a:fontRef idx="minor"/>
+    </dgm:style>
+  </dgm:styleLbl>
+  <dgm:styleLbl name="callout">
+    <dgm:scene3d>
+      <a:camera prst="orthographicFront"/>
+      <a:lightRig rig="threePt" dir="t"/>
+    </dgm:scene3d>
+    <dgm:sp3d/>
+    <dgm:txPr/>
+    <dgm:style>
+      <a:lnRef idx="2">
+        <a:scrgbClr r="0" g="0" b="0"/>
+      </a:lnRef>
+      <a:fillRef idx="1">
+        <a:scrgbClr r="0" g="0" b="0"/>
+      </a:fillRef>
+      <a:effectRef idx="0">
+        <a:scrgbClr r="0" g="0" b="0"/>
+      </a:effectRef>
+      <a:fontRef idx="minor"/>
+    </dgm:style>
+  </dgm:styleLbl>
+  <dgm:styleLbl name="asst0">
+    <dgm:scene3d>
+      <a:camera prst="orthographicFront"/>
+      <a:lightRig rig="threePt" dir="t"/>
+    </dgm:scene3d>
+    <dgm:sp3d/>
+    <dgm:txPr/>
+    <dgm:style>
+      <a:lnRef idx="2">
+        <a:scrgbClr r="0" g="0" b="0"/>
+      </a:lnRef>
+      <a:fillRef idx="1">
+        <a:scrgbClr r="0" g="0" b="0"/>
+      </a:fillRef>
+      <a:effectRef idx="0">
+        <a:scrgbClr r="0" g="0" b="0"/>
+      </a:effectRef>
+      <a:fontRef idx="minor">
+        <a:schemeClr val="lt1"/>
+      </a:fontRef>
+    </dgm:style>
+  </dgm:styleLbl>
+  <dgm:styleLbl name="asst1">
+    <dgm:scene3d>
+      <a:camera prst="orthographicFront"/>
+      <a:lightRig rig="threePt" dir="t"/>
+    </dgm:scene3d>
+    <dgm:sp3d/>
+    <dgm:txPr/>
+    <dgm:style>
+      <a:lnRef idx="2">
+        <a:scrgbClr r="0" g="0" b="0"/>
+      </a:lnRef>
+      <a:fillRef idx="1">
+        <a:scrgbClr r="0" g="0" b="0"/>
+      </a:fillRef>
+      <a:effectRef idx="0">
+        <a:scrgbClr r="0" g="0" b="0"/>
+      </a:effectRef>
+      <a:fontRef idx="minor">
+        <a:schemeClr val="lt1"/>
+      </a:fontRef>
+    </dgm:style>
+  </dgm:styleLbl>
+  <dgm:styleLbl name="asst2">
+    <dgm:scene3d>
+      <a:camera prst="orthographicFront"/>
+      <a:lightRig rig="threePt" dir="t"/>
+    </dgm:scene3d>
+    <dgm:sp3d/>
+    <dgm:txPr/>
+    <dgm:style>
+      <a:lnRef idx="2">
+        <a:scrgbClr r="0" g="0" b="0"/>
+      </a:lnRef>
+      <a:fillRef idx="1">
+        <a:scrgbClr r="0" g="0" b="0"/>
+      </a:fillRef>
+      <a:effectRef idx="0">
+        <a:scrgbClr r="0" g="0" b="0"/>
+      </a:effectRef>
+      <a:fontRef idx="minor">
+        <a:schemeClr val="lt1"/>
+      </a:fontRef>
+    </dgm:style>
+  </dgm:styleLbl>
+  <dgm:styleLbl name="asst3">
+    <dgm:scene3d>
+      <a:camera prst="orthographicFront"/>
+      <a:lightRig rig="threePt" dir="t"/>
+    </dgm:scene3d>
+    <dgm:sp3d/>
+    <dgm:txPr/>
+    <dgm:style>
+      <a:lnRef idx="2">
+        <a:scrgbClr r="0" g="0" b="0"/>
+      </a:lnRef>
+      <a:fillRef idx="1">
+        <a:scrgbClr r="0" g="0" b="0"/>
+      </a:fillRef>
+      <a:effectRef idx="0">
+        <a:scrgbClr r="0" g="0" b="0"/>
+      </a:effectRef>
+      <a:fontRef idx="minor">
+        <a:schemeClr val="lt1"/>
+      </a:fontRef>
+    </dgm:style>
+  </dgm:styleLbl>
+  <dgm:styleLbl name="asst4">
+    <dgm:scene3d>
+      <a:camera prst="orthographicFront"/>
+      <a:lightRig rig="threePt" dir="t"/>
+    </dgm:scene3d>
+    <dgm:sp3d/>
+    <dgm:txPr/>
+    <dgm:style>
+      <a:lnRef idx="2">
+        <a:scrgbClr r="0" g="0" b="0"/>
+      </a:lnRef>
+      <a:fillRef idx="1">
+        <a:scrgbClr r="0" g="0" b="0"/>
+      </a:fillRef>
+      <a:effectRef idx="0">
+        <a:scrgbClr r="0" g="0" b="0"/>
+      </a:effectRef>
+      <a:fontRef idx="minor">
+        <a:schemeClr val="lt1"/>
+      </a:fontRef>
+    </dgm:style>
+  </dgm:styleLbl>
+  <dgm:styleLbl name="parChTrans2D1">
+    <dgm:scene3d>
+      <a:camera prst="orthographicFront"/>
+      <a:lightRig rig="threePt" dir="t"/>
+    </dgm:scene3d>
+    <dgm:sp3d/>
+    <dgm:txPr/>
+    <dgm:style>
+      <a:lnRef idx="2">
+        <a:scrgbClr r="0" g="0" b="0"/>
+      </a:lnRef>
+      <a:fillRef idx="1">
+        <a:scrgbClr r="0" g="0" b="0"/>
+      </a:fillRef>
+      <a:effectRef idx="0">
+        <a:scrgbClr r="0" g="0" b="0"/>
+      </a:effectRef>
+      <a:fontRef idx="minor">
+        <a:schemeClr val="lt1"/>
+      </a:fontRef>
+    </dgm:style>
+  </dgm:styleLbl>
+  <dgm:styleLbl name="parChTrans2D2">
+    <dgm:scene3d>
+      <a:camera prst="orthographicFront"/>
+      <a:lightRig rig="threePt" dir="t"/>
+    </dgm:scene3d>
+    <dgm:sp3d/>
+    <dgm:txPr/>
+    <dgm:style>
+      <a:lnRef idx="2">
+        <a:scrgbClr r="0" g="0" b="0"/>
+      </a:lnRef>
+      <a:fillRef idx="1">
+        <a:scrgbClr r="0" g="0" b="0"/>
+      </a:fillRef>
+      <a:effectRef idx="0">
+        <a:scrgbClr r="0" g="0" b="0"/>
+      </a:effectRef>
+      <a:fontRef idx="minor">
+        <a:schemeClr val="lt1"/>
+      </a:fontRef>
+    </dgm:style>
+  </dgm:styleLbl>
+  <dgm:styleLbl name="parChTrans2D3">
+    <dgm:scene3d>
+      <a:camera prst="orthographicFront"/>
+      <a:lightRig rig="threePt" dir="t"/>
+    </dgm:scene3d>
+    <dgm:sp3d/>
+    <dgm:txPr/>
+    <dgm:style>
+      <a:lnRef idx="2">
+        <a:scrgbClr r="0" g="0" b="0"/>
+      </a:lnRef>
+      <a:fillRef idx="1">
+        <a:scrgbClr r="0" g="0" b="0"/>
+      </a:fillRef>
+      <a:effectRef idx="0">
+        <a:scrgbClr r="0" g="0" b="0"/>
+      </a:effectRef>
+      <a:fontRef idx="minor">
+        <a:schemeClr val="lt1"/>
+      </a:fontRef>
+    </dgm:style>
+  </dgm:styleLbl>
+  <dgm:styleLbl name="parChTrans2D4">
+    <dgm:scene3d>
+      <a:camera prst="orthographicFront"/>
+      <a:lightRig rig="threePt" dir="t"/>
+    </dgm:scene3d>
+    <dgm:sp3d/>
+    <dgm:txPr/>
+    <dgm:style>
+      <a:lnRef idx="2">
+        <a:scrgbClr r="0" g="0" b="0"/>
+      </a:lnRef>
+      <a:fillRef idx="1">
+        <a:scrgbClr r="0" g="0" b="0"/>
+      </a:fillRef>
+      <a:effectRef idx="0">
+        <a:scrgbClr r="0" g="0" b="0"/>
+      </a:effectRef>
+      <a:fontRef idx="minor">
+        <a:schemeClr val="lt1"/>
+      </a:fontRef>
+    </dgm:style>
+  </dgm:styleLbl>
+  <dgm:styleLbl name="parChTrans1D1">
+    <dgm:scene3d>
+      <a:camera prst="orthographicFront"/>
+      <a:lightRig rig="threePt" dir="t"/>
+    </dgm:scene3d>
+    <dgm:sp3d/>
+    <dgm:txPr/>
+    <dgm:style>
+      <a:lnRef idx="2">
+        <a:scrgbClr r="0" g="0" b="0"/>
+      </a:lnRef>
+      <a:fillRef idx="0">
+        <a:scrgbClr r="0" g="0" b="0"/>
+      </a:fillRef>
+      <a:effectRef idx="0">
+        <a:scrgbClr r="0" g="0" b="0"/>
+      </a:effectRef>
+      <a:fontRef idx="minor"/>
+    </dgm:style>
+  </dgm:styleLbl>
+  <dgm:styleLbl name="parChTrans1D2">
+    <dgm:scene3d>
+      <a:camera prst="orthographicFront"/>
+      <a:lightRig rig="threePt" dir="t"/>
+    </dgm:scene3d>
+    <dgm:sp3d/>
+    <dgm:txPr/>
+    <dgm:style>
+      <a:lnRef idx="2">
+        <a:scrgbClr r="0" g="0" b="0"/>
+      </a:lnRef>
+      <a:fillRef idx="0">
+        <a:scrgbClr r="0" g="0" b="0"/>
+      </a:fillRef>
+      <a:effectRef idx="0">
+        <a:scrgbClr r="0" g="0" b="0"/>
+      </a:effectRef>
+      <a:fontRef idx="minor"/>
+    </dgm:style>
+  </dgm:styleLbl>
+  <dgm:styleLbl name="parChTrans1D3">
+    <dgm:scene3d>
+      <a:camera prst="orthographicFront"/>
+      <a:lightRig rig="threePt" dir="t"/>
+    </dgm:scene3d>
+    <dgm:sp3d/>
+    <dgm:txPr/>
+    <dgm:style>
+      <a:lnRef idx="2">
+        <a:scrgbClr r="0" g="0" b="0"/>
+      </a:lnRef>
+      <a:fillRef idx="0">
+        <a:scrgbClr r="0" g="0" b="0"/>
+      </a:fillRef>
+      <a:effectRef idx="0">
+        <a:scrgbClr r="0" g="0" b="0"/>
+      </a:effectRef>
+      <a:fontRef idx="minor"/>
+    </dgm:style>
+  </dgm:styleLbl>
+  <dgm:styleLbl name="parChTrans1D4">
+    <dgm:scene3d>
+      <a:camera prst="orthographicFront"/>
+      <a:lightRig rig="threePt" dir="t"/>
+    </dgm:scene3d>
+    <dgm:sp3d/>
+    <dgm:txPr/>
+    <dgm:style>
+      <a:lnRef idx="2">
+        <a:scrgbClr r="0" g="0" b="0"/>
+      </a:lnRef>
+      <a:fillRef idx="0">
+        <a:scrgbClr r="0" g="0" b="0"/>
+      </a:fillRef>
+      <a:effectRef idx="0">
+        <a:scrgbClr r="0" g="0" b="0"/>
+      </a:effectRef>
+      <a:fontRef idx="minor"/>
+    </dgm:style>
+  </dgm:styleLbl>
+  <dgm:styleLbl name="fgAcc1">
+    <dgm:scene3d>
+      <a:camera prst="orthographicFront"/>
+      <a:lightRig rig="threePt" dir="t"/>
+    </dgm:scene3d>
+    <dgm:sp3d/>
+    <dgm:txPr/>
+    <dgm:style>
+      <a:lnRef idx="2">
+        <a:scrgbClr r="0" g="0" b="0"/>
+      </a:lnRef>
+      <a:fillRef idx="1">
+        <a:scrgbClr r="0" g="0" b="0"/>
+      </a:fillRef>
+      <a:effectRef idx="0">
+        <a:scrgbClr r="0" g="0" b="0"/>
+      </a:effectRef>
+      <a:fontRef idx="minor"/>
+    </dgm:style>
+  </dgm:styleLbl>
+  <dgm:styleLbl name="conFgAcc1">
+    <dgm:scene3d>
+      <a:camera prst="orthographicFront"/>
+      <a:lightRig rig="threePt" dir="t"/>
+    </dgm:scene3d>
+    <dgm:sp3d/>
+    <dgm:txPr/>
+    <dgm:style>
+      <a:lnRef idx="2">
+        <a:scrgbClr r="0" g="0" b="0"/>
+      </a:lnRef>
+      <a:fillRef idx="1">
+        <a:scrgbClr r="0" g="0" b="0"/>
+      </a:fillRef>
+      <a:effectRef idx="0">
+        <a:scrgbClr r="0" g="0" b="0"/>
+      </a:effectRef>
+      <a:fontRef idx="minor"/>
+    </dgm:style>
+  </dgm:styleLbl>
+  <dgm:styleLbl name="alignAcc1">
+    <dgm:scene3d>
+      <a:camera prst="orthographicFront"/>
+      <a:lightRig rig="threePt" dir="t"/>
+    </dgm:scene3d>
+    <dgm:sp3d/>
+    <dgm:txPr/>
+    <dgm:style>
+      <a:lnRef idx="2">
+        <a:scrgbClr r="0" g="0" b="0"/>
+      </a:lnRef>
+      <a:fillRef idx="1">
+        <a:scrgbClr r="0" g="0" b="0"/>
+      </a:fillRef>
+      <a:effectRef idx="0">
+        <a:scrgbClr r="0" g="0" b="0"/>
+      </a:effectRef>
+      <a:fontRef idx="minor"/>
+    </dgm:style>
+  </dgm:styleLbl>
+  <dgm:styleLbl name="trAlignAcc1">
+    <dgm:scene3d>
+      <a:camera prst="orthographicFront"/>
+      <a:lightRig rig="threePt" dir="t"/>
+    </dgm:scene3d>
+    <dgm:sp3d/>
+    <dgm:txPr/>
+    <dgm:style>
+      <a:lnRef idx="1">
+        <a:scrgbClr r="0" g="0" b="0"/>
+      </a:lnRef>
+      <a:fillRef idx="1">
+        <a:scrgbClr r="0" g="0" b="0"/>
+      </a:fillRef>
+      <a:effectRef idx="0">
+        <a:scrgbClr r="0" g="0" b="0"/>
+      </a:effectRef>
+      <a:fontRef idx="minor"/>
+    </dgm:style>
+  </dgm:styleLbl>
+  <dgm:styleLbl name="bgAcc1">
+    <dgm:scene3d>
+      <a:camera prst="orthographicFront"/>
+      <a:lightRig rig="threePt" dir="t"/>
+    </dgm:scene3d>
+    <dgm:sp3d/>
+    <dgm:txPr/>
+    <dgm:style>
+      <a:lnRef idx="2">
+        <a:scrgbClr r="0" g="0" b="0"/>
+      </a:lnRef>
+      <a:fillRef idx="1">
+        <a:scrgbClr r="0" g="0" b="0"/>
+      </a:fillRef>
+      <a:effectRef idx="0">
+        <a:scrgbClr r="0" g="0" b="0"/>
+      </a:effectRef>
+      <a:fontRef idx="minor"/>
+    </dgm:style>
+  </dgm:styleLbl>
+  <dgm:styleLbl name="solidFgAcc1">
+    <dgm:scene3d>
+      <a:camera prst="orthographicFront"/>
+      <a:lightRig rig="threePt" dir="t"/>
+    </dgm:scene3d>
+    <dgm:sp3d/>
+    <dgm:txPr/>
+    <dgm:style>
+      <a:lnRef idx="2">
+        <a:scrgbClr r="0" g="0" b="0"/>
+      </a:lnRef>
+      <a:fillRef idx="1">
+        <a:scrgbClr r="0" g="0" b="0"/>
+      </a:fillRef>
+      <a:effectRef idx="0">
+        <a:scrgbClr r="0" g="0" b="0"/>
+      </a:effectRef>
+      <a:fontRef idx="minor"/>
+    </dgm:style>
+  </dgm:styleLbl>
+  <dgm:styleLbl name="solidAlignAcc1">
+    <dgm:scene3d>
+      <a:camera prst="orthographicFront"/>
+      <a:lightRig rig="threePt" dir="t"/>
+    </dgm:scene3d>
+    <dgm:sp3d/>
+    <dgm:txPr/>
+    <dgm:style>
+      <a:lnRef idx="2">
+        <a:scrgbClr r="0" g="0" b="0"/>
+      </a:lnRef>
+      <a:fillRef idx="1">
+        <a:scrgbClr r="0" g="0" b="0"/>
+      </a:fillRef>
+      <a:effectRef idx="0">
+        <a:scrgbClr r="0" g="0" b="0"/>
+      </a:effectRef>
+      <a:fontRef idx="minor"/>
+    </dgm:style>
+  </dgm:styleLbl>
+  <dgm:styleLbl name="solidBgAcc1">
+    <dgm:scene3d>
+      <a:camera prst="orthographicFront"/>
+      <a:lightRig rig="threePt" dir="t"/>
+    </dgm:scene3d>
+    <dgm:sp3d/>
+    <dgm:txPr/>
+    <dgm:style>
+      <a:lnRef idx="2">
+        <a:scrgbClr r="0" g="0" b="0"/>
+      </a:lnRef>
+      <a:fillRef idx="1">
+        <a:scrgbClr r="0" g="0" b="0"/>
+      </a:fillRef>
+      <a:effectRef idx="0">
+        <a:scrgbClr r="0" g="0" b="0"/>
+      </a:effectRef>
+      <a:fontRef idx="minor"/>
+    </dgm:style>
+  </dgm:styleLbl>
+  <dgm:styleLbl name="fgAccFollowNode1">
+    <dgm:scene3d>
+      <a:camera prst="orthographicFront"/>
+      <a:lightRig rig="threePt" dir="t"/>
+    </dgm:scene3d>
+    <dgm:sp3d/>
+    <dgm:txPr/>
+    <dgm:style>
+      <a:lnRef idx="2">
+        <a:scrgbClr r="0" g="0" b="0"/>
+      </a:lnRef>
+      <a:fillRef idx="1">
+        <a:scrgbClr r="0" g="0" b="0"/>
+      </a:fillRef>
+      <a:effectRef idx="0">
+        <a:scrgbClr r="0" g="0" b="0"/>
+      </a:effectRef>
+      <a:fontRef idx="minor"/>
+    </dgm:style>
+  </dgm:styleLbl>
+  <dgm:styleLbl name="alignAccFollowNode1">
+    <dgm:scene3d>
+      <a:camera prst="orthographicFront"/>
+      <a:lightRig rig="threePt" dir="t"/>
+    </dgm:scene3d>
+    <dgm:sp3d/>
+    <dgm:txPr/>
+    <dgm:style>
+      <a:lnRef idx="2">
+        <a:scrgbClr r="0" g="0" b="0"/>
+      </a:lnRef>
+      <a:fillRef idx="1">
+        <a:scrgbClr r="0" g="0" b="0"/>
+      </a:fillRef>
+      <a:effectRef idx="0">
+        <a:scrgbClr r="0" g="0" b="0"/>
+      </a:effectRef>
+      <a:fontRef idx="minor"/>
+    </dgm:style>
+  </dgm:styleLbl>
+  <dgm:styleLbl name="bgAccFollowNode1">
+    <dgm:scene3d>
+      <a:camera prst="orthographicFront"/>
+      <a:lightRig rig="threePt" dir="t"/>
+    </dgm:scene3d>
+    <dgm:sp3d/>
+    <dgm:txPr/>
+    <dgm:style>
+      <a:lnRef idx="2">
+        <a:scrgbClr r="0" g="0" b="0"/>
+      </a:lnRef>
+      <a:fillRef idx="1">
+        <a:scrgbClr r="0" g="0" b="0"/>
+      </a:fillRef>
+      <a:effectRef idx="0">
+        <a:scrgbClr r="0" g="0" b="0"/>
+      </a:effectRef>
+      <a:fontRef idx="minor"/>
+    </dgm:style>
+  </dgm:styleLbl>
+  <dgm:styleLbl name="fgAcc0">
+    <dgm:scene3d>
+      <a:camera prst="orthographicFront"/>
+      <a:lightRig rig="threePt" dir="t"/>
+    </dgm:scene3d>
+    <dgm:sp3d/>
+    <dgm:txPr/>
+    <dgm:style>
+      <a:lnRef idx="2">
+        <a:scrgbClr r="0" g="0" b="0"/>
+      </a:lnRef>
+      <a:fillRef idx="1">
+        <a:scrgbClr r="0" g="0" b="0"/>
+      </a:fillRef>
+      <a:effectRef idx="0">
+        <a:scrgbClr r="0" g="0" b="0"/>
+      </a:effectRef>
+      <a:fontRef idx="minor"/>
+    </dgm:style>
+  </dgm:styleLbl>
+  <dgm:styleLbl name="fgAcc2">
+    <dgm:scene3d>
+      <a:camera prst="orthographicFront"/>
+      <a:lightRig rig="threePt" dir="t"/>
+    </dgm:scene3d>
+    <dgm:sp3d/>
+    <dgm:txPr/>
+    <dgm:style>
+      <a:lnRef idx="2">
+        <a:scrgbClr r="0" g="0" b="0"/>
+      </a:lnRef>
+      <a:fillRef idx="1">
+        <a:scrgbClr r="0" g="0" b="0"/>
+      </a:fillRef>
+      <a:effectRef idx="0">
+        <a:scrgbClr r="0" g="0" b="0"/>
+      </a:effectRef>
+      <a:fontRef idx="minor"/>
+    </dgm:style>
+  </dgm:styleLbl>
+  <dgm:styleLbl name="fgAcc3">
+    <dgm:scene3d>
+      <a:camera prst="orthographicFront"/>
+      <a:lightRig rig="threePt" dir="t"/>
+    </dgm:scene3d>
+    <dgm:sp3d/>
+    <dgm:txPr/>
+    <dgm:style>
+      <a:lnRef idx="2">
+        <a:scrgbClr r="0" g="0" b="0"/>
+      </a:lnRef>
+      <a:fillRef idx="1">
+        <a:scrgbClr r="0" g="0" b="0"/>
+      </a:fillRef>
+      <a:effectRef idx="0">
+        <a:scrgbClr r="0" g="0" b="0"/>
+      </a:effectRef>
+      <a:fontRef idx="minor"/>
+    </dgm:style>
+  </dgm:styleLbl>
+  <dgm:styleLbl name="fgAcc4">
+    <dgm:scene3d>
+      <a:camera prst="orthographicFront"/>
+      <a:lightRig rig="threePt" dir="t"/>
+    </dgm:scene3d>
+    <dgm:sp3d/>
+    <dgm:txPr/>
+    <dgm:style>
+      <a:lnRef idx="2">
+        <a:scrgbClr r="0" g="0" b="0"/>
+      </a:lnRef>
+      <a:fillRef idx="1">
+        <a:scrgbClr r="0" g="0" b="0"/>
+      </a:fillRef>
+      <a:effectRef idx="0">
+        <a:scrgbClr r="0" g="0" b="0"/>
+      </a:effectRef>
+      <a:fontRef idx="minor"/>
+    </dgm:style>
+  </dgm:styleLbl>
+  <dgm:styleLbl name="bgShp">
+    <dgm:scene3d>
+      <a:camera prst="orthographicFront"/>
+      <a:lightRig rig="threePt" dir="t"/>
+    </dgm:scene3d>
+    <dgm:sp3d/>
+    <dgm:txPr/>
+    <dgm:style>
+      <a:lnRef idx="0">
+        <a:scrgbClr r="0" g="0" b="0"/>
+      </a:lnRef>
+      <a:fillRef idx="1">
+        <a:scrgbClr r="0" g="0" b="0"/>
+      </a:fillRef>
+      <a:effectRef idx="0">
+        <a:scrgbClr r="0" g="0" b="0"/>
+      </a:effectRef>
+      <a:fontRef idx="minor"/>
+    </dgm:style>
+  </dgm:styleLbl>
+  <dgm:styleLbl name="dkBgShp">
+    <dgm:scene3d>
+      <a:camera prst="orthographicFront"/>
+      <a:lightRig rig="threePt" dir="t"/>
+    </dgm:scene3d>
+    <dgm:sp3d/>
+    <dgm:txPr/>
+    <dgm:style>
+      <a:lnRef idx="0">
+        <a:scrgbClr r="0" g="0" b="0"/>
+      </a:lnRef>
+      <a:fillRef idx="1">
+        <a:scrgbClr r="0" g="0" b="0"/>
+      </a:fillRef>
+      <a:effectRef idx="0">
+        <a:scrgbClr r="0" g="0" b="0"/>
+      </a:effectRef>
+      <a:fontRef idx="minor"/>
+    </dgm:style>
+  </dgm:styleLbl>
+  <dgm:styleLbl name="trBgShp">
+    <dgm:scene3d>
+      <a:camera prst="orthographicFront"/>
+      <a:lightRig rig="threePt" dir="t"/>
+    </dgm:scene3d>
+    <dgm:sp3d/>
+    <dgm:txPr/>
+    <dgm:style>
+      <a:lnRef idx="0">
+        <a:scrgbClr r="0" g="0" b="0"/>
+      </a:lnRef>
+      <a:fillRef idx="1">
+        <a:scrgbClr r="0" g="0" b="0"/>
+      </a:fillRef>
+      <a:effectRef idx="0">
+        <a:scrgbClr r="0" g="0" b="0"/>
+      </a:effectRef>
+      <a:fontRef idx="minor"/>
+    </dgm:style>
+  </dgm:styleLbl>
+  <dgm:styleLbl name="fgShp">
+    <dgm:scene3d>
+      <a:camera prst="orthographicFront"/>
+      <a:lightRig rig="threePt" dir="t"/>
+    </dgm:scene3d>
+    <dgm:sp3d/>
+    <dgm:txPr/>
+    <dgm:style>
+      <a:lnRef idx="2">
+        <a:scrgbClr r="0" g="0" b="0"/>
+      </a:lnRef>
+      <a:fillRef idx="1">
+        <a:scrgbClr r="0" g="0" b="0"/>
+      </a:fillRef>
+      <a:effectRef idx="0">
+        <a:scrgbClr r="0" g="0" b="0"/>
+      </a:effectRef>
+      <a:fontRef idx="minor"/>
+    </dgm:style>
+  </dgm:styleLbl>
+  <dgm:styleLbl name="revTx">
+    <dgm:scene3d>
+      <a:camera prst="orthographicFront"/>
+      <a:lightRig rig="threePt" dir="t"/>
+    </dgm:scene3d>
+    <dgm:sp3d/>
+    <dgm:txPr/>
+    <dgm:style>
+      <a:lnRef idx="0">
+        <a:scrgbClr r="0" g="0" b="0"/>
+      </a:lnRef>
+      <a:fillRef idx="0">
+        <a:scrgbClr r="0" g="0" b="0"/>
+      </a:fillRef>
+      <a:effectRef idx="0">
+        <a:scrgbClr r="0" g="0" b="0"/>
+      </a:effectRef>
+      <a:fontRef idx="minor"/>
+    </dgm:style>
+  </dgm:styleLbl>
+</dgm:styleDef>
+</file>
+
+<file path=ppt/diagrams/quickStyle2.xml><?xml version="1.0" encoding="utf-8"?>
 <dgm:styleDef xmlns:dgm="http://schemas.openxmlformats.org/drawingml/2006/diagram" xmlns:a="http://schemas.openxmlformats.org/drawingml/2006/main" uniqueId="urn:microsoft.com/office/officeart/2005/8/quickstyle/simple1">
   <dgm:title val=""/>
   <dgm:desc val=""/>
@@ -6995,6 +13826,132 @@
           <p:cNvPr id="2" name="Título 1">
             <a:extLst>
               <a:ext uri="{FF2B5EF4-FFF2-40B4-BE49-F238E27FC236}">
+                <a16:creationId xmlns:a16="http://schemas.microsoft.com/office/drawing/2014/main" id="{BF668323-93C9-4104-B835-63B1CE03EE0D}"/>
+              </a:ext>
+            </a:extLst>
+          </p:cNvPr>
+          <p:cNvSpPr>
+            <a:spLocks noGrp="1"/>
+          </p:cNvSpPr>
+          <p:nvPr>
+            <p:ph type="title"/>
+          </p:nvPr>
+        </p:nvSpPr>
+        <p:spPr/>
+        <p:txBody>
+          <a:bodyPr/>
+          <a:lstStyle/>
+          <a:p>
+            <a:r>
+              <a:rPr lang="es-MX" sz="2000" dirty="0">
+                <a:solidFill>
+                  <a:schemeClr val="accent6">
+                    <a:lumMod val="75000"/>
+                  </a:schemeClr>
+                </a:solidFill>
+              </a:rPr>
+              <a:t>Libro de códigos</a:t>
+            </a:r>
+            <a:endParaRPr lang="es-CO" dirty="0"/>
+          </a:p>
+        </p:txBody>
+      </p:sp>
+      <p:sp>
+        <p:nvSpPr>
+          <p:cNvPr id="3" name="Marcador de número de diapositiva 2">
+            <a:extLst>
+              <a:ext uri="{FF2B5EF4-FFF2-40B4-BE49-F238E27FC236}">
+                <a16:creationId xmlns:a16="http://schemas.microsoft.com/office/drawing/2014/main" id="{7A80B723-6BAF-49DB-881E-7B4238FBABF5}"/>
+              </a:ext>
+            </a:extLst>
+          </p:cNvPr>
+          <p:cNvSpPr>
+            <a:spLocks noGrp="1"/>
+          </p:cNvSpPr>
+          <p:nvPr>
+            <p:ph type="sldNum" sz="quarter" idx="4"/>
+          </p:nvPr>
+        </p:nvSpPr>
+        <p:spPr/>
+        <p:txBody>
+          <a:bodyPr/>
+          <a:lstStyle/>
+          <a:p>
+            <a:fld id="{7B9FEC08-3CB9-4589-AE85-79CE5D0C7E7C}" type="slidenum">
+              <a:rPr lang="es-ES" altLang="es-CO" smtClean="0"/>
+              <a:pPr/>
+              <a:t>7</a:t>
+            </a:fld>
+            <a:endParaRPr lang="es-ES" altLang="es-CO" dirty="0"/>
+          </a:p>
+        </p:txBody>
+      </p:sp>
+      <p:graphicFrame>
+        <p:nvGraphicFramePr>
+          <p:cNvPr id="5" name="Marcador de contenido 4">
+            <a:extLst>
+              <a:ext uri="{FF2B5EF4-FFF2-40B4-BE49-F238E27FC236}">
+                <a16:creationId xmlns:a16="http://schemas.microsoft.com/office/drawing/2014/main" id="{29D2D61A-61D5-4ABE-999F-0575ED9DE375}"/>
+              </a:ext>
+            </a:extLst>
+          </p:cNvPr>
+          <p:cNvGraphicFramePr>
+            <a:graphicFrameLocks noGrp="1"/>
+          </p:cNvGraphicFramePr>
+          <p:nvPr>
+            <p:ph idx="1"/>
+            <p:extLst>
+              <p:ext uri="{D42A27DB-BD31-4B8C-83A1-F6EECF244321}">
+                <p14:modId xmlns:p14="http://schemas.microsoft.com/office/powerpoint/2010/main" val="2593841307"/>
+              </p:ext>
+            </p:extLst>
+          </p:nvPr>
+        </p:nvGraphicFramePr>
+        <p:xfrm>
+          <a:off x="970845" y="666044"/>
+          <a:ext cx="7571220" cy="4368800"/>
+        </p:xfrm>
+        <a:graphic>
+          <a:graphicData uri="http://schemas.openxmlformats.org/drawingml/2006/diagram">
+            <dgm:relIds xmlns:dgm="http://schemas.openxmlformats.org/drawingml/2006/diagram" xmlns:r="http://schemas.openxmlformats.org/officeDocument/2006/relationships" r:dm="rId2" r:lo="rId3" r:qs="rId4" r:cs="rId5"/>
+          </a:graphicData>
+        </a:graphic>
+      </p:graphicFrame>
+    </p:spTree>
+    <p:extLst>
+      <p:ext uri="{BB962C8B-B14F-4D97-AF65-F5344CB8AC3E}">
+        <p14:creationId xmlns:p14="http://schemas.microsoft.com/office/powerpoint/2010/main" val="2705092822"/>
+      </p:ext>
+    </p:extLst>
+  </p:cSld>
+  <p:clrMapOvr>
+    <a:masterClrMapping/>
+  </p:clrMapOvr>
+</p:sld>
+</file>
+
+<file path=ppt/slides/slide8.xml><?xml version="1.0" encoding="utf-8"?>
+<p:sld xmlns:a="http://schemas.openxmlformats.org/drawingml/2006/main" xmlns:r="http://schemas.openxmlformats.org/officeDocument/2006/relationships" xmlns:p="http://schemas.openxmlformats.org/presentationml/2006/main">
+  <p:cSld>
+    <p:spTree>
+      <p:nvGrpSpPr>
+        <p:cNvPr id="1" name=""/>
+        <p:cNvGrpSpPr/>
+        <p:nvPr/>
+      </p:nvGrpSpPr>
+      <p:grpSpPr>
+        <a:xfrm>
+          <a:off x="0" y="0"/>
+          <a:ext cx="0" cy="0"/>
+          <a:chOff x="0" y="0"/>
+          <a:chExt cx="0" cy="0"/>
+        </a:xfrm>
+      </p:grpSpPr>
+      <p:sp>
+        <p:nvSpPr>
+          <p:cNvPr id="2" name="Título 1">
+            <a:extLst>
+              <a:ext uri="{FF2B5EF4-FFF2-40B4-BE49-F238E27FC236}">
                 <a16:creationId xmlns:a16="http://schemas.microsoft.com/office/drawing/2014/main" id="{4C54571B-45C6-494E-88D5-FF0C1B5BB6AC}"/>
               </a:ext>
             </a:extLst>
@@ -7079,7 +14036,7 @@
 </p:sld>
 </file>
 
-<file path=ppt/slides/slide8.xml><?xml version="1.0" encoding="utf-8"?>
+<file path=ppt/slides/slide9.xml><?xml version="1.0" encoding="utf-8"?>
 <p:sld xmlns:a="http://schemas.openxmlformats.org/drawingml/2006/main" xmlns:r="http://schemas.openxmlformats.org/officeDocument/2006/relationships" xmlns:p="http://schemas.openxmlformats.org/presentationml/2006/main">
   <p:cSld>
     <p:spTree>
